--- a/!documentation/IvarsLevans_KvalifikacijasDarbsPrezentacija.pptx
+++ b/!documentation/IvarsLevans_KvalifikacijasDarbsPrezentacija.pptx
@@ -5,47 +5,45 @@
     <p:sldMasterId id="2147483671" r:id="rId1"/>
   </p:sldMasterIdLst>
   <p:notesMasterIdLst>
-    <p:notesMasterId r:id="rId14"/>
+    <p:notesMasterId r:id="rId12"/>
   </p:notesMasterIdLst>
   <p:sldIdLst>
     <p:sldId id="256" r:id="rId2"/>
-    <p:sldId id="258" r:id="rId3"/>
-    <p:sldId id="261" r:id="rId4"/>
-    <p:sldId id="272" r:id="rId5"/>
-    <p:sldId id="273" r:id="rId6"/>
-    <p:sldId id="274" r:id="rId7"/>
-    <p:sldId id="276" r:id="rId8"/>
-    <p:sldId id="275" r:id="rId9"/>
-    <p:sldId id="277" r:id="rId10"/>
-    <p:sldId id="281" r:id="rId11"/>
-    <p:sldId id="269" r:id="rId12"/>
-    <p:sldId id="279" r:id="rId13"/>
+    <p:sldId id="261" r:id="rId3"/>
+    <p:sldId id="272" r:id="rId4"/>
+    <p:sldId id="273" r:id="rId5"/>
+    <p:sldId id="274" r:id="rId6"/>
+    <p:sldId id="276" r:id="rId7"/>
+    <p:sldId id="275" r:id="rId8"/>
+    <p:sldId id="277" r:id="rId9"/>
+    <p:sldId id="281" r:id="rId10"/>
+    <p:sldId id="269" r:id="rId11"/>
   </p:sldIdLst>
   <p:sldSz cx="9144000" cy="5143500" type="screen16x9"/>
   <p:notesSz cx="6858000" cy="9144000"/>
   <p:embeddedFontLst>
     <p:embeddedFont>
       <p:font typeface="Anaheim" panose="020B0604020202020204" charset="0"/>
-      <p:regular r:id="rId15"/>
+      <p:regular r:id="rId13"/>
     </p:embeddedFont>
     <p:embeddedFont>
       <p:font typeface="DM Sans" panose="020B0604020202020204" charset="0"/>
-      <p:regular r:id="rId16"/>
-      <p:bold r:id="rId17"/>
-      <p:italic r:id="rId18"/>
-      <p:boldItalic r:id="rId19"/>
+      <p:regular r:id="rId14"/>
+      <p:bold r:id="rId15"/>
+      <p:italic r:id="rId16"/>
+      <p:boldItalic r:id="rId17"/>
     </p:embeddedFont>
     <p:embeddedFont>
       <p:font typeface="Montserrat" panose="00000500000000000000" pitchFamily="2" charset="0"/>
-      <p:regular r:id="rId20"/>
-      <p:bold r:id="rId21"/>
-      <p:italic r:id="rId22"/>
-      <p:boldItalic r:id="rId23"/>
+      <p:regular r:id="rId18"/>
+      <p:bold r:id="rId19"/>
+      <p:italic r:id="rId20"/>
+      <p:boldItalic r:id="rId21"/>
     </p:embeddedFont>
     <p:embeddedFont>
       <p:font typeface="Nunito Light" pitchFamily="2" charset="0"/>
-      <p:regular r:id="rId24"/>
-      <p:italic r:id="rId25"/>
+      <p:regular r:id="rId22"/>
+      <p:italic r:id="rId23"/>
     </p:embeddedFont>
   </p:embeddedFontLst>
   <p:defaultTextStyle>
@@ -277,6 +275,11 @@
       </a:defRPr>
     </a:lvl9pPr>
   </p:defaultTextStyle>
+  <p:extLst>
+    <p:ext uri="{EFAFB233-063F-42B5-8137-9DF3F51BA10A}">
+      <p15:sldGuideLst xmlns:p15="http://schemas.microsoft.com/office/powerpoint/2012/main"/>
+    </p:ext>
+  </p:extLst>
 </p:presentation>
 </file>
 
@@ -922,11 +925,6 @@
         </p:txBody>
       </p:sp>
     </p:spTree>
-    <p:extLst>
-      <p:ext uri="{BB962C8B-B14F-4D97-AF65-F5344CB8AC3E}">
-        <p14:creationId xmlns:p14="http://schemas.microsoft.com/office/powerpoint/2010/main" val="312162717"/>
-      </p:ext>
-    </p:extLst>
   </p:cSld>
   <p:clrMapOvr>
     <a:masterClrMapping/>
@@ -934,12 +932,12 @@
 </p:notes>
 </file>
 
-<file path=ppt/notesSlides/notesSlide11.xml><?xml version="1.0" encoding="utf-8"?>
+<file path=ppt/notesSlides/notesSlide2.xml><?xml version="1.0" encoding="utf-8"?>
 <p:notes xmlns:a="http://schemas.openxmlformats.org/drawingml/2006/main" xmlns:r="http://schemas.openxmlformats.org/officeDocument/2006/relationships" xmlns:p="http://schemas.openxmlformats.org/presentationml/2006/main" showMasterSp="0" showMasterPhAnim="0">
   <p:cSld>
     <p:spTree>
       <p:nvGrpSpPr>
-        <p:cNvPr id="1" name="Shape 461"/>
+        <p:cNvPr id="1" name="Shape 316"/>
         <p:cNvGrpSpPr/>
         <p:nvPr/>
       </p:nvGrpSpPr>
@@ -953,7 +951,7 @@
       </p:grpSpPr>
       <p:sp>
         <p:nvSpPr>
-          <p:cNvPr id="462" name="Google Shape;462;g2bcb4e99290_0_0:notes"/>
+          <p:cNvPr id="317" name="Google Shape;317;g1f2be96cb76_0_161:notes"/>
           <p:cNvSpPr>
             <a:spLocks noGrp="1" noRot="1" noChangeAspect="1"/>
           </p:cNvSpPr>
@@ -994,7 +992,7 @@
       </p:sp>
       <p:sp>
         <p:nvSpPr>
-          <p:cNvPr id="463" name="Google Shape;463;g2bcb4e99290_0_0:notes"/>
+          <p:cNvPr id="318" name="Google Shape;318;g1f2be96cb76_0_161:notes"/>
           <p:cNvSpPr txBox="1">
             <a:spLocks noGrp="1"/>
           </p:cNvSpPr>
@@ -1038,7 +1036,7 @@
 </p:notes>
 </file>
 
-<file path=ppt/notesSlides/notesSlide12.xml><?xml version="1.0" encoding="utf-8"?>
+<file path=ppt/notesSlides/notesSlide3.xml><?xml version="1.0" encoding="utf-8"?>
 <p:notes xmlns:a="http://schemas.openxmlformats.org/drawingml/2006/main" xmlns:r="http://schemas.openxmlformats.org/officeDocument/2006/relationships" xmlns:p="http://schemas.openxmlformats.org/presentationml/2006/main" showMasterSp="0" showMasterPhAnim="0">
   <p:cSld>
     <p:spTree>
@@ -1137,217 +1135,9 @@
     </p:spTree>
     <p:extLst>
       <p:ext uri="{BB962C8B-B14F-4D97-AF65-F5344CB8AC3E}">
-        <p14:creationId xmlns:p14="http://schemas.microsoft.com/office/powerpoint/2010/main" val="819711758"/>
+        <p14:creationId xmlns:p14="http://schemas.microsoft.com/office/powerpoint/2010/main" val="1576800595"/>
       </p:ext>
     </p:extLst>
-  </p:cSld>
-  <p:clrMapOvr>
-    <a:masterClrMapping/>
-  </p:clrMapOvr>
-</p:notes>
-</file>
-
-<file path=ppt/notesSlides/notesSlide2.xml><?xml version="1.0" encoding="utf-8"?>
-<p:notes xmlns:a="http://schemas.openxmlformats.org/drawingml/2006/main" xmlns:r="http://schemas.openxmlformats.org/officeDocument/2006/relationships" xmlns:p="http://schemas.openxmlformats.org/presentationml/2006/main" showMasterSp="0" showMasterPhAnim="0">
-  <p:cSld>
-    <p:spTree>
-      <p:nvGrpSpPr>
-        <p:cNvPr id="1" name="Shape 275"/>
-        <p:cNvGrpSpPr/>
-        <p:nvPr/>
-      </p:nvGrpSpPr>
-      <p:grpSpPr>
-        <a:xfrm>
-          <a:off x="0" y="0"/>
-          <a:ext cx="0" cy="0"/>
-          <a:chOff x="0" y="0"/>
-          <a:chExt cx="0" cy="0"/>
-        </a:xfrm>
-      </p:grpSpPr>
-      <p:sp>
-        <p:nvSpPr>
-          <p:cNvPr id="276" name="Google Shape;276;g1f2be96cb76_0_34:notes"/>
-          <p:cNvSpPr>
-            <a:spLocks noGrp="1" noRot="1" noChangeAspect="1"/>
-          </p:cNvSpPr>
-          <p:nvPr>
-            <p:ph type="sldImg" idx="2"/>
-          </p:nvPr>
-        </p:nvSpPr>
-        <p:spPr>
-          <a:xfrm>
-            <a:off x="381000" y="685800"/>
-            <a:ext cx="6096000" cy="3429000"/>
-          </a:xfrm>
-          <a:custGeom>
-            <a:avLst/>
-            <a:gdLst/>
-            <a:ahLst/>
-            <a:cxnLst/>
-            <a:rect l="l" t="t" r="r" b="b"/>
-            <a:pathLst>
-              <a:path w="120000" h="120000" extrusionOk="0">
-                <a:moveTo>
-                  <a:pt x="0" y="0"/>
-                </a:moveTo>
-                <a:lnTo>
-                  <a:pt x="120000" y="0"/>
-                </a:lnTo>
-                <a:lnTo>
-                  <a:pt x="120000" y="120000"/>
-                </a:lnTo>
-                <a:lnTo>
-                  <a:pt x="0" y="120000"/>
-                </a:lnTo>
-                <a:close/>
-              </a:path>
-            </a:pathLst>
-          </a:custGeom>
-        </p:spPr>
-      </p:sp>
-      <p:sp>
-        <p:nvSpPr>
-          <p:cNvPr id="277" name="Google Shape;277;g1f2be96cb76_0_34:notes"/>
-          <p:cNvSpPr txBox="1">
-            <a:spLocks noGrp="1"/>
-          </p:cNvSpPr>
-          <p:nvPr>
-            <p:ph type="body" idx="1"/>
-          </p:nvPr>
-        </p:nvSpPr>
-        <p:spPr>
-          <a:xfrm>
-            <a:off x="685800" y="4343400"/>
-            <a:ext cx="5486400" cy="4114800"/>
-          </a:xfrm>
-          <a:prstGeom prst="rect">
-            <a:avLst/>
-          </a:prstGeom>
-        </p:spPr>
-        <p:txBody>
-          <a:bodyPr spcFirstLastPara="1" wrap="square" lIns="91425" tIns="91425" rIns="91425" bIns="91425" anchor="t" anchorCtr="0">
-            <a:noAutofit/>
-          </a:bodyPr>
-          <a:lstStyle/>
-          <a:p>
-            <a:pPr marL="0" lvl="0" indent="0" algn="l" rtl="0">
-              <a:spcBef>
-                <a:spcPts val="0"/>
-              </a:spcBef>
-              <a:spcAft>
-                <a:spcPts val="0"/>
-              </a:spcAft>
-              <a:buNone/>
-            </a:pPr>
-            <a:endParaRPr/>
-          </a:p>
-        </p:txBody>
-      </p:sp>
-    </p:spTree>
-  </p:cSld>
-  <p:clrMapOvr>
-    <a:masterClrMapping/>
-  </p:clrMapOvr>
-</p:notes>
-</file>
-
-<file path=ppt/notesSlides/notesSlide3.xml><?xml version="1.0" encoding="utf-8"?>
-<p:notes xmlns:a="http://schemas.openxmlformats.org/drawingml/2006/main" xmlns:r="http://schemas.openxmlformats.org/officeDocument/2006/relationships" xmlns:p="http://schemas.openxmlformats.org/presentationml/2006/main" showMasterSp="0" showMasterPhAnim="0">
-  <p:cSld>
-    <p:spTree>
-      <p:nvGrpSpPr>
-        <p:cNvPr id="1" name="Shape 316"/>
-        <p:cNvGrpSpPr/>
-        <p:nvPr/>
-      </p:nvGrpSpPr>
-      <p:grpSpPr>
-        <a:xfrm>
-          <a:off x="0" y="0"/>
-          <a:ext cx="0" cy="0"/>
-          <a:chOff x="0" y="0"/>
-          <a:chExt cx="0" cy="0"/>
-        </a:xfrm>
-      </p:grpSpPr>
-      <p:sp>
-        <p:nvSpPr>
-          <p:cNvPr id="317" name="Google Shape;317;g1f2be96cb76_0_161:notes"/>
-          <p:cNvSpPr>
-            <a:spLocks noGrp="1" noRot="1" noChangeAspect="1"/>
-          </p:cNvSpPr>
-          <p:nvPr>
-            <p:ph type="sldImg" idx="2"/>
-          </p:nvPr>
-        </p:nvSpPr>
-        <p:spPr>
-          <a:xfrm>
-            <a:off x="381000" y="685800"/>
-            <a:ext cx="6096000" cy="3429000"/>
-          </a:xfrm>
-          <a:custGeom>
-            <a:avLst/>
-            <a:gdLst/>
-            <a:ahLst/>
-            <a:cxnLst/>
-            <a:rect l="l" t="t" r="r" b="b"/>
-            <a:pathLst>
-              <a:path w="120000" h="120000" extrusionOk="0">
-                <a:moveTo>
-                  <a:pt x="0" y="0"/>
-                </a:moveTo>
-                <a:lnTo>
-                  <a:pt x="120000" y="0"/>
-                </a:lnTo>
-                <a:lnTo>
-                  <a:pt x="120000" y="120000"/>
-                </a:lnTo>
-                <a:lnTo>
-                  <a:pt x="0" y="120000"/>
-                </a:lnTo>
-                <a:close/>
-              </a:path>
-            </a:pathLst>
-          </a:custGeom>
-        </p:spPr>
-      </p:sp>
-      <p:sp>
-        <p:nvSpPr>
-          <p:cNvPr id="318" name="Google Shape;318;g1f2be96cb76_0_161:notes"/>
-          <p:cNvSpPr txBox="1">
-            <a:spLocks noGrp="1"/>
-          </p:cNvSpPr>
-          <p:nvPr>
-            <p:ph type="body" idx="1"/>
-          </p:nvPr>
-        </p:nvSpPr>
-        <p:spPr>
-          <a:xfrm>
-            <a:off x="685800" y="4343400"/>
-            <a:ext cx="5486400" cy="4114800"/>
-          </a:xfrm>
-          <a:prstGeom prst="rect">
-            <a:avLst/>
-          </a:prstGeom>
-        </p:spPr>
-        <p:txBody>
-          <a:bodyPr spcFirstLastPara="1" wrap="square" lIns="91425" tIns="91425" rIns="91425" bIns="91425" anchor="t" anchorCtr="0">
-            <a:noAutofit/>
-          </a:bodyPr>
-          <a:lstStyle/>
-          <a:p>
-            <a:pPr marL="0" lvl="0" indent="0" algn="l" rtl="0">
-              <a:spcBef>
-                <a:spcPts val="0"/>
-              </a:spcBef>
-              <a:spcAft>
-                <a:spcPts val="0"/>
-              </a:spcAft>
-              <a:buNone/>
-            </a:pPr>
-            <a:endParaRPr/>
-          </a:p>
-        </p:txBody>
-      </p:sp>
-    </p:spTree>
   </p:cSld>
   <p:clrMapOvr>
     <a:masterClrMapping/>
@@ -1454,7 +1244,7 @@
     </p:spTree>
     <p:extLst>
       <p:ext uri="{BB962C8B-B14F-4D97-AF65-F5344CB8AC3E}">
-        <p14:creationId xmlns:p14="http://schemas.microsoft.com/office/powerpoint/2010/main" val="1576800595"/>
+        <p14:creationId xmlns:p14="http://schemas.microsoft.com/office/powerpoint/2010/main" val="3473919132"/>
       </p:ext>
     </p:extLst>
   </p:cSld>
@@ -1563,7 +1353,7 @@
     </p:spTree>
     <p:extLst>
       <p:ext uri="{BB962C8B-B14F-4D97-AF65-F5344CB8AC3E}">
-        <p14:creationId xmlns:p14="http://schemas.microsoft.com/office/powerpoint/2010/main" val="3473919132"/>
+        <p14:creationId xmlns:p14="http://schemas.microsoft.com/office/powerpoint/2010/main" val="1469254140"/>
       </p:ext>
     </p:extLst>
   </p:cSld>
@@ -1672,7 +1462,7 @@
     </p:spTree>
     <p:extLst>
       <p:ext uri="{BB962C8B-B14F-4D97-AF65-F5344CB8AC3E}">
-        <p14:creationId xmlns:p14="http://schemas.microsoft.com/office/powerpoint/2010/main" val="1469254140"/>
+        <p14:creationId xmlns:p14="http://schemas.microsoft.com/office/powerpoint/2010/main" val="4173921239"/>
       </p:ext>
     </p:extLst>
   </p:cSld>
@@ -1781,7 +1571,7 @@
     </p:spTree>
     <p:extLst>
       <p:ext uri="{BB962C8B-B14F-4D97-AF65-F5344CB8AC3E}">
-        <p14:creationId xmlns:p14="http://schemas.microsoft.com/office/powerpoint/2010/main" val="4173921239"/>
+        <p14:creationId xmlns:p14="http://schemas.microsoft.com/office/powerpoint/2010/main" val="1259933674"/>
       </p:ext>
     </p:extLst>
   </p:cSld>
@@ -1890,7 +1680,7 @@
     </p:spTree>
     <p:extLst>
       <p:ext uri="{BB962C8B-B14F-4D97-AF65-F5344CB8AC3E}">
-        <p14:creationId xmlns:p14="http://schemas.microsoft.com/office/powerpoint/2010/main" val="1259933674"/>
+        <p14:creationId xmlns:p14="http://schemas.microsoft.com/office/powerpoint/2010/main" val="2850762262"/>
       </p:ext>
     </p:extLst>
   </p:cSld>
@@ -1905,7 +1695,7 @@
   <p:cSld>
     <p:spTree>
       <p:nvGrpSpPr>
-        <p:cNvPr id="1" name="Shape 350"/>
+        <p:cNvPr id="1" name="Shape 461"/>
         <p:cNvGrpSpPr/>
         <p:nvPr/>
       </p:nvGrpSpPr>
@@ -1919,7 +1709,7 @@
       </p:grpSpPr>
       <p:sp>
         <p:nvSpPr>
-          <p:cNvPr id="351" name="Google Shape;351;g2bcaaf88fdf_1_119:notes"/>
+          <p:cNvPr id="462" name="Google Shape;462;g2bcb4e99290_0_0:notes"/>
           <p:cNvSpPr>
             <a:spLocks noGrp="1" noRot="1" noChangeAspect="1"/>
           </p:cNvSpPr>
@@ -1960,7 +1750,7 @@
       </p:sp>
       <p:sp>
         <p:nvSpPr>
-          <p:cNvPr id="352" name="Google Shape;352;g2bcaaf88fdf_1_119:notes"/>
+          <p:cNvPr id="463" name="Google Shape;463;g2bcb4e99290_0_0:notes"/>
           <p:cNvSpPr txBox="1">
             <a:spLocks noGrp="1"/>
           </p:cNvSpPr>
@@ -1999,7 +1789,7 @@
     </p:spTree>
     <p:extLst>
       <p:ext uri="{BB962C8B-B14F-4D97-AF65-F5344CB8AC3E}">
-        <p14:creationId xmlns:p14="http://schemas.microsoft.com/office/powerpoint/2010/main" val="2850762262"/>
+        <p14:creationId xmlns:p14="http://schemas.microsoft.com/office/powerpoint/2010/main" val="312162717"/>
       </p:ext>
     </p:extLst>
   </p:cSld>
@@ -2479,84 +2269,6 @@
 </file>
 
 <file path=ppt/slideLayouts/slideLayout10.xml><?xml version="1.0" encoding="utf-8"?>
-<p:sldLayout xmlns:a="http://schemas.openxmlformats.org/drawingml/2006/main" xmlns:r="http://schemas.openxmlformats.org/officeDocument/2006/relationships" xmlns:p="http://schemas.openxmlformats.org/presentationml/2006/main" matchingName="Background 1">
-  <p:cSld name="CUSTOM_1">
-    <p:bg>
-      <p:bgPr>
-        <a:solidFill>
-          <a:schemeClr val="dk1"/>
-        </a:solidFill>
-        <a:effectLst/>
-      </p:bgPr>
-    </p:bg>
-    <p:spTree>
-      <p:nvGrpSpPr>
-        <p:cNvPr id="1" name="Shape 218"/>
-        <p:cNvGrpSpPr/>
-        <p:nvPr/>
-      </p:nvGrpSpPr>
-      <p:grpSpPr>
-        <a:xfrm>
-          <a:off x="0" y="0"/>
-          <a:ext cx="0" cy="0"/>
-          <a:chOff x="0" y="0"/>
-          <a:chExt cx="0" cy="0"/>
-        </a:xfrm>
-      </p:grpSpPr>
-      <p:sp>
-        <p:nvSpPr>
-          <p:cNvPr id="219" name="Google Shape;219;p21"/>
-          <p:cNvSpPr/>
-          <p:nvPr/>
-        </p:nvSpPr>
-        <p:spPr>
-          <a:xfrm>
-            <a:off x="228575" y="225300"/>
-            <a:ext cx="8686800" cy="4692900"/>
-          </a:xfrm>
-          <a:prstGeom prst="rect">
-            <a:avLst/>
-          </a:prstGeom>
-          <a:solidFill>
-            <a:schemeClr val="lt1"/>
-          </a:solidFill>
-          <a:ln>
-            <a:noFill/>
-          </a:ln>
-        </p:spPr>
-        <p:txBody>
-          <a:bodyPr spcFirstLastPara="1" wrap="square" lIns="91425" tIns="91425" rIns="91425" bIns="91425" anchor="ctr" anchorCtr="0">
-            <a:noAutofit/>
-          </a:bodyPr>
-          <a:lstStyle/>
-          <a:p>
-            <a:pPr marL="0" lvl="0" indent="0" algn="ctr" rtl="0">
-              <a:spcBef>
-                <a:spcPts val="0"/>
-              </a:spcBef>
-              <a:spcAft>
-                <a:spcPts val="0"/>
-              </a:spcAft>
-              <a:buNone/>
-            </a:pPr>
-            <a:endParaRPr>
-              <a:latin typeface="Anaheim"/>
-              <a:ea typeface="Anaheim"/>
-              <a:cs typeface="Anaheim"/>
-              <a:sym typeface="Anaheim"/>
-            </a:endParaRPr>
-          </a:p>
-        </p:txBody>
-      </p:sp>
-    </p:spTree>
-  </p:cSld>
-  <p:clrMapOvr>
-    <a:masterClrMapping/>
-  </p:clrMapOvr>
-</p:sldLayout>
-</file>
-
-<file path=ppt/slideLayouts/slideLayout11.xml><?xml version="1.0" encoding="utf-8"?>
 <p:sldLayout xmlns:a="http://schemas.openxmlformats.org/drawingml/2006/main" xmlns:r="http://schemas.openxmlformats.org/officeDocument/2006/relationships" xmlns:p="http://schemas.openxmlformats.org/presentationml/2006/main" matchingName="Background 2">
   <p:cSld name="CUSTOM_1_1">
     <p:bg>
@@ -4757,1760 +4469,6 @@
 </file>
 
 <file path=ppt/slideLayouts/slideLayout7.xml><?xml version="1.0" encoding="utf-8"?>
-<p:sldLayout xmlns:a="http://schemas.openxmlformats.org/drawingml/2006/main" xmlns:r="http://schemas.openxmlformats.org/officeDocument/2006/relationships" xmlns:p="http://schemas.openxmlformats.org/presentationml/2006/main" matchingName="Title and three columns">
-  <p:cSld name="CUSTOM_6_1">
-    <p:spTree>
-      <p:nvGrpSpPr>
-        <p:cNvPr id="1" name="Shape 98"/>
-        <p:cNvGrpSpPr/>
-        <p:nvPr/>
-      </p:nvGrpSpPr>
-      <p:grpSpPr>
-        <a:xfrm>
-          <a:off x="0" y="0"/>
-          <a:ext cx="0" cy="0"/>
-          <a:chOff x="0" y="0"/>
-          <a:chExt cx="0" cy="0"/>
-        </a:xfrm>
-      </p:grpSpPr>
-      <p:sp>
-        <p:nvSpPr>
-          <p:cNvPr id="99" name="Google Shape;99;p13"/>
-          <p:cNvSpPr/>
-          <p:nvPr/>
-        </p:nvSpPr>
-        <p:spPr>
-          <a:xfrm>
-            <a:off x="228575" y="225300"/>
-            <a:ext cx="8686800" cy="4692900"/>
-          </a:xfrm>
-          <a:prstGeom prst="rect">
-            <a:avLst/>
-          </a:prstGeom>
-          <a:solidFill>
-            <a:schemeClr val="lt1"/>
-          </a:solidFill>
-          <a:ln w="9525" cap="flat" cmpd="sng">
-            <a:solidFill>
-              <a:schemeClr val="dk1"/>
-            </a:solidFill>
-            <a:prstDash val="solid"/>
-            <a:round/>
-            <a:headEnd type="none" w="sm" len="sm"/>
-            <a:tailEnd type="none" w="sm" len="sm"/>
-          </a:ln>
-        </p:spPr>
-        <p:txBody>
-          <a:bodyPr spcFirstLastPara="1" wrap="square" lIns="91425" tIns="91425" rIns="91425" bIns="91425" anchor="ctr" anchorCtr="0">
-            <a:noAutofit/>
-          </a:bodyPr>
-          <a:lstStyle/>
-          <a:p>
-            <a:pPr marL="0" lvl="0" indent="0" algn="ctr" rtl="0">
-              <a:spcBef>
-                <a:spcPts val="0"/>
-              </a:spcBef>
-              <a:spcAft>
-                <a:spcPts val="0"/>
-              </a:spcAft>
-              <a:buNone/>
-            </a:pPr>
-            <a:endParaRPr>
-              <a:latin typeface="Anaheim"/>
-              <a:ea typeface="Anaheim"/>
-              <a:cs typeface="Anaheim"/>
-              <a:sym typeface="Anaheim"/>
-            </a:endParaRPr>
-          </a:p>
-        </p:txBody>
-      </p:sp>
-      <p:sp>
-        <p:nvSpPr>
-          <p:cNvPr id="100" name="Google Shape;100;p13"/>
-          <p:cNvSpPr txBox="1">
-            <a:spLocks noGrp="1"/>
-          </p:cNvSpPr>
-          <p:nvPr>
-            <p:ph type="title"/>
-          </p:nvPr>
-        </p:nvSpPr>
-        <p:spPr>
-          <a:xfrm>
-            <a:off x="720000" y="445025"/>
-            <a:ext cx="7704000" cy="572700"/>
-          </a:xfrm>
-          <a:prstGeom prst="rect">
-            <a:avLst/>
-          </a:prstGeom>
-        </p:spPr>
-        <p:txBody>
-          <a:bodyPr spcFirstLastPara="1" wrap="square" lIns="91425" tIns="91425" rIns="91425" bIns="91425" anchor="t" anchorCtr="0">
-            <a:noAutofit/>
-          </a:bodyPr>
-          <a:lstStyle>
-            <a:lvl1pPr lvl="0" algn="ctr" rtl="0">
-              <a:spcBef>
-                <a:spcPts val="0"/>
-              </a:spcBef>
-              <a:spcAft>
-                <a:spcPts val="0"/>
-              </a:spcAft>
-              <a:buSzPts val="2900"/>
-              <a:buNone/>
-              <a:defRPr/>
-            </a:lvl1pPr>
-            <a:lvl2pPr lvl="1" rtl="0">
-              <a:spcBef>
-                <a:spcPts val="0"/>
-              </a:spcBef>
-              <a:spcAft>
-                <a:spcPts val="0"/>
-              </a:spcAft>
-              <a:buSzPts val="3500"/>
-              <a:buNone/>
-              <a:defRPr/>
-            </a:lvl2pPr>
-            <a:lvl3pPr lvl="2" rtl="0">
-              <a:spcBef>
-                <a:spcPts val="0"/>
-              </a:spcBef>
-              <a:spcAft>
-                <a:spcPts val="0"/>
-              </a:spcAft>
-              <a:buSzPts val="3500"/>
-              <a:buNone/>
-              <a:defRPr/>
-            </a:lvl3pPr>
-            <a:lvl4pPr lvl="3" rtl="0">
-              <a:spcBef>
-                <a:spcPts val="0"/>
-              </a:spcBef>
-              <a:spcAft>
-                <a:spcPts val="0"/>
-              </a:spcAft>
-              <a:buSzPts val="3500"/>
-              <a:buNone/>
-              <a:defRPr/>
-            </a:lvl4pPr>
-            <a:lvl5pPr lvl="4" rtl="0">
-              <a:spcBef>
-                <a:spcPts val="0"/>
-              </a:spcBef>
-              <a:spcAft>
-                <a:spcPts val="0"/>
-              </a:spcAft>
-              <a:buSzPts val="3500"/>
-              <a:buNone/>
-              <a:defRPr/>
-            </a:lvl5pPr>
-            <a:lvl6pPr lvl="5" rtl="0">
-              <a:spcBef>
-                <a:spcPts val="0"/>
-              </a:spcBef>
-              <a:spcAft>
-                <a:spcPts val="0"/>
-              </a:spcAft>
-              <a:buSzPts val="3500"/>
-              <a:buNone/>
-              <a:defRPr/>
-            </a:lvl6pPr>
-            <a:lvl7pPr lvl="6" rtl="0">
-              <a:spcBef>
-                <a:spcPts val="0"/>
-              </a:spcBef>
-              <a:spcAft>
-                <a:spcPts val="0"/>
-              </a:spcAft>
-              <a:buSzPts val="3500"/>
-              <a:buNone/>
-              <a:defRPr/>
-            </a:lvl7pPr>
-            <a:lvl8pPr lvl="7" rtl="0">
-              <a:spcBef>
-                <a:spcPts val="0"/>
-              </a:spcBef>
-              <a:spcAft>
-                <a:spcPts val="0"/>
-              </a:spcAft>
-              <a:buSzPts val="3500"/>
-              <a:buNone/>
-              <a:defRPr/>
-            </a:lvl8pPr>
-            <a:lvl9pPr lvl="8" rtl="0">
-              <a:spcBef>
-                <a:spcPts val="0"/>
-              </a:spcBef>
-              <a:spcAft>
-                <a:spcPts val="0"/>
-              </a:spcAft>
-              <a:buSzPts val="3500"/>
-              <a:buNone/>
-              <a:defRPr/>
-            </a:lvl9pPr>
-          </a:lstStyle>
-          <a:p>
-            <a:endParaRPr/>
-          </a:p>
-        </p:txBody>
-      </p:sp>
-      <p:sp>
-        <p:nvSpPr>
-          <p:cNvPr id="101" name="Google Shape;101;p13"/>
-          <p:cNvSpPr txBox="1">
-            <a:spLocks noGrp="1"/>
-          </p:cNvSpPr>
-          <p:nvPr>
-            <p:ph type="title" idx="2"/>
-          </p:nvPr>
-        </p:nvSpPr>
-        <p:spPr>
-          <a:xfrm>
-            <a:off x="2885747" y="1495625"/>
-            <a:ext cx="1107600" cy="527700"/>
-          </a:xfrm>
-          <a:prstGeom prst="rect">
-            <a:avLst/>
-          </a:prstGeom>
-        </p:spPr>
-        <p:txBody>
-          <a:bodyPr spcFirstLastPara="1" wrap="square" lIns="91425" tIns="91425" rIns="91425" bIns="91425" anchor="b" anchorCtr="0">
-            <a:noAutofit/>
-          </a:bodyPr>
-          <a:lstStyle>
-            <a:lvl1pPr lvl="0" rtl="0">
-              <a:spcBef>
-                <a:spcPts val="0"/>
-              </a:spcBef>
-              <a:spcAft>
-                <a:spcPts val="0"/>
-              </a:spcAft>
-              <a:buSzPts val="2400"/>
-              <a:buNone/>
-              <a:defRPr sz="1900"/>
-            </a:lvl1pPr>
-            <a:lvl2pPr lvl="1" algn="ctr" rtl="0">
-              <a:spcBef>
-                <a:spcPts val="0"/>
-              </a:spcBef>
-              <a:spcAft>
-                <a:spcPts val="0"/>
-              </a:spcAft>
-              <a:buSzPts val="2400"/>
-              <a:buNone/>
-              <a:defRPr sz="2400"/>
-            </a:lvl2pPr>
-            <a:lvl3pPr lvl="2" algn="ctr" rtl="0">
-              <a:spcBef>
-                <a:spcPts val="0"/>
-              </a:spcBef>
-              <a:spcAft>
-                <a:spcPts val="0"/>
-              </a:spcAft>
-              <a:buSzPts val="2400"/>
-              <a:buNone/>
-              <a:defRPr sz="2400"/>
-            </a:lvl3pPr>
-            <a:lvl4pPr lvl="3" algn="ctr" rtl="0">
-              <a:spcBef>
-                <a:spcPts val="0"/>
-              </a:spcBef>
-              <a:spcAft>
-                <a:spcPts val="0"/>
-              </a:spcAft>
-              <a:buSzPts val="2400"/>
-              <a:buNone/>
-              <a:defRPr sz="2400"/>
-            </a:lvl4pPr>
-            <a:lvl5pPr lvl="4" algn="ctr" rtl="0">
-              <a:spcBef>
-                <a:spcPts val="0"/>
-              </a:spcBef>
-              <a:spcAft>
-                <a:spcPts val="0"/>
-              </a:spcAft>
-              <a:buSzPts val="2400"/>
-              <a:buNone/>
-              <a:defRPr sz="2400"/>
-            </a:lvl5pPr>
-            <a:lvl6pPr lvl="5" algn="ctr" rtl="0">
-              <a:spcBef>
-                <a:spcPts val="0"/>
-              </a:spcBef>
-              <a:spcAft>
-                <a:spcPts val="0"/>
-              </a:spcAft>
-              <a:buSzPts val="2400"/>
-              <a:buNone/>
-              <a:defRPr sz="2400"/>
-            </a:lvl6pPr>
-            <a:lvl7pPr lvl="6" algn="ctr" rtl="0">
-              <a:spcBef>
-                <a:spcPts val="0"/>
-              </a:spcBef>
-              <a:spcAft>
-                <a:spcPts val="0"/>
-              </a:spcAft>
-              <a:buSzPts val="2400"/>
-              <a:buNone/>
-              <a:defRPr sz="2400"/>
-            </a:lvl7pPr>
-            <a:lvl8pPr lvl="7" algn="ctr" rtl="0">
-              <a:spcBef>
-                <a:spcPts val="0"/>
-              </a:spcBef>
-              <a:spcAft>
-                <a:spcPts val="0"/>
-              </a:spcAft>
-              <a:buSzPts val="2400"/>
-              <a:buNone/>
-              <a:defRPr sz="2400"/>
-            </a:lvl8pPr>
-            <a:lvl9pPr lvl="8" algn="ctr" rtl="0">
-              <a:spcBef>
-                <a:spcPts val="0"/>
-              </a:spcBef>
-              <a:spcAft>
-                <a:spcPts val="0"/>
-              </a:spcAft>
-              <a:buSzPts val="2400"/>
-              <a:buNone/>
-              <a:defRPr sz="2400"/>
-            </a:lvl9pPr>
-          </a:lstStyle>
-          <a:p>
-            <a:endParaRPr/>
-          </a:p>
-        </p:txBody>
-      </p:sp>
-      <p:sp>
-        <p:nvSpPr>
-          <p:cNvPr id="102" name="Google Shape;102;p13"/>
-          <p:cNvSpPr txBox="1">
-            <a:spLocks noGrp="1"/>
-          </p:cNvSpPr>
-          <p:nvPr>
-            <p:ph type="subTitle" idx="1"/>
-          </p:nvPr>
-        </p:nvSpPr>
-        <p:spPr>
-          <a:xfrm>
-            <a:off x="3993350" y="1356425"/>
-            <a:ext cx="3294900" cy="806100"/>
-          </a:xfrm>
-          <a:prstGeom prst="rect">
-            <a:avLst/>
-          </a:prstGeom>
-        </p:spPr>
-        <p:txBody>
-          <a:bodyPr spcFirstLastPara="1" wrap="square" lIns="91425" tIns="91425" rIns="91425" bIns="91425" anchor="t" anchorCtr="0">
-            <a:noAutofit/>
-          </a:bodyPr>
-          <a:lstStyle>
-            <a:lvl1pPr lvl="0" rtl="0">
-              <a:lnSpc>
-                <a:spcPct val="100000"/>
-              </a:lnSpc>
-              <a:spcBef>
-                <a:spcPts val="0"/>
-              </a:spcBef>
-              <a:spcAft>
-                <a:spcPts val="0"/>
-              </a:spcAft>
-              <a:buSzPts val="1100"/>
-              <a:buNone/>
-              <a:defRPr sz="1100"/>
-            </a:lvl1pPr>
-            <a:lvl2pPr lvl="1" algn="ctr" rtl="0">
-              <a:lnSpc>
-                <a:spcPct val="100000"/>
-              </a:lnSpc>
-              <a:spcBef>
-                <a:spcPts val="0"/>
-              </a:spcBef>
-              <a:spcAft>
-                <a:spcPts val="0"/>
-              </a:spcAft>
-              <a:buSzPts val="1100"/>
-              <a:buNone/>
-              <a:defRPr sz="1100"/>
-            </a:lvl2pPr>
-            <a:lvl3pPr lvl="2" algn="ctr" rtl="0">
-              <a:lnSpc>
-                <a:spcPct val="100000"/>
-              </a:lnSpc>
-              <a:spcBef>
-                <a:spcPts val="0"/>
-              </a:spcBef>
-              <a:spcAft>
-                <a:spcPts val="0"/>
-              </a:spcAft>
-              <a:buSzPts val="1100"/>
-              <a:buNone/>
-              <a:defRPr sz="1100"/>
-            </a:lvl3pPr>
-            <a:lvl4pPr lvl="3" algn="ctr" rtl="0">
-              <a:lnSpc>
-                <a:spcPct val="100000"/>
-              </a:lnSpc>
-              <a:spcBef>
-                <a:spcPts val="0"/>
-              </a:spcBef>
-              <a:spcAft>
-                <a:spcPts val="0"/>
-              </a:spcAft>
-              <a:buSzPts val="1100"/>
-              <a:buNone/>
-              <a:defRPr sz="1100"/>
-            </a:lvl4pPr>
-            <a:lvl5pPr lvl="4" algn="ctr" rtl="0">
-              <a:lnSpc>
-                <a:spcPct val="100000"/>
-              </a:lnSpc>
-              <a:spcBef>
-                <a:spcPts val="0"/>
-              </a:spcBef>
-              <a:spcAft>
-                <a:spcPts val="0"/>
-              </a:spcAft>
-              <a:buSzPts val="1100"/>
-              <a:buNone/>
-              <a:defRPr sz="1100"/>
-            </a:lvl5pPr>
-            <a:lvl6pPr lvl="5" algn="ctr" rtl="0">
-              <a:lnSpc>
-                <a:spcPct val="100000"/>
-              </a:lnSpc>
-              <a:spcBef>
-                <a:spcPts val="0"/>
-              </a:spcBef>
-              <a:spcAft>
-                <a:spcPts val="0"/>
-              </a:spcAft>
-              <a:buSzPts val="1100"/>
-              <a:buNone/>
-              <a:defRPr sz="1100"/>
-            </a:lvl6pPr>
-            <a:lvl7pPr lvl="6" algn="ctr" rtl="0">
-              <a:lnSpc>
-                <a:spcPct val="100000"/>
-              </a:lnSpc>
-              <a:spcBef>
-                <a:spcPts val="0"/>
-              </a:spcBef>
-              <a:spcAft>
-                <a:spcPts val="0"/>
-              </a:spcAft>
-              <a:buSzPts val="1100"/>
-              <a:buNone/>
-              <a:defRPr sz="1100"/>
-            </a:lvl7pPr>
-            <a:lvl8pPr lvl="7" algn="ctr" rtl="0">
-              <a:lnSpc>
-                <a:spcPct val="100000"/>
-              </a:lnSpc>
-              <a:spcBef>
-                <a:spcPts val="0"/>
-              </a:spcBef>
-              <a:spcAft>
-                <a:spcPts val="0"/>
-              </a:spcAft>
-              <a:buSzPts val="1100"/>
-              <a:buNone/>
-              <a:defRPr sz="1100"/>
-            </a:lvl8pPr>
-            <a:lvl9pPr lvl="8" algn="ctr" rtl="0">
-              <a:lnSpc>
-                <a:spcPct val="100000"/>
-              </a:lnSpc>
-              <a:spcBef>
-                <a:spcPts val="0"/>
-              </a:spcBef>
-              <a:spcAft>
-                <a:spcPts val="0"/>
-              </a:spcAft>
-              <a:buSzPts val="1100"/>
-              <a:buNone/>
-              <a:defRPr sz="1100"/>
-            </a:lvl9pPr>
-          </a:lstStyle>
-          <a:p>
-            <a:endParaRPr/>
-          </a:p>
-        </p:txBody>
-      </p:sp>
-      <p:sp>
-        <p:nvSpPr>
-          <p:cNvPr id="103" name="Google Shape;103;p13"/>
-          <p:cNvSpPr txBox="1">
-            <a:spLocks noGrp="1"/>
-          </p:cNvSpPr>
-          <p:nvPr>
-            <p:ph type="title" idx="3" hasCustomPrompt="1"/>
-          </p:nvPr>
-        </p:nvSpPr>
-        <p:spPr>
-          <a:xfrm>
-            <a:off x="1855762" y="1535675"/>
-            <a:ext cx="830100" cy="447600"/>
-          </a:xfrm>
-          <a:prstGeom prst="rect">
-            <a:avLst/>
-          </a:prstGeom>
-          <a:noFill/>
-        </p:spPr>
-        <p:txBody>
-          <a:bodyPr spcFirstLastPara="1" wrap="square" lIns="91425" tIns="91425" rIns="91425" bIns="91425" anchor="ctr" anchorCtr="0">
-            <a:noAutofit/>
-          </a:bodyPr>
-          <a:lstStyle>
-            <a:lvl1pPr lvl="0" algn="r" rtl="0">
-              <a:spcBef>
-                <a:spcPts val="0"/>
-              </a:spcBef>
-              <a:spcAft>
-                <a:spcPts val="0"/>
-              </a:spcAft>
-              <a:buSzPts val="3000"/>
-              <a:buNone/>
-              <a:defRPr sz="2700"/>
-            </a:lvl1pPr>
-            <a:lvl2pPr lvl="1" rtl="0">
-              <a:spcBef>
-                <a:spcPts val="0"/>
-              </a:spcBef>
-              <a:spcAft>
-                <a:spcPts val="0"/>
-              </a:spcAft>
-              <a:buSzPts val="3000"/>
-              <a:buNone/>
-              <a:defRPr sz="3000"/>
-            </a:lvl2pPr>
-            <a:lvl3pPr lvl="2" rtl="0">
-              <a:spcBef>
-                <a:spcPts val="0"/>
-              </a:spcBef>
-              <a:spcAft>
-                <a:spcPts val="0"/>
-              </a:spcAft>
-              <a:buSzPts val="3000"/>
-              <a:buNone/>
-              <a:defRPr sz="3000"/>
-            </a:lvl3pPr>
-            <a:lvl4pPr lvl="3" rtl="0">
-              <a:spcBef>
-                <a:spcPts val="0"/>
-              </a:spcBef>
-              <a:spcAft>
-                <a:spcPts val="0"/>
-              </a:spcAft>
-              <a:buSzPts val="3000"/>
-              <a:buNone/>
-              <a:defRPr sz="3000"/>
-            </a:lvl4pPr>
-            <a:lvl5pPr lvl="4" rtl="0">
-              <a:spcBef>
-                <a:spcPts val="0"/>
-              </a:spcBef>
-              <a:spcAft>
-                <a:spcPts val="0"/>
-              </a:spcAft>
-              <a:buSzPts val="3000"/>
-              <a:buNone/>
-              <a:defRPr sz="3000"/>
-            </a:lvl5pPr>
-            <a:lvl6pPr lvl="5" rtl="0">
-              <a:spcBef>
-                <a:spcPts val="0"/>
-              </a:spcBef>
-              <a:spcAft>
-                <a:spcPts val="0"/>
-              </a:spcAft>
-              <a:buSzPts val="3000"/>
-              <a:buNone/>
-              <a:defRPr sz="3000"/>
-            </a:lvl6pPr>
-            <a:lvl7pPr lvl="6" rtl="0">
-              <a:spcBef>
-                <a:spcPts val="0"/>
-              </a:spcBef>
-              <a:spcAft>
-                <a:spcPts val="0"/>
-              </a:spcAft>
-              <a:buSzPts val="3000"/>
-              <a:buNone/>
-              <a:defRPr sz="3000"/>
-            </a:lvl7pPr>
-            <a:lvl8pPr lvl="7" rtl="0">
-              <a:spcBef>
-                <a:spcPts val="0"/>
-              </a:spcBef>
-              <a:spcAft>
-                <a:spcPts val="0"/>
-              </a:spcAft>
-              <a:buSzPts val="3000"/>
-              <a:buNone/>
-              <a:defRPr sz="3000"/>
-            </a:lvl8pPr>
-            <a:lvl9pPr lvl="8" rtl="0">
-              <a:spcBef>
-                <a:spcPts val="0"/>
-              </a:spcBef>
-              <a:spcAft>
-                <a:spcPts val="0"/>
-              </a:spcAft>
-              <a:buSzPts val="3000"/>
-              <a:buNone/>
-              <a:defRPr sz="3000"/>
-            </a:lvl9pPr>
-          </a:lstStyle>
-          <a:p>
-            <a:r>
-              <a:t>xx%</a:t>
-            </a:r>
-          </a:p>
-        </p:txBody>
-      </p:sp>
-      <p:sp>
-        <p:nvSpPr>
-          <p:cNvPr id="104" name="Google Shape;104;p13"/>
-          <p:cNvSpPr txBox="1">
-            <a:spLocks noGrp="1"/>
-          </p:cNvSpPr>
-          <p:nvPr>
-            <p:ph type="title" idx="4"/>
-          </p:nvPr>
-        </p:nvSpPr>
-        <p:spPr>
-          <a:xfrm>
-            <a:off x="2885747" y="2552900"/>
-            <a:ext cx="1107600" cy="527700"/>
-          </a:xfrm>
-          <a:prstGeom prst="rect">
-            <a:avLst/>
-          </a:prstGeom>
-        </p:spPr>
-        <p:txBody>
-          <a:bodyPr spcFirstLastPara="1" wrap="square" lIns="91425" tIns="91425" rIns="91425" bIns="91425" anchor="b" anchorCtr="0">
-            <a:noAutofit/>
-          </a:bodyPr>
-          <a:lstStyle>
-            <a:lvl1pPr lvl="0" rtl="0">
-              <a:spcBef>
-                <a:spcPts val="0"/>
-              </a:spcBef>
-              <a:spcAft>
-                <a:spcPts val="0"/>
-              </a:spcAft>
-              <a:buSzPts val="2400"/>
-              <a:buNone/>
-              <a:defRPr sz="1900"/>
-            </a:lvl1pPr>
-            <a:lvl2pPr lvl="1" algn="ctr" rtl="0">
-              <a:spcBef>
-                <a:spcPts val="0"/>
-              </a:spcBef>
-              <a:spcAft>
-                <a:spcPts val="0"/>
-              </a:spcAft>
-              <a:buSzPts val="2400"/>
-              <a:buNone/>
-              <a:defRPr sz="2400"/>
-            </a:lvl2pPr>
-            <a:lvl3pPr lvl="2" algn="ctr" rtl="0">
-              <a:spcBef>
-                <a:spcPts val="0"/>
-              </a:spcBef>
-              <a:spcAft>
-                <a:spcPts val="0"/>
-              </a:spcAft>
-              <a:buSzPts val="2400"/>
-              <a:buNone/>
-              <a:defRPr sz="2400"/>
-            </a:lvl3pPr>
-            <a:lvl4pPr lvl="3" algn="ctr" rtl="0">
-              <a:spcBef>
-                <a:spcPts val="0"/>
-              </a:spcBef>
-              <a:spcAft>
-                <a:spcPts val="0"/>
-              </a:spcAft>
-              <a:buSzPts val="2400"/>
-              <a:buNone/>
-              <a:defRPr sz="2400"/>
-            </a:lvl4pPr>
-            <a:lvl5pPr lvl="4" algn="ctr" rtl="0">
-              <a:spcBef>
-                <a:spcPts val="0"/>
-              </a:spcBef>
-              <a:spcAft>
-                <a:spcPts val="0"/>
-              </a:spcAft>
-              <a:buSzPts val="2400"/>
-              <a:buNone/>
-              <a:defRPr sz="2400"/>
-            </a:lvl5pPr>
-            <a:lvl6pPr lvl="5" algn="ctr" rtl="0">
-              <a:spcBef>
-                <a:spcPts val="0"/>
-              </a:spcBef>
-              <a:spcAft>
-                <a:spcPts val="0"/>
-              </a:spcAft>
-              <a:buSzPts val="2400"/>
-              <a:buNone/>
-              <a:defRPr sz="2400"/>
-            </a:lvl6pPr>
-            <a:lvl7pPr lvl="6" algn="ctr" rtl="0">
-              <a:spcBef>
-                <a:spcPts val="0"/>
-              </a:spcBef>
-              <a:spcAft>
-                <a:spcPts val="0"/>
-              </a:spcAft>
-              <a:buSzPts val="2400"/>
-              <a:buNone/>
-              <a:defRPr sz="2400"/>
-            </a:lvl7pPr>
-            <a:lvl8pPr lvl="7" algn="ctr" rtl="0">
-              <a:spcBef>
-                <a:spcPts val="0"/>
-              </a:spcBef>
-              <a:spcAft>
-                <a:spcPts val="0"/>
-              </a:spcAft>
-              <a:buSzPts val="2400"/>
-              <a:buNone/>
-              <a:defRPr sz="2400"/>
-            </a:lvl8pPr>
-            <a:lvl9pPr lvl="8" algn="ctr" rtl="0">
-              <a:spcBef>
-                <a:spcPts val="0"/>
-              </a:spcBef>
-              <a:spcAft>
-                <a:spcPts val="0"/>
-              </a:spcAft>
-              <a:buSzPts val="2400"/>
-              <a:buNone/>
-              <a:defRPr sz="2400"/>
-            </a:lvl9pPr>
-          </a:lstStyle>
-          <a:p>
-            <a:endParaRPr/>
-          </a:p>
-        </p:txBody>
-      </p:sp>
-      <p:sp>
-        <p:nvSpPr>
-          <p:cNvPr id="105" name="Google Shape;105;p13"/>
-          <p:cNvSpPr txBox="1">
-            <a:spLocks noGrp="1"/>
-          </p:cNvSpPr>
-          <p:nvPr>
-            <p:ph type="subTitle" idx="5"/>
-          </p:nvPr>
-        </p:nvSpPr>
-        <p:spPr>
-          <a:xfrm>
-            <a:off x="3993350" y="2413700"/>
-            <a:ext cx="3294900" cy="806100"/>
-          </a:xfrm>
-          <a:prstGeom prst="rect">
-            <a:avLst/>
-          </a:prstGeom>
-        </p:spPr>
-        <p:txBody>
-          <a:bodyPr spcFirstLastPara="1" wrap="square" lIns="91425" tIns="91425" rIns="91425" bIns="91425" anchor="t" anchorCtr="0">
-            <a:noAutofit/>
-          </a:bodyPr>
-          <a:lstStyle>
-            <a:lvl1pPr lvl="0" rtl="0">
-              <a:lnSpc>
-                <a:spcPct val="100000"/>
-              </a:lnSpc>
-              <a:spcBef>
-                <a:spcPts val="0"/>
-              </a:spcBef>
-              <a:spcAft>
-                <a:spcPts val="0"/>
-              </a:spcAft>
-              <a:buSzPts val="1100"/>
-              <a:buNone/>
-              <a:defRPr sz="1100"/>
-            </a:lvl1pPr>
-            <a:lvl2pPr lvl="1" algn="ctr" rtl="0">
-              <a:lnSpc>
-                <a:spcPct val="100000"/>
-              </a:lnSpc>
-              <a:spcBef>
-                <a:spcPts val="0"/>
-              </a:spcBef>
-              <a:spcAft>
-                <a:spcPts val="0"/>
-              </a:spcAft>
-              <a:buSzPts val="1100"/>
-              <a:buNone/>
-              <a:defRPr sz="1100"/>
-            </a:lvl2pPr>
-            <a:lvl3pPr lvl="2" algn="ctr" rtl="0">
-              <a:lnSpc>
-                <a:spcPct val="100000"/>
-              </a:lnSpc>
-              <a:spcBef>
-                <a:spcPts val="0"/>
-              </a:spcBef>
-              <a:spcAft>
-                <a:spcPts val="0"/>
-              </a:spcAft>
-              <a:buSzPts val="1100"/>
-              <a:buNone/>
-              <a:defRPr sz="1100"/>
-            </a:lvl3pPr>
-            <a:lvl4pPr lvl="3" algn="ctr" rtl="0">
-              <a:lnSpc>
-                <a:spcPct val="100000"/>
-              </a:lnSpc>
-              <a:spcBef>
-                <a:spcPts val="0"/>
-              </a:spcBef>
-              <a:spcAft>
-                <a:spcPts val="0"/>
-              </a:spcAft>
-              <a:buSzPts val="1100"/>
-              <a:buNone/>
-              <a:defRPr sz="1100"/>
-            </a:lvl4pPr>
-            <a:lvl5pPr lvl="4" algn="ctr" rtl="0">
-              <a:lnSpc>
-                <a:spcPct val="100000"/>
-              </a:lnSpc>
-              <a:spcBef>
-                <a:spcPts val="0"/>
-              </a:spcBef>
-              <a:spcAft>
-                <a:spcPts val="0"/>
-              </a:spcAft>
-              <a:buSzPts val="1100"/>
-              <a:buNone/>
-              <a:defRPr sz="1100"/>
-            </a:lvl5pPr>
-            <a:lvl6pPr lvl="5" algn="ctr" rtl="0">
-              <a:lnSpc>
-                <a:spcPct val="100000"/>
-              </a:lnSpc>
-              <a:spcBef>
-                <a:spcPts val="0"/>
-              </a:spcBef>
-              <a:spcAft>
-                <a:spcPts val="0"/>
-              </a:spcAft>
-              <a:buSzPts val="1100"/>
-              <a:buNone/>
-              <a:defRPr sz="1100"/>
-            </a:lvl6pPr>
-            <a:lvl7pPr lvl="6" algn="ctr" rtl="0">
-              <a:lnSpc>
-                <a:spcPct val="100000"/>
-              </a:lnSpc>
-              <a:spcBef>
-                <a:spcPts val="0"/>
-              </a:spcBef>
-              <a:spcAft>
-                <a:spcPts val="0"/>
-              </a:spcAft>
-              <a:buSzPts val="1100"/>
-              <a:buNone/>
-              <a:defRPr sz="1100"/>
-            </a:lvl7pPr>
-            <a:lvl8pPr lvl="7" algn="ctr" rtl="0">
-              <a:lnSpc>
-                <a:spcPct val="100000"/>
-              </a:lnSpc>
-              <a:spcBef>
-                <a:spcPts val="0"/>
-              </a:spcBef>
-              <a:spcAft>
-                <a:spcPts val="0"/>
-              </a:spcAft>
-              <a:buSzPts val="1100"/>
-              <a:buNone/>
-              <a:defRPr sz="1100"/>
-            </a:lvl8pPr>
-            <a:lvl9pPr lvl="8" algn="ctr" rtl="0">
-              <a:lnSpc>
-                <a:spcPct val="100000"/>
-              </a:lnSpc>
-              <a:spcBef>
-                <a:spcPts val="0"/>
-              </a:spcBef>
-              <a:spcAft>
-                <a:spcPts val="0"/>
-              </a:spcAft>
-              <a:buSzPts val="1100"/>
-              <a:buNone/>
-              <a:defRPr sz="1100"/>
-            </a:lvl9pPr>
-          </a:lstStyle>
-          <a:p>
-            <a:endParaRPr/>
-          </a:p>
-        </p:txBody>
-      </p:sp>
-      <p:sp>
-        <p:nvSpPr>
-          <p:cNvPr id="106" name="Google Shape;106;p13"/>
-          <p:cNvSpPr txBox="1">
-            <a:spLocks noGrp="1"/>
-          </p:cNvSpPr>
-          <p:nvPr>
-            <p:ph type="title" idx="6" hasCustomPrompt="1"/>
-          </p:nvPr>
-        </p:nvSpPr>
-        <p:spPr>
-          <a:xfrm>
-            <a:off x="1855762" y="2592950"/>
-            <a:ext cx="830100" cy="447600"/>
-          </a:xfrm>
-          <a:prstGeom prst="rect">
-            <a:avLst/>
-          </a:prstGeom>
-          <a:noFill/>
-        </p:spPr>
-        <p:txBody>
-          <a:bodyPr spcFirstLastPara="1" wrap="square" lIns="91425" tIns="91425" rIns="91425" bIns="91425" anchor="ctr" anchorCtr="0">
-            <a:noAutofit/>
-          </a:bodyPr>
-          <a:lstStyle>
-            <a:lvl1pPr lvl="0" algn="r" rtl="0">
-              <a:spcBef>
-                <a:spcPts val="0"/>
-              </a:spcBef>
-              <a:spcAft>
-                <a:spcPts val="0"/>
-              </a:spcAft>
-              <a:buSzPts val="3000"/>
-              <a:buNone/>
-              <a:defRPr sz="2700"/>
-            </a:lvl1pPr>
-            <a:lvl2pPr lvl="1" rtl="0">
-              <a:spcBef>
-                <a:spcPts val="0"/>
-              </a:spcBef>
-              <a:spcAft>
-                <a:spcPts val="0"/>
-              </a:spcAft>
-              <a:buSzPts val="3000"/>
-              <a:buNone/>
-              <a:defRPr sz="3000"/>
-            </a:lvl2pPr>
-            <a:lvl3pPr lvl="2" rtl="0">
-              <a:spcBef>
-                <a:spcPts val="0"/>
-              </a:spcBef>
-              <a:spcAft>
-                <a:spcPts val="0"/>
-              </a:spcAft>
-              <a:buSzPts val="3000"/>
-              <a:buNone/>
-              <a:defRPr sz="3000"/>
-            </a:lvl3pPr>
-            <a:lvl4pPr lvl="3" rtl="0">
-              <a:spcBef>
-                <a:spcPts val="0"/>
-              </a:spcBef>
-              <a:spcAft>
-                <a:spcPts val="0"/>
-              </a:spcAft>
-              <a:buSzPts val="3000"/>
-              <a:buNone/>
-              <a:defRPr sz="3000"/>
-            </a:lvl4pPr>
-            <a:lvl5pPr lvl="4" rtl="0">
-              <a:spcBef>
-                <a:spcPts val="0"/>
-              </a:spcBef>
-              <a:spcAft>
-                <a:spcPts val="0"/>
-              </a:spcAft>
-              <a:buSzPts val="3000"/>
-              <a:buNone/>
-              <a:defRPr sz="3000"/>
-            </a:lvl5pPr>
-            <a:lvl6pPr lvl="5" rtl="0">
-              <a:spcBef>
-                <a:spcPts val="0"/>
-              </a:spcBef>
-              <a:spcAft>
-                <a:spcPts val="0"/>
-              </a:spcAft>
-              <a:buSzPts val="3000"/>
-              <a:buNone/>
-              <a:defRPr sz="3000"/>
-            </a:lvl6pPr>
-            <a:lvl7pPr lvl="6" rtl="0">
-              <a:spcBef>
-                <a:spcPts val="0"/>
-              </a:spcBef>
-              <a:spcAft>
-                <a:spcPts val="0"/>
-              </a:spcAft>
-              <a:buSzPts val="3000"/>
-              <a:buNone/>
-              <a:defRPr sz="3000"/>
-            </a:lvl7pPr>
-            <a:lvl8pPr lvl="7" rtl="0">
-              <a:spcBef>
-                <a:spcPts val="0"/>
-              </a:spcBef>
-              <a:spcAft>
-                <a:spcPts val="0"/>
-              </a:spcAft>
-              <a:buSzPts val="3000"/>
-              <a:buNone/>
-              <a:defRPr sz="3000"/>
-            </a:lvl8pPr>
-            <a:lvl9pPr lvl="8" rtl="0">
-              <a:spcBef>
-                <a:spcPts val="0"/>
-              </a:spcBef>
-              <a:spcAft>
-                <a:spcPts val="0"/>
-              </a:spcAft>
-              <a:buSzPts val="3000"/>
-              <a:buNone/>
-              <a:defRPr sz="3000"/>
-            </a:lvl9pPr>
-          </a:lstStyle>
-          <a:p>
-            <a:r>
-              <a:t>xx%</a:t>
-            </a:r>
-          </a:p>
-        </p:txBody>
-      </p:sp>
-      <p:sp>
-        <p:nvSpPr>
-          <p:cNvPr id="107" name="Google Shape;107;p13"/>
-          <p:cNvSpPr txBox="1">
-            <a:spLocks noGrp="1"/>
-          </p:cNvSpPr>
-          <p:nvPr>
-            <p:ph type="title" idx="7"/>
-          </p:nvPr>
-        </p:nvSpPr>
-        <p:spPr>
-          <a:xfrm>
-            <a:off x="2885747" y="3610175"/>
-            <a:ext cx="1107600" cy="527700"/>
-          </a:xfrm>
-          <a:prstGeom prst="rect">
-            <a:avLst/>
-          </a:prstGeom>
-        </p:spPr>
-        <p:txBody>
-          <a:bodyPr spcFirstLastPara="1" wrap="square" lIns="91425" tIns="91425" rIns="91425" bIns="91425" anchor="b" anchorCtr="0">
-            <a:noAutofit/>
-          </a:bodyPr>
-          <a:lstStyle>
-            <a:lvl1pPr lvl="0" rtl="0">
-              <a:spcBef>
-                <a:spcPts val="0"/>
-              </a:spcBef>
-              <a:spcAft>
-                <a:spcPts val="0"/>
-              </a:spcAft>
-              <a:buSzPts val="2400"/>
-              <a:buNone/>
-              <a:defRPr sz="1900"/>
-            </a:lvl1pPr>
-            <a:lvl2pPr lvl="1" algn="ctr" rtl="0">
-              <a:spcBef>
-                <a:spcPts val="0"/>
-              </a:spcBef>
-              <a:spcAft>
-                <a:spcPts val="0"/>
-              </a:spcAft>
-              <a:buSzPts val="2400"/>
-              <a:buNone/>
-              <a:defRPr sz="2400"/>
-            </a:lvl2pPr>
-            <a:lvl3pPr lvl="2" algn="ctr" rtl="0">
-              <a:spcBef>
-                <a:spcPts val="0"/>
-              </a:spcBef>
-              <a:spcAft>
-                <a:spcPts val="0"/>
-              </a:spcAft>
-              <a:buSzPts val="2400"/>
-              <a:buNone/>
-              <a:defRPr sz="2400"/>
-            </a:lvl3pPr>
-            <a:lvl4pPr lvl="3" algn="ctr" rtl="0">
-              <a:spcBef>
-                <a:spcPts val="0"/>
-              </a:spcBef>
-              <a:spcAft>
-                <a:spcPts val="0"/>
-              </a:spcAft>
-              <a:buSzPts val="2400"/>
-              <a:buNone/>
-              <a:defRPr sz="2400"/>
-            </a:lvl4pPr>
-            <a:lvl5pPr lvl="4" algn="ctr" rtl="0">
-              <a:spcBef>
-                <a:spcPts val="0"/>
-              </a:spcBef>
-              <a:spcAft>
-                <a:spcPts val="0"/>
-              </a:spcAft>
-              <a:buSzPts val="2400"/>
-              <a:buNone/>
-              <a:defRPr sz="2400"/>
-            </a:lvl5pPr>
-            <a:lvl6pPr lvl="5" algn="ctr" rtl="0">
-              <a:spcBef>
-                <a:spcPts val="0"/>
-              </a:spcBef>
-              <a:spcAft>
-                <a:spcPts val="0"/>
-              </a:spcAft>
-              <a:buSzPts val="2400"/>
-              <a:buNone/>
-              <a:defRPr sz="2400"/>
-            </a:lvl6pPr>
-            <a:lvl7pPr lvl="6" algn="ctr" rtl="0">
-              <a:spcBef>
-                <a:spcPts val="0"/>
-              </a:spcBef>
-              <a:spcAft>
-                <a:spcPts val="0"/>
-              </a:spcAft>
-              <a:buSzPts val="2400"/>
-              <a:buNone/>
-              <a:defRPr sz="2400"/>
-            </a:lvl7pPr>
-            <a:lvl8pPr lvl="7" algn="ctr" rtl="0">
-              <a:spcBef>
-                <a:spcPts val="0"/>
-              </a:spcBef>
-              <a:spcAft>
-                <a:spcPts val="0"/>
-              </a:spcAft>
-              <a:buSzPts val="2400"/>
-              <a:buNone/>
-              <a:defRPr sz="2400"/>
-            </a:lvl8pPr>
-            <a:lvl9pPr lvl="8" algn="ctr" rtl="0">
-              <a:spcBef>
-                <a:spcPts val="0"/>
-              </a:spcBef>
-              <a:spcAft>
-                <a:spcPts val="0"/>
-              </a:spcAft>
-              <a:buSzPts val="2400"/>
-              <a:buNone/>
-              <a:defRPr sz="2400"/>
-            </a:lvl9pPr>
-          </a:lstStyle>
-          <a:p>
-            <a:endParaRPr/>
-          </a:p>
-        </p:txBody>
-      </p:sp>
-      <p:sp>
-        <p:nvSpPr>
-          <p:cNvPr id="108" name="Google Shape;108;p13"/>
-          <p:cNvSpPr txBox="1">
-            <a:spLocks noGrp="1"/>
-          </p:cNvSpPr>
-          <p:nvPr>
-            <p:ph type="subTitle" idx="8"/>
-          </p:nvPr>
-        </p:nvSpPr>
-        <p:spPr>
-          <a:xfrm>
-            <a:off x="3993350" y="3470975"/>
-            <a:ext cx="3294900" cy="806100"/>
-          </a:xfrm>
-          <a:prstGeom prst="rect">
-            <a:avLst/>
-          </a:prstGeom>
-        </p:spPr>
-        <p:txBody>
-          <a:bodyPr spcFirstLastPara="1" wrap="square" lIns="91425" tIns="91425" rIns="91425" bIns="91425" anchor="t" anchorCtr="0">
-            <a:noAutofit/>
-          </a:bodyPr>
-          <a:lstStyle>
-            <a:lvl1pPr lvl="0" rtl="0">
-              <a:lnSpc>
-                <a:spcPct val="100000"/>
-              </a:lnSpc>
-              <a:spcBef>
-                <a:spcPts val="0"/>
-              </a:spcBef>
-              <a:spcAft>
-                <a:spcPts val="0"/>
-              </a:spcAft>
-              <a:buSzPts val="1100"/>
-              <a:buNone/>
-              <a:defRPr sz="1100"/>
-            </a:lvl1pPr>
-            <a:lvl2pPr lvl="1" algn="ctr" rtl="0">
-              <a:lnSpc>
-                <a:spcPct val="100000"/>
-              </a:lnSpc>
-              <a:spcBef>
-                <a:spcPts val="0"/>
-              </a:spcBef>
-              <a:spcAft>
-                <a:spcPts val="0"/>
-              </a:spcAft>
-              <a:buSzPts val="1100"/>
-              <a:buNone/>
-              <a:defRPr sz="1100"/>
-            </a:lvl2pPr>
-            <a:lvl3pPr lvl="2" algn="ctr" rtl="0">
-              <a:lnSpc>
-                <a:spcPct val="100000"/>
-              </a:lnSpc>
-              <a:spcBef>
-                <a:spcPts val="0"/>
-              </a:spcBef>
-              <a:spcAft>
-                <a:spcPts val="0"/>
-              </a:spcAft>
-              <a:buSzPts val="1100"/>
-              <a:buNone/>
-              <a:defRPr sz="1100"/>
-            </a:lvl3pPr>
-            <a:lvl4pPr lvl="3" algn="ctr" rtl="0">
-              <a:lnSpc>
-                <a:spcPct val="100000"/>
-              </a:lnSpc>
-              <a:spcBef>
-                <a:spcPts val="0"/>
-              </a:spcBef>
-              <a:spcAft>
-                <a:spcPts val="0"/>
-              </a:spcAft>
-              <a:buSzPts val="1100"/>
-              <a:buNone/>
-              <a:defRPr sz="1100"/>
-            </a:lvl4pPr>
-            <a:lvl5pPr lvl="4" algn="ctr" rtl="0">
-              <a:lnSpc>
-                <a:spcPct val="100000"/>
-              </a:lnSpc>
-              <a:spcBef>
-                <a:spcPts val="0"/>
-              </a:spcBef>
-              <a:spcAft>
-                <a:spcPts val="0"/>
-              </a:spcAft>
-              <a:buSzPts val="1100"/>
-              <a:buNone/>
-              <a:defRPr sz="1100"/>
-            </a:lvl5pPr>
-            <a:lvl6pPr lvl="5" algn="ctr" rtl="0">
-              <a:lnSpc>
-                <a:spcPct val="100000"/>
-              </a:lnSpc>
-              <a:spcBef>
-                <a:spcPts val="0"/>
-              </a:spcBef>
-              <a:spcAft>
-                <a:spcPts val="0"/>
-              </a:spcAft>
-              <a:buSzPts val="1100"/>
-              <a:buNone/>
-              <a:defRPr sz="1100"/>
-            </a:lvl6pPr>
-            <a:lvl7pPr lvl="6" algn="ctr" rtl="0">
-              <a:lnSpc>
-                <a:spcPct val="100000"/>
-              </a:lnSpc>
-              <a:spcBef>
-                <a:spcPts val="0"/>
-              </a:spcBef>
-              <a:spcAft>
-                <a:spcPts val="0"/>
-              </a:spcAft>
-              <a:buSzPts val="1100"/>
-              <a:buNone/>
-              <a:defRPr sz="1100"/>
-            </a:lvl7pPr>
-            <a:lvl8pPr lvl="7" algn="ctr" rtl="0">
-              <a:lnSpc>
-                <a:spcPct val="100000"/>
-              </a:lnSpc>
-              <a:spcBef>
-                <a:spcPts val="0"/>
-              </a:spcBef>
-              <a:spcAft>
-                <a:spcPts val="0"/>
-              </a:spcAft>
-              <a:buSzPts val="1100"/>
-              <a:buNone/>
-              <a:defRPr sz="1100"/>
-            </a:lvl8pPr>
-            <a:lvl9pPr lvl="8" algn="ctr" rtl="0">
-              <a:lnSpc>
-                <a:spcPct val="100000"/>
-              </a:lnSpc>
-              <a:spcBef>
-                <a:spcPts val="0"/>
-              </a:spcBef>
-              <a:spcAft>
-                <a:spcPts val="0"/>
-              </a:spcAft>
-              <a:buSzPts val="1100"/>
-              <a:buNone/>
-              <a:defRPr sz="1100"/>
-            </a:lvl9pPr>
-          </a:lstStyle>
-          <a:p>
-            <a:endParaRPr/>
-          </a:p>
-        </p:txBody>
-      </p:sp>
-      <p:sp>
-        <p:nvSpPr>
-          <p:cNvPr id="109" name="Google Shape;109;p13"/>
-          <p:cNvSpPr txBox="1">
-            <a:spLocks noGrp="1"/>
-          </p:cNvSpPr>
-          <p:nvPr>
-            <p:ph type="title" idx="9" hasCustomPrompt="1"/>
-          </p:nvPr>
-        </p:nvSpPr>
-        <p:spPr>
-          <a:xfrm>
-            <a:off x="1855762" y="3650225"/>
-            <a:ext cx="830100" cy="447600"/>
-          </a:xfrm>
-          <a:prstGeom prst="rect">
-            <a:avLst/>
-          </a:prstGeom>
-          <a:noFill/>
-        </p:spPr>
-        <p:txBody>
-          <a:bodyPr spcFirstLastPara="1" wrap="square" lIns="91425" tIns="91425" rIns="91425" bIns="91425" anchor="ctr" anchorCtr="0">
-            <a:noAutofit/>
-          </a:bodyPr>
-          <a:lstStyle>
-            <a:lvl1pPr lvl="0" algn="r" rtl="0">
-              <a:spcBef>
-                <a:spcPts val="0"/>
-              </a:spcBef>
-              <a:spcAft>
-                <a:spcPts val="0"/>
-              </a:spcAft>
-              <a:buSzPts val="3000"/>
-              <a:buNone/>
-              <a:defRPr sz="2700"/>
-            </a:lvl1pPr>
-            <a:lvl2pPr lvl="1" rtl="0">
-              <a:spcBef>
-                <a:spcPts val="0"/>
-              </a:spcBef>
-              <a:spcAft>
-                <a:spcPts val="0"/>
-              </a:spcAft>
-              <a:buSzPts val="3000"/>
-              <a:buNone/>
-              <a:defRPr sz="3000"/>
-            </a:lvl2pPr>
-            <a:lvl3pPr lvl="2" rtl="0">
-              <a:spcBef>
-                <a:spcPts val="0"/>
-              </a:spcBef>
-              <a:spcAft>
-                <a:spcPts val="0"/>
-              </a:spcAft>
-              <a:buSzPts val="3000"/>
-              <a:buNone/>
-              <a:defRPr sz="3000"/>
-            </a:lvl3pPr>
-            <a:lvl4pPr lvl="3" rtl="0">
-              <a:spcBef>
-                <a:spcPts val="0"/>
-              </a:spcBef>
-              <a:spcAft>
-                <a:spcPts val="0"/>
-              </a:spcAft>
-              <a:buSzPts val="3000"/>
-              <a:buNone/>
-              <a:defRPr sz="3000"/>
-            </a:lvl4pPr>
-            <a:lvl5pPr lvl="4" rtl="0">
-              <a:spcBef>
-                <a:spcPts val="0"/>
-              </a:spcBef>
-              <a:spcAft>
-                <a:spcPts val="0"/>
-              </a:spcAft>
-              <a:buSzPts val="3000"/>
-              <a:buNone/>
-              <a:defRPr sz="3000"/>
-            </a:lvl5pPr>
-            <a:lvl6pPr lvl="5" rtl="0">
-              <a:spcBef>
-                <a:spcPts val="0"/>
-              </a:spcBef>
-              <a:spcAft>
-                <a:spcPts val="0"/>
-              </a:spcAft>
-              <a:buSzPts val="3000"/>
-              <a:buNone/>
-              <a:defRPr sz="3000"/>
-            </a:lvl6pPr>
-            <a:lvl7pPr lvl="6" rtl="0">
-              <a:spcBef>
-                <a:spcPts val="0"/>
-              </a:spcBef>
-              <a:spcAft>
-                <a:spcPts val="0"/>
-              </a:spcAft>
-              <a:buSzPts val="3000"/>
-              <a:buNone/>
-              <a:defRPr sz="3000"/>
-            </a:lvl7pPr>
-            <a:lvl8pPr lvl="7" rtl="0">
-              <a:spcBef>
-                <a:spcPts val="0"/>
-              </a:spcBef>
-              <a:spcAft>
-                <a:spcPts val="0"/>
-              </a:spcAft>
-              <a:buSzPts val="3000"/>
-              <a:buNone/>
-              <a:defRPr sz="3000"/>
-            </a:lvl8pPr>
-            <a:lvl9pPr lvl="8" rtl="0">
-              <a:spcBef>
-                <a:spcPts val="0"/>
-              </a:spcBef>
-              <a:spcAft>
-                <a:spcPts val="0"/>
-              </a:spcAft>
-              <a:buSzPts val="3000"/>
-              <a:buNone/>
-              <a:defRPr sz="3000"/>
-            </a:lvl9pPr>
-          </a:lstStyle>
-          <a:p>
-            <a:r>
-              <a:t>xx%</a:t>
-            </a:r>
-          </a:p>
-        </p:txBody>
-      </p:sp>
-      <p:grpSp>
-        <p:nvGrpSpPr>
-          <p:cNvPr id="110" name="Google Shape;110;p13"/>
-          <p:cNvGrpSpPr/>
-          <p:nvPr/>
-        </p:nvGrpSpPr>
-        <p:grpSpPr>
-          <a:xfrm>
-            <a:off x="-110187" y="291850"/>
-            <a:ext cx="9330407" cy="3895725"/>
-            <a:chOff x="-110187" y="291850"/>
-            <a:chExt cx="9330407" cy="3895725"/>
-          </a:xfrm>
-        </p:grpSpPr>
-        <p:grpSp>
-          <p:nvGrpSpPr>
-            <p:cNvPr id="111" name="Google Shape;111;p13"/>
-            <p:cNvGrpSpPr/>
-            <p:nvPr/>
-          </p:nvGrpSpPr>
-          <p:grpSpPr>
-            <a:xfrm>
-              <a:off x="7618880" y="291850"/>
-              <a:ext cx="1601339" cy="247650"/>
-              <a:chOff x="1962150" y="714375"/>
-              <a:chExt cx="4333800" cy="247650"/>
-            </a:xfrm>
-          </p:grpSpPr>
-          <p:cxnSp>
-            <p:nvCxnSpPr>
-              <p:cNvPr id="112" name="Google Shape;112;p13"/>
-              <p:cNvCxnSpPr/>
-              <p:nvPr/>
-            </p:nvCxnSpPr>
-            <p:spPr>
-              <a:xfrm>
-                <a:off x="1962150" y="714375"/>
-                <a:ext cx="4219500" cy="0"/>
-              </a:xfrm>
-              <a:prstGeom prst="straightConnector1">
-                <a:avLst/>
-              </a:prstGeom>
-              <a:noFill/>
-              <a:ln w="9525" cap="flat" cmpd="sng">
-                <a:solidFill>
-                  <a:schemeClr val="dk1"/>
-                </a:solidFill>
-                <a:prstDash val="solid"/>
-                <a:round/>
-                <a:headEnd type="none" w="med" len="med"/>
-                <a:tailEnd type="none" w="med" len="med"/>
-              </a:ln>
-            </p:spPr>
-          </p:cxnSp>
-          <p:cxnSp>
-            <p:nvCxnSpPr>
-              <p:cNvPr id="113" name="Google Shape;113;p13"/>
-              <p:cNvCxnSpPr/>
-              <p:nvPr/>
-            </p:nvCxnSpPr>
-            <p:spPr>
-              <a:xfrm>
-                <a:off x="2076450" y="796925"/>
-                <a:ext cx="4219500" cy="0"/>
-              </a:xfrm>
-              <a:prstGeom prst="straightConnector1">
-                <a:avLst/>
-              </a:prstGeom>
-              <a:noFill/>
-              <a:ln w="9525" cap="flat" cmpd="sng">
-                <a:solidFill>
-                  <a:schemeClr val="dk1"/>
-                </a:solidFill>
-                <a:prstDash val="solid"/>
-                <a:round/>
-                <a:headEnd type="none" w="med" len="med"/>
-                <a:tailEnd type="none" w="med" len="med"/>
-              </a:ln>
-            </p:spPr>
-          </p:cxnSp>
-          <p:cxnSp>
-            <p:nvCxnSpPr>
-              <p:cNvPr id="114" name="Google Shape;114;p13"/>
-              <p:cNvCxnSpPr/>
-              <p:nvPr/>
-            </p:nvCxnSpPr>
-            <p:spPr>
-              <a:xfrm>
-                <a:off x="1962150" y="879475"/>
-                <a:ext cx="4219500" cy="0"/>
-              </a:xfrm>
-              <a:prstGeom prst="straightConnector1">
-                <a:avLst/>
-              </a:prstGeom>
-              <a:noFill/>
-              <a:ln w="9525" cap="flat" cmpd="sng">
-                <a:solidFill>
-                  <a:schemeClr val="dk1"/>
-                </a:solidFill>
-                <a:prstDash val="solid"/>
-                <a:round/>
-                <a:headEnd type="none" w="med" len="med"/>
-                <a:tailEnd type="none" w="med" len="med"/>
-              </a:ln>
-            </p:spPr>
-          </p:cxnSp>
-          <p:cxnSp>
-            <p:nvCxnSpPr>
-              <p:cNvPr id="115" name="Google Shape;115;p13"/>
-              <p:cNvCxnSpPr/>
-              <p:nvPr/>
-            </p:nvCxnSpPr>
-            <p:spPr>
-              <a:xfrm>
-                <a:off x="2076450" y="962025"/>
-                <a:ext cx="4219500" cy="0"/>
-              </a:xfrm>
-              <a:prstGeom prst="straightConnector1">
-                <a:avLst/>
-              </a:prstGeom>
-              <a:noFill/>
-              <a:ln w="9525" cap="flat" cmpd="sng">
-                <a:solidFill>
-                  <a:schemeClr val="dk1"/>
-                </a:solidFill>
-                <a:prstDash val="solid"/>
-                <a:round/>
-                <a:headEnd type="none" w="med" len="med"/>
-                <a:tailEnd type="none" w="med" len="med"/>
-              </a:ln>
-            </p:spPr>
-          </p:cxnSp>
-        </p:grpSp>
-        <p:grpSp>
-          <p:nvGrpSpPr>
-            <p:cNvPr id="116" name="Google Shape;116;p13"/>
-            <p:cNvGrpSpPr/>
-            <p:nvPr/>
-          </p:nvGrpSpPr>
-          <p:grpSpPr>
-            <a:xfrm>
-              <a:off x="-110187" y="3939925"/>
-              <a:ext cx="829923" cy="247650"/>
-              <a:chOff x="1962150" y="714375"/>
-              <a:chExt cx="4333800" cy="247650"/>
-            </a:xfrm>
-          </p:grpSpPr>
-          <p:cxnSp>
-            <p:nvCxnSpPr>
-              <p:cNvPr id="117" name="Google Shape;117;p13"/>
-              <p:cNvCxnSpPr/>
-              <p:nvPr/>
-            </p:nvCxnSpPr>
-            <p:spPr>
-              <a:xfrm>
-                <a:off x="1962150" y="714375"/>
-                <a:ext cx="4219500" cy="0"/>
-              </a:xfrm>
-              <a:prstGeom prst="straightConnector1">
-                <a:avLst/>
-              </a:prstGeom>
-              <a:noFill/>
-              <a:ln w="9525" cap="flat" cmpd="sng">
-                <a:solidFill>
-                  <a:schemeClr val="dk1"/>
-                </a:solidFill>
-                <a:prstDash val="solid"/>
-                <a:round/>
-                <a:headEnd type="none" w="med" len="med"/>
-                <a:tailEnd type="none" w="med" len="med"/>
-              </a:ln>
-            </p:spPr>
-          </p:cxnSp>
-          <p:cxnSp>
-            <p:nvCxnSpPr>
-              <p:cNvPr id="118" name="Google Shape;118;p13"/>
-              <p:cNvCxnSpPr/>
-              <p:nvPr/>
-            </p:nvCxnSpPr>
-            <p:spPr>
-              <a:xfrm>
-                <a:off x="2076450" y="796925"/>
-                <a:ext cx="4219500" cy="0"/>
-              </a:xfrm>
-              <a:prstGeom prst="straightConnector1">
-                <a:avLst/>
-              </a:prstGeom>
-              <a:noFill/>
-              <a:ln w="9525" cap="flat" cmpd="sng">
-                <a:solidFill>
-                  <a:schemeClr val="dk1"/>
-                </a:solidFill>
-                <a:prstDash val="solid"/>
-                <a:round/>
-                <a:headEnd type="none" w="med" len="med"/>
-                <a:tailEnd type="none" w="med" len="med"/>
-              </a:ln>
-            </p:spPr>
-          </p:cxnSp>
-          <p:cxnSp>
-            <p:nvCxnSpPr>
-              <p:cNvPr id="119" name="Google Shape;119;p13"/>
-              <p:cNvCxnSpPr/>
-              <p:nvPr/>
-            </p:nvCxnSpPr>
-            <p:spPr>
-              <a:xfrm>
-                <a:off x="1962150" y="879475"/>
-                <a:ext cx="4219500" cy="0"/>
-              </a:xfrm>
-              <a:prstGeom prst="straightConnector1">
-                <a:avLst/>
-              </a:prstGeom>
-              <a:noFill/>
-              <a:ln w="9525" cap="flat" cmpd="sng">
-                <a:solidFill>
-                  <a:schemeClr val="dk1"/>
-                </a:solidFill>
-                <a:prstDash val="solid"/>
-                <a:round/>
-                <a:headEnd type="none" w="med" len="med"/>
-                <a:tailEnd type="none" w="med" len="med"/>
-              </a:ln>
-            </p:spPr>
-          </p:cxnSp>
-          <p:cxnSp>
-            <p:nvCxnSpPr>
-              <p:cNvPr id="120" name="Google Shape;120;p13"/>
-              <p:cNvCxnSpPr/>
-              <p:nvPr/>
-            </p:nvCxnSpPr>
-            <p:spPr>
-              <a:xfrm>
-                <a:off x="2076450" y="962025"/>
-                <a:ext cx="4219500" cy="0"/>
-              </a:xfrm>
-              <a:prstGeom prst="straightConnector1">
-                <a:avLst/>
-              </a:prstGeom>
-              <a:noFill/>
-              <a:ln w="9525" cap="flat" cmpd="sng">
-                <a:solidFill>
-                  <a:schemeClr val="dk1"/>
-                </a:solidFill>
-                <a:prstDash val="solid"/>
-                <a:round/>
-                <a:headEnd type="none" w="med" len="med"/>
-                <a:tailEnd type="none" w="med" len="med"/>
-              </a:ln>
-            </p:spPr>
-          </p:cxnSp>
-        </p:grpSp>
-      </p:grpSp>
-      <p:sp>
-        <p:nvSpPr>
-          <p:cNvPr id="121" name="Google Shape;121;p13"/>
-          <p:cNvSpPr/>
-          <p:nvPr/>
-        </p:nvSpPr>
-        <p:spPr>
-          <a:xfrm>
-            <a:off x="-25" y="4615800"/>
-            <a:ext cx="9144000" cy="527700"/>
-          </a:xfrm>
-          <a:prstGeom prst="rect">
-            <a:avLst/>
-          </a:prstGeom>
-          <a:solidFill>
-            <a:schemeClr val="dk1"/>
-          </a:solidFill>
-          <a:ln>
-            <a:noFill/>
-          </a:ln>
-        </p:spPr>
-        <p:txBody>
-          <a:bodyPr spcFirstLastPara="1" wrap="square" lIns="91425" tIns="91425" rIns="91425" bIns="91425" anchor="ctr" anchorCtr="0">
-            <a:noAutofit/>
-          </a:bodyPr>
-          <a:lstStyle/>
-          <a:p>
-            <a:pPr marL="0" lvl="0" indent="0" algn="ctr" rtl="0">
-              <a:spcBef>
-                <a:spcPts val="0"/>
-              </a:spcBef>
-              <a:spcAft>
-                <a:spcPts val="0"/>
-              </a:spcAft>
-              <a:buNone/>
-            </a:pPr>
-            <a:endParaRPr>
-              <a:latin typeface="Anaheim"/>
-              <a:ea typeface="Anaheim"/>
-              <a:cs typeface="Anaheim"/>
-              <a:sym typeface="Anaheim"/>
-            </a:endParaRPr>
-          </a:p>
-        </p:txBody>
-      </p:sp>
-    </p:spTree>
-  </p:cSld>
-  <p:clrMapOvr>
-    <a:masterClrMapping/>
-  </p:clrMapOvr>
-</p:sldLayout>
-</file>
-
-<file path=ppt/slideLayouts/slideLayout8.xml><?xml version="1.0" encoding="utf-8"?>
 <p:sldLayout xmlns:a="http://schemas.openxmlformats.org/drawingml/2006/main" xmlns:r="http://schemas.openxmlformats.org/officeDocument/2006/relationships" xmlns:p="http://schemas.openxmlformats.org/presentationml/2006/main" matchingName="Title and text 1">
   <p:cSld name="ONE_COLUMN_TEXT_1_1">
     <p:spTree>
@@ -7178,7 +5136,7 @@
 </p:sldLayout>
 </file>
 
-<file path=ppt/slideLayouts/slideLayout9.xml><?xml version="1.0" encoding="utf-8"?>
+<file path=ppt/slideLayouts/slideLayout8.xml><?xml version="1.0" encoding="utf-8"?>
 <p:sldLayout xmlns:a="http://schemas.openxmlformats.org/drawingml/2006/main" xmlns:r="http://schemas.openxmlformats.org/officeDocument/2006/relationships" xmlns:p="http://schemas.openxmlformats.org/presentationml/2006/main" matchingName="Quote">
   <p:cSld name="BLANK_1_1">
     <p:spTree>
@@ -7703,6 +5661,84 @@
 </p:sldLayout>
 </file>
 
+<file path=ppt/slideLayouts/slideLayout9.xml><?xml version="1.0" encoding="utf-8"?>
+<p:sldLayout xmlns:a="http://schemas.openxmlformats.org/drawingml/2006/main" xmlns:r="http://schemas.openxmlformats.org/officeDocument/2006/relationships" xmlns:p="http://schemas.openxmlformats.org/presentationml/2006/main" matchingName="Background 1">
+  <p:cSld name="CUSTOM_1">
+    <p:bg>
+      <p:bgPr>
+        <a:solidFill>
+          <a:schemeClr val="dk1"/>
+        </a:solidFill>
+        <a:effectLst/>
+      </p:bgPr>
+    </p:bg>
+    <p:spTree>
+      <p:nvGrpSpPr>
+        <p:cNvPr id="1" name="Shape 218"/>
+        <p:cNvGrpSpPr/>
+        <p:nvPr/>
+      </p:nvGrpSpPr>
+      <p:grpSpPr>
+        <a:xfrm>
+          <a:off x="0" y="0"/>
+          <a:ext cx="0" cy="0"/>
+          <a:chOff x="0" y="0"/>
+          <a:chExt cx="0" cy="0"/>
+        </a:xfrm>
+      </p:grpSpPr>
+      <p:sp>
+        <p:nvSpPr>
+          <p:cNvPr id="219" name="Google Shape;219;p21"/>
+          <p:cNvSpPr/>
+          <p:nvPr/>
+        </p:nvSpPr>
+        <p:spPr>
+          <a:xfrm>
+            <a:off x="228575" y="225300"/>
+            <a:ext cx="8686800" cy="4692900"/>
+          </a:xfrm>
+          <a:prstGeom prst="rect">
+            <a:avLst/>
+          </a:prstGeom>
+          <a:solidFill>
+            <a:schemeClr val="lt1"/>
+          </a:solidFill>
+          <a:ln>
+            <a:noFill/>
+          </a:ln>
+        </p:spPr>
+        <p:txBody>
+          <a:bodyPr spcFirstLastPara="1" wrap="square" lIns="91425" tIns="91425" rIns="91425" bIns="91425" anchor="ctr" anchorCtr="0">
+            <a:noAutofit/>
+          </a:bodyPr>
+          <a:lstStyle/>
+          <a:p>
+            <a:pPr marL="0" lvl="0" indent="0" algn="ctr" rtl="0">
+              <a:spcBef>
+                <a:spcPts val="0"/>
+              </a:spcBef>
+              <a:spcAft>
+                <a:spcPts val="0"/>
+              </a:spcAft>
+              <a:buNone/>
+            </a:pPr>
+            <a:endParaRPr>
+              <a:latin typeface="Anaheim"/>
+              <a:ea typeface="Anaheim"/>
+              <a:cs typeface="Anaheim"/>
+              <a:sym typeface="Anaheim"/>
+            </a:endParaRPr>
+          </a:p>
+        </p:txBody>
+      </p:sp>
+    </p:spTree>
+  </p:cSld>
+  <p:clrMapOvr>
+    <a:masterClrMapping/>
+  </p:clrMapOvr>
+</p:sldLayout>
+</file>
+
 <file path=ppt/slideMasters/slideMaster1.xml><?xml version="1.0" encoding="utf-8"?>
 <p:sldMaster xmlns:a="http://schemas.openxmlformats.org/drawingml/2006/main" xmlns:r="http://schemas.openxmlformats.org/officeDocument/2006/relationships" xmlns:p="http://schemas.openxmlformats.org/presentationml/2006/main">
   <p:cSld name="simple-light-2">
@@ -8247,11 +6283,10 @@
     <p:sldLayoutId id="2147483655" r:id="rId4"/>
     <p:sldLayoutId id="2147483657" r:id="rId5"/>
     <p:sldLayoutId id="2147483658" r:id="rId6"/>
-    <p:sldLayoutId id="2147483659" r:id="rId7"/>
-    <p:sldLayoutId id="2147483661" r:id="rId8"/>
-    <p:sldLayoutId id="2147483663" r:id="rId9"/>
-    <p:sldLayoutId id="2147483667" r:id="rId10"/>
-    <p:sldLayoutId id="2147483668" r:id="rId11"/>
+    <p:sldLayoutId id="2147483661" r:id="rId7"/>
+    <p:sldLayoutId id="2147483663" r:id="rId8"/>
+    <p:sldLayoutId id="2147483667" r:id="rId9"/>
+    <p:sldLayoutId id="2147483668" r:id="rId10"/>
   </p:sldLayoutIdLst>
   <p:hf hdr="0" ftr="0" dt="0"/>
   <p:txStyles>
@@ -9436,75 +7471,6 @@
           <a:chExt cx="0" cy="0"/>
         </a:xfrm>
       </p:grpSpPr>
-      <p:pic>
-        <p:nvPicPr>
-          <p:cNvPr id="6" name="Picture 5">
-            <a:extLst>
-              <a:ext uri="{FF2B5EF4-FFF2-40B4-BE49-F238E27FC236}">
-                <a16:creationId xmlns:a16="http://schemas.microsoft.com/office/drawing/2014/main" id="{9017E733-2D46-4DC0-9F73-CF8613B0264E}"/>
-              </a:ext>
-            </a:extLst>
-          </p:cNvPr>
-          <p:cNvPicPr/>
-          <p:nvPr/>
-        </p:nvPicPr>
-        <p:blipFill>
-          <a:blip r:embed="rId3" cstate="print">
-            <a:extLst>
-              <a:ext uri="{28A0092B-C50C-407E-A947-70E740481C1C}">
-                <a14:useLocalDpi xmlns:a14="http://schemas.microsoft.com/office/drawing/2010/main" val="0"/>
-              </a:ext>
-            </a:extLst>
-          </a:blip>
-          <a:srcRect/>
-          <a:stretch>
-            <a:fillRect/>
-          </a:stretch>
-        </p:blipFill>
-        <p:spPr bwMode="auto">
-          <a:xfrm>
-            <a:off x="0" y="0"/>
-            <a:ext cx="9144000" cy="5143500"/>
-          </a:xfrm>
-          <a:prstGeom prst="rect">
-            <a:avLst/>
-          </a:prstGeom>
-          <a:noFill/>
-          <a:ln>
-            <a:noFill/>
-          </a:ln>
-        </p:spPr>
-      </p:pic>
-    </p:spTree>
-    <p:extLst>
-      <p:ext uri="{BB962C8B-B14F-4D97-AF65-F5344CB8AC3E}">
-        <p14:creationId xmlns:p14="http://schemas.microsoft.com/office/powerpoint/2010/main" val="2758911896"/>
-      </p:ext>
-    </p:extLst>
-  </p:cSld>
-  <p:clrMapOvr>
-    <a:masterClrMapping/>
-  </p:clrMapOvr>
-</p:sld>
-</file>
-
-<file path=ppt/slides/slide11.xml><?xml version="1.0" encoding="utf-8"?>
-<p:sld xmlns:a="http://schemas.openxmlformats.org/drawingml/2006/main" xmlns:r="http://schemas.openxmlformats.org/officeDocument/2006/relationships" xmlns:p="http://schemas.openxmlformats.org/presentationml/2006/main">
-  <p:cSld>
-    <p:spTree>
-      <p:nvGrpSpPr>
-        <p:cNvPr id="1" name="Shape 464"/>
-        <p:cNvGrpSpPr/>
-        <p:nvPr/>
-      </p:nvGrpSpPr>
-      <p:grpSpPr>
-        <a:xfrm>
-          <a:off x="0" y="0"/>
-          <a:ext cx="0" cy="0"/>
-          <a:chOff x="0" y="0"/>
-          <a:chExt cx="0" cy="0"/>
-        </a:xfrm>
-      </p:grpSpPr>
       <p:sp>
         <p:nvSpPr>
           <p:cNvPr id="465" name="Google Shape;465;p39"/>
@@ -9559,3528 +7525,7 @@
 </p:sld>
 </file>
 
-<file path=ppt/slides/slide12.xml><?xml version="1.0" encoding="utf-8"?>
-<p:sld xmlns:a="http://schemas.openxmlformats.org/drawingml/2006/main" xmlns:r="http://schemas.openxmlformats.org/officeDocument/2006/relationships" xmlns:p="http://schemas.openxmlformats.org/presentationml/2006/main">
-  <p:cSld>
-    <p:spTree>
-      <p:nvGrpSpPr>
-        <p:cNvPr id="1" name="Shape 353"/>
-        <p:cNvGrpSpPr/>
-        <p:nvPr/>
-      </p:nvGrpSpPr>
-      <p:grpSpPr>
-        <a:xfrm>
-          <a:off x="0" y="0"/>
-          <a:ext cx="0" cy="0"/>
-          <a:chOff x="0" y="0"/>
-          <a:chExt cx="0" cy="0"/>
-        </a:xfrm>
-      </p:grpSpPr>
-      <p:sp>
-        <p:nvSpPr>
-          <p:cNvPr id="384" name="Google Shape;384;p34"/>
-          <p:cNvSpPr txBox="1">
-            <a:spLocks noGrp="1"/>
-          </p:cNvSpPr>
-          <p:nvPr>
-            <p:ph type="title"/>
-          </p:nvPr>
-        </p:nvSpPr>
-        <p:spPr>
-          <a:xfrm>
-            <a:off x="720000" y="445025"/>
-            <a:ext cx="7704000" cy="572700"/>
-          </a:xfrm>
-          <a:prstGeom prst="rect">
-            <a:avLst/>
-          </a:prstGeom>
-        </p:spPr>
-        <p:txBody>
-          <a:bodyPr spcFirstLastPara="1" wrap="square" lIns="91425" tIns="91425" rIns="91425" bIns="91425" anchor="t" anchorCtr="0">
-            <a:noAutofit/>
-          </a:bodyPr>
-          <a:lstStyle/>
-          <a:p>
-            <a:pPr algn="ctr"/>
-            <a:r>
-              <a:rPr lang="en-US" dirty="0" err="1">
-                <a:latin typeface="+mj-lt"/>
-              </a:rPr>
-              <a:t>Informācijas</a:t>
-            </a:r>
-            <a:r>
-              <a:rPr lang="en-US" dirty="0">
-                <a:latin typeface="+mj-lt"/>
-              </a:rPr>
-              <a:t> </a:t>
-            </a:r>
-            <a:r>
-              <a:rPr lang="en-US" dirty="0" err="1">
-                <a:latin typeface="+mj-lt"/>
-              </a:rPr>
-              <a:t>avoti</a:t>
-            </a:r>
-            <a:endParaRPr lang="en-US" b="0" dirty="0">
-              <a:latin typeface="+mj-lt"/>
-            </a:endParaRPr>
-          </a:p>
-        </p:txBody>
-      </p:sp>
-      <p:sp>
-        <p:nvSpPr>
-          <p:cNvPr id="5" name="Google Shape;321;p31">
-            <a:extLst>
-              <a:ext uri="{FF2B5EF4-FFF2-40B4-BE49-F238E27FC236}">
-                <a16:creationId xmlns:a16="http://schemas.microsoft.com/office/drawing/2014/main" id="{CA79DEAD-CBDF-4106-8901-15DE304F6E50}"/>
-              </a:ext>
-            </a:extLst>
-          </p:cNvPr>
-          <p:cNvSpPr txBox="1">
-            <a:spLocks/>
-          </p:cNvSpPr>
-          <p:nvPr/>
-        </p:nvSpPr>
-        <p:spPr>
-          <a:xfrm>
-            <a:off x="936248" y="1515638"/>
-            <a:ext cx="7092630" cy="1056112"/>
-          </a:xfrm>
-          <a:prstGeom prst="rect">
-            <a:avLst/>
-          </a:prstGeom>
-        </p:spPr>
-        <p:txBody>
-          <a:bodyPr spcFirstLastPara="1" wrap="square" lIns="91425" tIns="91425" rIns="91425" bIns="91425" anchor="b" anchorCtr="0">
-            <a:noAutofit/>
-          </a:bodyPr>
-          <a:lstStyle>
-            <a:defPPr marR="0" lvl="0" algn="l" rtl="0">
-              <a:lnSpc>
-                <a:spcPct val="100000"/>
-              </a:lnSpc>
-              <a:spcBef>
-                <a:spcPts val="0"/>
-              </a:spcBef>
-              <a:spcAft>
-                <a:spcPts val="0"/>
-              </a:spcAft>
-            </a:defPPr>
-            <a:lvl1pPr marR="0" lvl="0" algn="l" rtl="0">
-              <a:lnSpc>
-                <a:spcPct val="100000"/>
-              </a:lnSpc>
-              <a:spcBef>
-                <a:spcPts val="0"/>
-              </a:spcBef>
-              <a:spcAft>
-                <a:spcPts val="0"/>
-              </a:spcAft>
-              <a:buClr>
-                <a:srgbClr val="000000"/>
-              </a:buClr>
-              <a:buFont typeface="Arial"/>
-              <a:defRPr sz="1400" b="0" i="0" u="none" strike="noStrike" cap="none">
-                <a:solidFill>
-                  <a:srgbClr val="000000"/>
-                </a:solidFill>
-                <a:latin typeface="Arial"/>
-                <a:ea typeface="Arial"/>
-                <a:cs typeface="Arial"/>
-                <a:sym typeface="Arial"/>
-              </a:defRPr>
-            </a:lvl1pPr>
-            <a:lvl2pPr marR="0" lvl="1" algn="l" rtl="0">
-              <a:lnSpc>
-                <a:spcPct val="100000"/>
-              </a:lnSpc>
-              <a:spcBef>
-                <a:spcPts val="0"/>
-              </a:spcBef>
-              <a:spcAft>
-                <a:spcPts val="0"/>
-              </a:spcAft>
-              <a:buClr>
-                <a:srgbClr val="000000"/>
-              </a:buClr>
-              <a:buFont typeface="Arial"/>
-              <a:defRPr sz="1400" b="0" i="0" u="none" strike="noStrike" cap="none">
-                <a:solidFill>
-                  <a:srgbClr val="000000"/>
-                </a:solidFill>
-                <a:latin typeface="Arial"/>
-                <a:ea typeface="Arial"/>
-                <a:cs typeface="Arial"/>
-                <a:sym typeface="Arial"/>
-              </a:defRPr>
-            </a:lvl2pPr>
-            <a:lvl3pPr marR="0" lvl="2" algn="l" rtl="0">
-              <a:lnSpc>
-                <a:spcPct val="100000"/>
-              </a:lnSpc>
-              <a:spcBef>
-                <a:spcPts val="0"/>
-              </a:spcBef>
-              <a:spcAft>
-                <a:spcPts val="0"/>
-              </a:spcAft>
-              <a:buClr>
-                <a:srgbClr val="000000"/>
-              </a:buClr>
-              <a:buFont typeface="Arial"/>
-              <a:defRPr sz="1400" b="0" i="0" u="none" strike="noStrike" cap="none">
-                <a:solidFill>
-                  <a:srgbClr val="000000"/>
-                </a:solidFill>
-                <a:latin typeface="Arial"/>
-                <a:ea typeface="Arial"/>
-                <a:cs typeface="Arial"/>
-                <a:sym typeface="Arial"/>
-              </a:defRPr>
-            </a:lvl3pPr>
-            <a:lvl4pPr marR="0" lvl="3" algn="l" rtl="0">
-              <a:lnSpc>
-                <a:spcPct val="100000"/>
-              </a:lnSpc>
-              <a:spcBef>
-                <a:spcPts val="0"/>
-              </a:spcBef>
-              <a:spcAft>
-                <a:spcPts val="0"/>
-              </a:spcAft>
-              <a:buClr>
-                <a:srgbClr val="000000"/>
-              </a:buClr>
-              <a:buFont typeface="Arial"/>
-              <a:defRPr sz="1400" b="0" i="0" u="none" strike="noStrike" cap="none">
-                <a:solidFill>
-                  <a:srgbClr val="000000"/>
-                </a:solidFill>
-                <a:latin typeface="Arial"/>
-                <a:ea typeface="Arial"/>
-                <a:cs typeface="Arial"/>
-                <a:sym typeface="Arial"/>
-              </a:defRPr>
-            </a:lvl4pPr>
-            <a:lvl5pPr marR="0" lvl="4" algn="l" rtl="0">
-              <a:lnSpc>
-                <a:spcPct val="100000"/>
-              </a:lnSpc>
-              <a:spcBef>
-                <a:spcPts val="0"/>
-              </a:spcBef>
-              <a:spcAft>
-                <a:spcPts val="0"/>
-              </a:spcAft>
-              <a:buClr>
-                <a:srgbClr val="000000"/>
-              </a:buClr>
-              <a:buFont typeface="Arial"/>
-              <a:defRPr sz="1400" b="0" i="0" u="none" strike="noStrike" cap="none">
-                <a:solidFill>
-                  <a:srgbClr val="000000"/>
-                </a:solidFill>
-                <a:latin typeface="Arial"/>
-                <a:ea typeface="Arial"/>
-                <a:cs typeface="Arial"/>
-                <a:sym typeface="Arial"/>
-              </a:defRPr>
-            </a:lvl5pPr>
-            <a:lvl6pPr marR="0" lvl="5" algn="l" rtl="0">
-              <a:lnSpc>
-                <a:spcPct val="100000"/>
-              </a:lnSpc>
-              <a:spcBef>
-                <a:spcPts val="0"/>
-              </a:spcBef>
-              <a:spcAft>
-                <a:spcPts val="0"/>
-              </a:spcAft>
-              <a:buClr>
-                <a:srgbClr val="000000"/>
-              </a:buClr>
-              <a:buFont typeface="Arial"/>
-              <a:defRPr sz="1400" b="0" i="0" u="none" strike="noStrike" cap="none">
-                <a:solidFill>
-                  <a:srgbClr val="000000"/>
-                </a:solidFill>
-                <a:latin typeface="Arial"/>
-                <a:ea typeface="Arial"/>
-                <a:cs typeface="Arial"/>
-                <a:sym typeface="Arial"/>
-              </a:defRPr>
-            </a:lvl6pPr>
-            <a:lvl7pPr marR="0" lvl="6" algn="l" rtl="0">
-              <a:lnSpc>
-                <a:spcPct val="100000"/>
-              </a:lnSpc>
-              <a:spcBef>
-                <a:spcPts val="0"/>
-              </a:spcBef>
-              <a:spcAft>
-                <a:spcPts val="0"/>
-              </a:spcAft>
-              <a:buClr>
-                <a:srgbClr val="000000"/>
-              </a:buClr>
-              <a:buFont typeface="Arial"/>
-              <a:defRPr sz="1400" b="0" i="0" u="none" strike="noStrike" cap="none">
-                <a:solidFill>
-                  <a:srgbClr val="000000"/>
-                </a:solidFill>
-                <a:latin typeface="Arial"/>
-                <a:ea typeface="Arial"/>
-                <a:cs typeface="Arial"/>
-                <a:sym typeface="Arial"/>
-              </a:defRPr>
-            </a:lvl7pPr>
-            <a:lvl8pPr marR="0" lvl="7" algn="l" rtl="0">
-              <a:lnSpc>
-                <a:spcPct val="100000"/>
-              </a:lnSpc>
-              <a:spcBef>
-                <a:spcPts val="0"/>
-              </a:spcBef>
-              <a:spcAft>
-                <a:spcPts val="0"/>
-              </a:spcAft>
-              <a:buClr>
-                <a:srgbClr val="000000"/>
-              </a:buClr>
-              <a:buFont typeface="Arial"/>
-              <a:defRPr sz="1400" b="0" i="0" u="none" strike="noStrike" cap="none">
-                <a:solidFill>
-                  <a:srgbClr val="000000"/>
-                </a:solidFill>
-                <a:latin typeface="Arial"/>
-                <a:ea typeface="Arial"/>
-                <a:cs typeface="Arial"/>
-                <a:sym typeface="Arial"/>
-              </a:defRPr>
-            </a:lvl8pPr>
-            <a:lvl9pPr marR="0" lvl="8" algn="l" rtl="0">
-              <a:lnSpc>
-                <a:spcPct val="100000"/>
-              </a:lnSpc>
-              <a:spcBef>
-                <a:spcPts val="0"/>
-              </a:spcBef>
-              <a:spcAft>
-                <a:spcPts val="0"/>
-              </a:spcAft>
-              <a:buClr>
-                <a:srgbClr val="000000"/>
-              </a:buClr>
-              <a:buFont typeface="Arial"/>
-              <a:defRPr sz="1400" b="0" i="0" u="none" strike="noStrike" cap="none">
-                <a:solidFill>
-                  <a:srgbClr val="000000"/>
-                </a:solidFill>
-                <a:latin typeface="Arial"/>
-                <a:ea typeface="Arial"/>
-                <a:cs typeface="Arial"/>
-                <a:sym typeface="Arial"/>
-              </a:defRPr>
-            </a:lvl9pPr>
-          </a:lstStyle>
-          <a:p>
-            <a:pPr marL="285750" indent="-285750">
-              <a:buFont typeface="Arial" panose="020B0604020202020204" pitchFamily="34" charset="0"/>
-              <a:buChar char="•"/>
-            </a:pPr>
-            <a:r>
-              <a:rPr lang="en-US" dirty="0">
-                <a:latin typeface="+mn-lt"/>
-              </a:rPr>
-              <a:t>Diagrammu attēlošana - draw.io </a:t>
-            </a:r>
-          </a:p>
-          <a:p>
-            <a:pPr marL="285750" indent="-285750">
-              <a:buFont typeface="Arial" panose="020B0604020202020204" pitchFamily="34" charset="0"/>
-              <a:buChar char="•"/>
-            </a:pPr>
-            <a:r>
-              <a:rPr lang="lv-LV" dirty="0"/>
-              <a:t>ER diagramma - https://www.lucidchart.com/pages/er-diagrams</a:t>
-            </a:r>
-          </a:p>
-          <a:p>
-            <a:pPr marL="285750" indent="-285750">
-              <a:buFont typeface="Arial" panose="020B0604020202020204" pitchFamily="34" charset="0"/>
-              <a:buChar char="•"/>
-            </a:pPr>
-            <a:r>
-              <a:rPr lang="lv-LV" dirty="0"/>
-              <a:t>Datu plūsmas diagramma - https://www.lucidchart.com/pages/data-flow-diagram</a:t>
-            </a:r>
-            <a:endParaRPr lang="en-US" dirty="0"/>
-          </a:p>
-          <a:p>
-            <a:pPr marL="285750" indent="-285750">
-              <a:buFont typeface="Arial" panose="020B0604020202020204" pitchFamily="34" charset="0"/>
-              <a:buChar char="•"/>
-            </a:pPr>
-            <a:r>
-              <a:rPr lang="en-US" dirty="0">
-                <a:latin typeface="+mn-lt"/>
-              </a:rPr>
-              <a:t>UML diagramma – https://www.lucidchart.com/pages/uml-use-case-diagram</a:t>
-            </a:r>
-          </a:p>
-        </p:txBody>
-      </p:sp>
-    </p:spTree>
-    <p:extLst>
-      <p:ext uri="{BB962C8B-B14F-4D97-AF65-F5344CB8AC3E}">
-        <p14:creationId xmlns:p14="http://schemas.microsoft.com/office/powerpoint/2010/main" val="3891272265"/>
-      </p:ext>
-    </p:extLst>
-  </p:cSld>
-  <p:clrMapOvr>
-    <a:masterClrMapping/>
-  </p:clrMapOvr>
-</p:sld>
-</file>
-
 <file path=ppt/slides/slide2.xml><?xml version="1.0" encoding="utf-8"?>
-<p:sld xmlns:a="http://schemas.openxmlformats.org/drawingml/2006/main" xmlns:r="http://schemas.openxmlformats.org/officeDocument/2006/relationships" xmlns:p="http://schemas.openxmlformats.org/presentationml/2006/main">
-  <p:cSld>
-    <p:spTree>
-      <p:nvGrpSpPr>
-        <p:cNvPr id="1" name="Shape 278"/>
-        <p:cNvGrpSpPr/>
-        <p:nvPr/>
-      </p:nvGrpSpPr>
-      <p:grpSpPr>
-        <a:xfrm>
-          <a:off x="0" y="0"/>
-          <a:ext cx="0" cy="0"/>
-          <a:chOff x="0" y="0"/>
-          <a:chExt cx="0" cy="0"/>
-        </a:xfrm>
-      </p:grpSpPr>
-      <p:sp>
-        <p:nvSpPr>
-          <p:cNvPr id="279" name="Google Shape;279;p28"/>
-          <p:cNvSpPr txBox="1">
-            <a:spLocks noGrp="1"/>
-          </p:cNvSpPr>
-          <p:nvPr>
-            <p:ph type="title"/>
-          </p:nvPr>
-        </p:nvSpPr>
-        <p:spPr>
-          <a:xfrm>
-            <a:off x="720000" y="445025"/>
-            <a:ext cx="7704000" cy="572700"/>
-          </a:xfrm>
-          <a:prstGeom prst="rect">
-            <a:avLst/>
-          </a:prstGeom>
-        </p:spPr>
-        <p:txBody>
-          <a:bodyPr spcFirstLastPara="1" wrap="square" lIns="91425" tIns="91425" rIns="91425" bIns="91425" anchor="t" anchorCtr="0">
-            <a:noAutofit/>
-          </a:bodyPr>
-          <a:lstStyle/>
-          <a:p>
-            <a:pPr marL="0" lvl="0" indent="0" algn="l" rtl="0">
-              <a:spcBef>
-                <a:spcPts val="0"/>
-              </a:spcBef>
-              <a:spcAft>
-                <a:spcPts val="0"/>
-              </a:spcAft>
-              <a:buNone/>
-            </a:pPr>
-            <a:r>
-              <a:rPr lang="en" dirty="0">
-                <a:latin typeface="+mj-lt"/>
-              </a:rPr>
-              <a:t>Saturs</a:t>
-            </a:r>
-            <a:endParaRPr dirty="0">
-              <a:latin typeface="+mj-lt"/>
-            </a:endParaRPr>
-          </a:p>
-        </p:txBody>
-      </p:sp>
-      <p:sp>
-        <p:nvSpPr>
-          <p:cNvPr id="280" name="Google Shape;280;p28"/>
-          <p:cNvSpPr txBox="1">
-            <a:spLocks noGrp="1"/>
-          </p:cNvSpPr>
-          <p:nvPr>
-            <p:ph type="title" idx="2"/>
-          </p:nvPr>
-        </p:nvSpPr>
-        <p:spPr>
-          <a:xfrm>
-            <a:off x="2885746" y="1364150"/>
-            <a:ext cx="2868875" cy="527700"/>
-          </a:xfrm>
-          <a:prstGeom prst="rect">
-            <a:avLst/>
-          </a:prstGeom>
-        </p:spPr>
-        <p:txBody>
-          <a:bodyPr spcFirstLastPara="1" wrap="square" lIns="91425" tIns="91425" rIns="91425" bIns="91425" anchor="b" anchorCtr="0">
-            <a:noAutofit/>
-          </a:bodyPr>
-          <a:lstStyle/>
-          <a:p>
-            <a:pPr marL="0" lvl="0" indent="0" algn="l" rtl="0">
-              <a:spcBef>
-                <a:spcPts val="0"/>
-              </a:spcBef>
-              <a:spcAft>
-                <a:spcPts val="0"/>
-              </a:spcAft>
-              <a:buNone/>
-            </a:pPr>
-            <a:r>
-              <a:rPr lang="en" dirty="0">
-                <a:latin typeface="+mj-lt"/>
-              </a:rPr>
-              <a:t>Uzdevuma nostādne</a:t>
-            </a:r>
-            <a:endParaRPr dirty="0">
-              <a:latin typeface="+mj-lt"/>
-            </a:endParaRPr>
-          </a:p>
-        </p:txBody>
-      </p:sp>
-      <p:sp>
-        <p:nvSpPr>
-          <p:cNvPr id="282" name="Google Shape;282;p28"/>
-          <p:cNvSpPr txBox="1">
-            <a:spLocks noGrp="1"/>
-          </p:cNvSpPr>
-          <p:nvPr>
-            <p:ph type="title" idx="3"/>
-          </p:nvPr>
-        </p:nvSpPr>
-        <p:spPr>
-          <a:xfrm>
-            <a:off x="1855762" y="1404200"/>
-            <a:ext cx="830100" cy="447600"/>
-          </a:xfrm>
-          <a:prstGeom prst="rect">
-            <a:avLst/>
-          </a:prstGeom>
-        </p:spPr>
-        <p:txBody>
-          <a:bodyPr spcFirstLastPara="1" wrap="square" lIns="91425" tIns="91425" rIns="91425" bIns="91425" anchor="ctr" anchorCtr="0">
-            <a:noAutofit/>
-          </a:bodyPr>
-          <a:lstStyle/>
-          <a:p>
-            <a:pPr marL="0" lvl="0" indent="0" algn="r" rtl="0">
-              <a:spcBef>
-                <a:spcPts val="0"/>
-              </a:spcBef>
-              <a:spcAft>
-                <a:spcPts val="0"/>
-              </a:spcAft>
-              <a:buNone/>
-            </a:pPr>
-            <a:r>
-              <a:rPr lang="en" dirty="0">
-                <a:latin typeface="+mj-lt"/>
-              </a:rPr>
-              <a:t>1</a:t>
-            </a:r>
-            <a:endParaRPr dirty="0">
-              <a:latin typeface="+mj-lt"/>
-            </a:endParaRPr>
-          </a:p>
-        </p:txBody>
-      </p:sp>
-      <p:cxnSp>
-        <p:nvCxnSpPr>
-          <p:cNvPr id="289" name="Google Shape;289;p28"/>
-          <p:cNvCxnSpPr/>
-          <p:nvPr/>
-        </p:nvCxnSpPr>
-        <p:spPr>
-          <a:xfrm>
-            <a:off x="2793475" y="1364150"/>
-            <a:ext cx="0" cy="2905200"/>
-          </a:xfrm>
-          <a:prstGeom prst="straightConnector1">
-            <a:avLst/>
-          </a:prstGeom>
-          <a:noFill/>
-          <a:ln w="9525" cap="flat" cmpd="sng">
-            <a:solidFill>
-              <a:schemeClr val="dk1"/>
-            </a:solidFill>
-            <a:prstDash val="solid"/>
-            <a:round/>
-            <a:headEnd type="none" w="med" len="med"/>
-            <a:tailEnd type="none" w="med" len="med"/>
-          </a:ln>
-        </p:spPr>
-      </p:cxnSp>
-      <p:sp>
-        <p:nvSpPr>
-          <p:cNvPr id="31" name="Google Shape;280;p28">
-            <a:extLst>
-              <a:ext uri="{FF2B5EF4-FFF2-40B4-BE49-F238E27FC236}">
-                <a16:creationId xmlns:a16="http://schemas.microsoft.com/office/drawing/2014/main" id="{C5D307CA-398E-402D-8CB0-626A514B9B93}"/>
-              </a:ext>
-            </a:extLst>
-          </p:cNvPr>
-          <p:cNvSpPr txBox="1">
-            <a:spLocks/>
-          </p:cNvSpPr>
-          <p:nvPr/>
-        </p:nvSpPr>
-        <p:spPr>
-          <a:xfrm>
-            <a:off x="2885746" y="1851800"/>
-            <a:ext cx="3464778" cy="527700"/>
-          </a:xfrm>
-          <a:prstGeom prst="rect">
-            <a:avLst/>
-          </a:prstGeom>
-          <a:noFill/>
-          <a:ln>
-            <a:noFill/>
-          </a:ln>
-        </p:spPr>
-        <p:txBody>
-          <a:bodyPr spcFirstLastPara="1" wrap="square" lIns="91425" tIns="91425" rIns="91425" bIns="91425" anchor="b" anchorCtr="0">
-            <a:noAutofit/>
-          </a:bodyPr>
-          <a:lstStyle>
-            <a:defPPr marR="0" lvl="0" algn="l" rtl="0">
-              <a:lnSpc>
-                <a:spcPct val="100000"/>
-              </a:lnSpc>
-              <a:spcBef>
-                <a:spcPts val="0"/>
-              </a:spcBef>
-              <a:spcAft>
-                <a:spcPts val="0"/>
-              </a:spcAft>
-            </a:defPPr>
-            <a:lvl1pPr marR="0" lvl="0" algn="l" rtl="0">
-              <a:lnSpc>
-                <a:spcPct val="100000"/>
-              </a:lnSpc>
-              <a:spcBef>
-                <a:spcPts val="0"/>
-              </a:spcBef>
-              <a:spcAft>
-                <a:spcPts val="0"/>
-              </a:spcAft>
-              <a:buClr>
-                <a:schemeClr val="dk1"/>
-              </a:buClr>
-              <a:buSzPts val="2400"/>
-              <a:buFont typeface="Montserrat"/>
-              <a:buNone/>
-              <a:defRPr sz="1900" b="1" i="0" u="none" strike="noStrike" cap="none">
-                <a:solidFill>
-                  <a:schemeClr val="dk1"/>
-                </a:solidFill>
-                <a:latin typeface="Montserrat"/>
-                <a:ea typeface="Montserrat"/>
-                <a:cs typeface="Montserrat"/>
-                <a:sym typeface="Montserrat"/>
-              </a:defRPr>
-            </a:lvl1pPr>
-            <a:lvl2pPr marR="0" lvl="1" algn="ctr" rtl="0">
-              <a:lnSpc>
-                <a:spcPct val="100000"/>
-              </a:lnSpc>
-              <a:spcBef>
-                <a:spcPts val="0"/>
-              </a:spcBef>
-              <a:spcAft>
-                <a:spcPts val="0"/>
-              </a:spcAft>
-              <a:buClr>
-                <a:schemeClr val="dk1"/>
-              </a:buClr>
-              <a:buSzPts val="2400"/>
-              <a:buFont typeface="Montserrat"/>
-              <a:buNone/>
-              <a:defRPr sz="2400" b="1" i="0" u="none" strike="noStrike" cap="none">
-                <a:solidFill>
-                  <a:schemeClr val="dk1"/>
-                </a:solidFill>
-                <a:latin typeface="Montserrat"/>
-                <a:ea typeface="Montserrat"/>
-                <a:cs typeface="Montserrat"/>
-                <a:sym typeface="Montserrat"/>
-              </a:defRPr>
-            </a:lvl2pPr>
-            <a:lvl3pPr marR="0" lvl="2" algn="ctr" rtl="0">
-              <a:lnSpc>
-                <a:spcPct val="100000"/>
-              </a:lnSpc>
-              <a:spcBef>
-                <a:spcPts val="0"/>
-              </a:spcBef>
-              <a:spcAft>
-                <a:spcPts val="0"/>
-              </a:spcAft>
-              <a:buClr>
-                <a:schemeClr val="dk1"/>
-              </a:buClr>
-              <a:buSzPts val="2400"/>
-              <a:buFont typeface="Montserrat"/>
-              <a:buNone/>
-              <a:defRPr sz="2400" b="1" i="0" u="none" strike="noStrike" cap="none">
-                <a:solidFill>
-                  <a:schemeClr val="dk1"/>
-                </a:solidFill>
-                <a:latin typeface="Montserrat"/>
-                <a:ea typeface="Montserrat"/>
-                <a:cs typeface="Montserrat"/>
-                <a:sym typeface="Montserrat"/>
-              </a:defRPr>
-            </a:lvl3pPr>
-            <a:lvl4pPr marR="0" lvl="3" algn="ctr" rtl="0">
-              <a:lnSpc>
-                <a:spcPct val="100000"/>
-              </a:lnSpc>
-              <a:spcBef>
-                <a:spcPts val="0"/>
-              </a:spcBef>
-              <a:spcAft>
-                <a:spcPts val="0"/>
-              </a:spcAft>
-              <a:buClr>
-                <a:schemeClr val="dk1"/>
-              </a:buClr>
-              <a:buSzPts val="2400"/>
-              <a:buFont typeface="Montserrat"/>
-              <a:buNone/>
-              <a:defRPr sz="2400" b="1" i="0" u="none" strike="noStrike" cap="none">
-                <a:solidFill>
-                  <a:schemeClr val="dk1"/>
-                </a:solidFill>
-                <a:latin typeface="Montserrat"/>
-                <a:ea typeface="Montserrat"/>
-                <a:cs typeface="Montserrat"/>
-                <a:sym typeface="Montserrat"/>
-              </a:defRPr>
-            </a:lvl4pPr>
-            <a:lvl5pPr marR="0" lvl="4" algn="ctr" rtl="0">
-              <a:lnSpc>
-                <a:spcPct val="100000"/>
-              </a:lnSpc>
-              <a:spcBef>
-                <a:spcPts val="0"/>
-              </a:spcBef>
-              <a:spcAft>
-                <a:spcPts val="0"/>
-              </a:spcAft>
-              <a:buClr>
-                <a:schemeClr val="dk1"/>
-              </a:buClr>
-              <a:buSzPts val="2400"/>
-              <a:buFont typeface="Montserrat"/>
-              <a:buNone/>
-              <a:defRPr sz="2400" b="1" i="0" u="none" strike="noStrike" cap="none">
-                <a:solidFill>
-                  <a:schemeClr val="dk1"/>
-                </a:solidFill>
-                <a:latin typeface="Montserrat"/>
-                <a:ea typeface="Montserrat"/>
-                <a:cs typeface="Montserrat"/>
-                <a:sym typeface="Montserrat"/>
-              </a:defRPr>
-            </a:lvl5pPr>
-            <a:lvl6pPr marR="0" lvl="5" algn="ctr" rtl="0">
-              <a:lnSpc>
-                <a:spcPct val="100000"/>
-              </a:lnSpc>
-              <a:spcBef>
-                <a:spcPts val="0"/>
-              </a:spcBef>
-              <a:spcAft>
-                <a:spcPts val="0"/>
-              </a:spcAft>
-              <a:buClr>
-                <a:schemeClr val="dk1"/>
-              </a:buClr>
-              <a:buSzPts val="2400"/>
-              <a:buFont typeface="Montserrat"/>
-              <a:buNone/>
-              <a:defRPr sz="2400" b="1" i="0" u="none" strike="noStrike" cap="none">
-                <a:solidFill>
-                  <a:schemeClr val="dk1"/>
-                </a:solidFill>
-                <a:latin typeface="Montserrat"/>
-                <a:ea typeface="Montserrat"/>
-                <a:cs typeface="Montserrat"/>
-                <a:sym typeface="Montserrat"/>
-              </a:defRPr>
-            </a:lvl6pPr>
-            <a:lvl7pPr marR="0" lvl="6" algn="ctr" rtl="0">
-              <a:lnSpc>
-                <a:spcPct val="100000"/>
-              </a:lnSpc>
-              <a:spcBef>
-                <a:spcPts val="0"/>
-              </a:spcBef>
-              <a:spcAft>
-                <a:spcPts val="0"/>
-              </a:spcAft>
-              <a:buClr>
-                <a:schemeClr val="dk1"/>
-              </a:buClr>
-              <a:buSzPts val="2400"/>
-              <a:buFont typeface="Montserrat"/>
-              <a:buNone/>
-              <a:defRPr sz="2400" b="1" i="0" u="none" strike="noStrike" cap="none">
-                <a:solidFill>
-                  <a:schemeClr val="dk1"/>
-                </a:solidFill>
-                <a:latin typeface="Montserrat"/>
-                <a:ea typeface="Montserrat"/>
-                <a:cs typeface="Montserrat"/>
-                <a:sym typeface="Montserrat"/>
-              </a:defRPr>
-            </a:lvl7pPr>
-            <a:lvl8pPr marR="0" lvl="7" algn="ctr" rtl="0">
-              <a:lnSpc>
-                <a:spcPct val="100000"/>
-              </a:lnSpc>
-              <a:spcBef>
-                <a:spcPts val="0"/>
-              </a:spcBef>
-              <a:spcAft>
-                <a:spcPts val="0"/>
-              </a:spcAft>
-              <a:buClr>
-                <a:schemeClr val="dk1"/>
-              </a:buClr>
-              <a:buSzPts val="2400"/>
-              <a:buFont typeface="Montserrat"/>
-              <a:buNone/>
-              <a:defRPr sz="2400" b="1" i="0" u="none" strike="noStrike" cap="none">
-                <a:solidFill>
-                  <a:schemeClr val="dk1"/>
-                </a:solidFill>
-                <a:latin typeface="Montserrat"/>
-                <a:ea typeface="Montserrat"/>
-                <a:cs typeface="Montserrat"/>
-                <a:sym typeface="Montserrat"/>
-              </a:defRPr>
-            </a:lvl8pPr>
-            <a:lvl9pPr marR="0" lvl="8" algn="ctr" rtl="0">
-              <a:lnSpc>
-                <a:spcPct val="100000"/>
-              </a:lnSpc>
-              <a:spcBef>
-                <a:spcPts val="0"/>
-              </a:spcBef>
-              <a:spcAft>
-                <a:spcPts val="0"/>
-              </a:spcAft>
-              <a:buClr>
-                <a:schemeClr val="dk1"/>
-              </a:buClr>
-              <a:buSzPts val="2400"/>
-              <a:buFont typeface="Montserrat"/>
-              <a:buNone/>
-              <a:defRPr sz="2400" b="1" i="0" u="none" strike="noStrike" cap="none">
-                <a:solidFill>
-                  <a:schemeClr val="dk1"/>
-                </a:solidFill>
-                <a:latin typeface="Montserrat"/>
-                <a:ea typeface="Montserrat"/>
-                <a:cs typeface="Montserrat"/>
-                <a:sym typeface="Montserrat"/>
-              </a:defRPr>
-            </a:lvl9pPr>
-          </a:lstStyle>
-          <a:p>
-            <a:r>
-              <a:rPr lang="en-US" dirty="0">
-                <a:latin typeface="+mj-lt"/>
-              </a:rPr>
-              <a:t>Izstrādes tehnoloģijas</a:t>
-            </a:r>
-            <a:endParaRPr lang="lv-LV" dirty="0">
-              <a:latin typeface="+mj-lt"/>
-            </a:endParaRPr>
-          </a:p>
-        </p:txBody>
-      </p:sp>
-      <p:sp>
-        <p:nvSpPr>
-          <p:cNvPr id="32" name="Google Shape;282;p28">
-            <a:extLst>
-              <a:ext uri="{FF2B5EF4-FFF2-40B4-BE49-F238E27FC236}">
-                <a16:creationId xmlns:a16="http://schemas.microsoft.com/office/drawing/2014/main" id="{45B38EA5-4378-4DA7-AE94-33F3E78321E3}"/>
-              </a:ext>
-            </a:extLst>
-          </p:cNvPr>
-          <p:cNvSpPr txBox="1">
-            <a:spLocks/>
-          </p:cNvSpPr>
-          <p:nvPr/>
-        </p:nvSpPr>
-        <p:spPr>
-          <a:xfrm>
-            <a:off x="1855762" y="1891850"/>
-            <a:ext cx="830100" cy="447600"/>
-          </a:xfrm>
-          <a:prstGeom prst="rect">
-            <a:avLst/>
-          </a:prstGeom>
-          <a:noFill/>
-          <a:ln>
-            <a:noFill/>
-          </a:ln>
-        </p:spPr>
-        <p:txBody>
-          <a:bodyPr spcFirstLastPara="1" wrap="square" lIns="91425" tIns="91425" rIns="91425" bIns="91425" anchor="ctr" anchorCtr="0">
-            <a:noAutofit/>
-          </a:bodyPr>
-          <a:lstStyle>
-            <a:defPPr marR="0" lvl="0" algn="l" rtl="0">
-              <a:lnSpc>
-                <a:spcPct val="100000"/>
-              </a:lnSpc>
-              <a:spcBef>
-                <a:spcPts val="0"/>
-              </a:spcBef>
-              <a:spcAft>
-                <a:spcPts val="0"/>
-              </a:spcAft>
-            </a:defPPr>
-            <a:lvl1pPr marR="0" lvl="0" algn="r" rtl="0">
-              <a:lnSpc>
-                <a:spcPct val="100000"/>
-              </a:lnSpc>
-              <a:spcBef>
-                <a:spcPts val="0"/>
-              </a:spcBef>
-              <a:spcAft>
-                <a:spcPts val="0"/>
-              </a:spcAft>
-              <a:buClr>
-                <a:schemeClr val="dk1"/>
-              </a:buClr>
-              <a:buSzPts val="3000"/>
-              <a:buFont typeface="Montserrat"/>
-              <a:buNone/>
-              <a:defRPr sz="2700" b="1" i="0" u="none" strike="noStrike" cap="none">
-                <a:solidFill>
-                  <a:schemeClr val="dk1"/>
-                </a:solidFill>
-                <a:latin typeface="Montserrat"/>
-                <a:ea typeface="Montserrat"/>
-                <a:cs typeface="Montserrat"/>
-                <a:sym typeface="Montserrat"/>
-              </a:defRPr>
-            </a:lvl1pPr>
-            <a:lvl2pPr marR="0" lvl="1" algn="l" rtl="0">
-              <a:lnSpc>
-                <a:spcPct val="100000"/>
-              </a:lnSpc>
-              <a:spcBef>
-                <a:spcPts val="0"/>
-              </a:spcBef>
-              <a:spcAft>
-                <a:spcPts val="0"/>
-              </a:spcAft>
-              <a:buClr>
-                <a:schemeClr val="dk1"/>
-              </a:buClr>
-              <a:buSzPts val="3000"/>
-              <a:buFont typeface="Montserrat"/>
-              <a:buNone/>
-              <a:defRPr sz="3000" b="1" i="0" u="none" strike="noStrike" cap="none">
-                <a:solidFill>
-                  <a:schemeClr val="dk1"/>
-                </a:solidFill>
-                <a:latin typeface="Montserrat"/>
-                <a:ea typeface="Montserrat"/>
-                <a:cs typeface="Montserrat"/>
-                <a:sym typeface="Montserrat"/>
-              </a:defRPr>
-            </a:lvl2pPr>
-            <a:lvl3pPr marR="0" lvl="2" algn="l" rtl="0">
-              <a:lnSpc>
-                <a:spcPct val="100000"/>
-              </a:lnSpc>
-              <a:spcBef>
-                <a:spcPts val="0"/>
-              </a:spcBef>
-              <a:spcAft>
-                <a:spcPts val="0"/>
-              </a:spcAft>
-              <a:buClr>
-                <a:schemeClr val="dk1"/>
-              </a:buClr>
-              <a:buSzPts val="3000"/>
-              <a:buFont typeface="Montserrat"/>
-              <a:buNone/>
-              <a:defRPr sz="3000" b="1" i="0" u="none" strike="noStrike" cap="none">
-                <a:solidFill>
-                  <a:schemeClr val="dk1"/>
-                </a:solidFill>
-                <a:latin typeface="Montserrat"/>
-                <a:ea typeface="Montserrat"/>
-                <a:cs typeface="Montserrat"/>
-                <a:sym typeface="Montserrat"/>
-              </a:defRPr>
-            </a:lvl3pPr>
-            <a:lvl4pPr marR="0" lvl="3" algn="l" rtl="0">
-              <a:lnSpc>
-                <a:spcPct val="100000"/>
-              </a:lnSpc>
-              <a:spcBef>
-                <a:spcPts val="0"/>
-              </a:spcBef>
-              <a:spcAft>
-                <a:spcPts val="0"/>
-              </a:spcAft>
-              <a:buClr>
-                <a:schemeClr val="dk1"/>
-              </a:buClr>
-              <a:buSzPts val="3000"/>
-              <a:buFont typeface="Montserrat"/>
-              <a:buNone/>
-              <a:defRPr sz="3000" b="1" i="0" u="none" strike="noStrike" cap="none">
-                <a:solidFill>
-                  <a:schemeClr val="dk1"/>
-                </a:solidFill>
-                <a:latin typeface="Montserrat"/>
-                <a:ea typeface="Montserrat"/>
-                <a:cs typeface="Montserrat"/>
-                <a:sym typeface="Montserrat"/>
-              </a:defRPr>
-            </a:lvl4pPr>
-            <a:lvl5pPr marR="0" lvl="4" algn="l" rtl="0">
-              <a:lnSpc>
-                <a:spcPct val="100000"/>
-              </a:lnSpc>
-              <a:spcBef>
-                <a:spcPts val="0"/>
-              </a:spcBef>
-              <a:spcAft>
-                <a:spcPts val="0"/>
-              </a:spcAft>
-              <a:buClr>
-                <a:schemeClr val="dk1"/>
-              </a:buClr>
-              <a:buSzPts val="3000"/>
-              <a:buFont typeface="Montserrat"/>
-              <a:buNone/>
-              <a:defRPr sz="3000" b="1" i="0" u="none" strike="noStrike" cap="none">
-                <a:solidFill>
-                  <a:schemeClr val="dk1"/>
-                </a:solidFill>
-                <a:latin typeface="Montserrat"/>
-                <a:ea typeface="Montserrat"/>
-                <a:cs typeface="Montserrat"/>
-                <a:sym typeface="Montserrat"/>
-              </a:defRPr>
-            </a:lvl5pPr>
-            <a:lvl6pPr marR="0" lvl="5" algn="l" rtl="0">
-              <a:lnSpc>
-                <a:spcPct val="100000"/>
-              </a:lnSpc>
-              <a:spcBef>
-                <a:spcPts val="0"/>
-              </a:spcBef>
-              <a:spcAft>
-                <a:spcPts val="0"/>
-              </a:spcAft>
-              <a:buClr>
-                <a:schemeClr val="dk1"/>
-              </a:buClr>
-              <a:buSzPts val="3000"/>
-              <a:buFont typeface="Montserrat"/>
-              <a:buNone/>
-              <a:defRPr sz="3000" b="1" i="0" u="none" strike="noStrike" cap="none">
-                <a:solidFill>
-                  <a:schemeClr val="dk1"/>
-                </a:solidFill>
-                <a:latin typeface="Montserrat"/>
-                <a:ea typeface="Montserrat"/>
-                <a:cs typeface="Montserrat"/>
-                <a:sym typeface="Montserrat"/>
-              </a:defRPr>
-            </a:lvl6pPr>
-            <a:lvl7pPr marR="0" lvl="6" algn="l" rtl="0">
-              <a:lnSpc>
-                <a:spcPct val="100000"/>
-              </a:lnSpc>
-              <a:spcBef>
-                <a:spcPts val="0"/>
-              </a:spcBef>
-              <a:spcAft>
-                <a:spcPts val="0"/>
-              </a:spcAft>
-              <a:buClr>
-                <a:schemeClr val="dk1"/>
-              </a:buClr>
-              <a:buSzPts val="3000"/>
-              <a:buFont typeface="Montserrat"/>
-              <a:buNone/>
-              <a:defRPr sz="3000" b="1" i="0" u="none" strike="noStrike" cap="none">
-                <a:solidFill>
-                  <a:schemeClr val="dk1"/>
-                </a:solidFill>
-                <a:latin typeface="Montserrat"/>
-                <a:ea typeface="Montserrat"/>
-                <a:cs typeface="Montserrat"/>
-                <a:sym typeface="Montserrat"/>
-              </a:defRPr>
-            </a:lvl7pPr>
-            <a:lvl8pPr marR="0" lvl="7" algn="l" rtl="0">
-              <a:lnSpc>
-                <a:spcPct val="100000"/>
-              </a:lnSpc>
-              <a:spcBef>
-                <a:spcPts val="0"/>
-              </a:spcBef>
-              <a:spcAft>
-                <a:spcPts val="0"/>
-              </a:spcAft>
-              <a:buClr>
-                <a:schemeClr val="dk1"/>
-              </a:buClr>
-              <a:buSzPts val="3000"/>
-              <a:buFont typeface="Montserrat"/>
-              <a:buNone/>
-              <a:defRPr sz="3000" b="1" i="0" u="none" strike="noStrike" cap="none">
-                <a:solidFill>
-                  <a:schemeClr val="dk1"/>
-                </a:solidFill>
-                <a:latin typeface="Montserrat"/>
-                <a:ea typeface="Montserrat"/>
-                <a:cs typeface="Montserrat"/>
-                <a:sym typeface="Montserrat"/>
-              </a:defRPr>
-            </a:lvl8pPr>
-            <a:lvl9pPr marR="0" lvl="8" algn="l" rtl="0">
-              <a:lnSpc>
-                <a:spcPct val="100000"/>
-              </a:lnSpc>
-              <a:spcBef>
-                <a:spcPts val="0"/>
-              </a:spcBef>
-              <a:spcAft>
-                <a:spcPts val="0"/>
-              </a:spcAft>
-              <a:buClr>
-                <a:schemeClr val="dk1"/>
-              </a:buClr>
-              <a:buSzPts val="3000"/>
-              <a:buFont typeface="Montserrat"/>
-              <a:buNone/>
-              <a:defRPr sz="3000" b="1" i="0" u="none" strike="noStrike" cap="none">
-                <a:solidFill>
-                  <a:schemeClr val="dk1"/>
-                </a:solidFill>
-                <a:latin typeface="Montserrat"/>
-                <a:ea typeface="Montserrat"/>
-                <a:cs typeface="Montserrat"/>
-                <a:sym typeface="Montserrat"/>
-              </a:defRPr>
-            </a:lvl9pPr>
-          </a:lstStyle>
-          <a:p>
-            <a:r>
-              <a:rPr lang="en" dirty="0">
-                <a:latin typeface="+mj-lt"/>
-              </a:rPr>
-              <a:t>2</a:t>
-            </a:r>
-          </a:p>
-        </p:txBody>
-      </p:sp>
-      <p:sp>
-        <p:nvSpPr>
-          <p:cNvPr id="33" name="Google Shape;280;p28">
-            <a:extLst>
-              <a:ext uri="{FF2B5EF4-FFF2-40B4-BE49-F238E27FC236}">
-                <a16:creationId xmlns:a16="http://schemas.microsoft.com/office/drawing/2014/main" id="{FA1AFBD9-BC42-4338-9A8D-D6B847E63F3A}"/>
-              </a:ext>
-            </a:extLst>
-          </p:cNvPr>
-          <p:cNvSpPr txBox="1">
-            <a:spLocks/>
-          </p:cNvSpPr>
-          <p:nvPr/>
-        </p:nvSpPr>
-        <p:spPr>
-          <a:xfrm>
-            <a:off x="2885745" y="2379500"/>
-            <a:ext cx="3844237" cy="527700"/>
-          </a:xfrm>
-          <a:prstGeom prst="rect">
-            <a:avLst/>
-          </a:prstGeom>
-          <a:noFill/>
-          <a:ln>
-            <a:noFill/>
-          </a:ln>
-        </p:spPr>
-        <p:txBody>
-          <a:bodyPr spcFirstLastPara="1" wrap="square" lIns="91425" tIns="91425" rIns="91425" bIns="91425" anchor="b" anchorCtr="0">
-            <a:noAutofit/>
-          </a:bodyPr>
-          <a:lstStyle>
-            <a:defPPr marR="0" lvl="0" algn="l" rtl="0">
-              <a:lnSpc>
-                <a:spcPct val="100000"/>
-              </a:lnSpc>
-              <a:spcBef>
-                <a:spcPts val="0"/>
-              </a:spcBef>
-              <a:spcAft>
-                <a:spcPts val="0"/>
-              </a:spcAft>
-            </a:defPPr>
-            <a:lvl1pPr marR="0" lvl="0" algn="l" rtl="0">
-              <a:lnSpc>
-                <a:spcPct val="100000"/>
-              </a:lnSpc>
-              <a:spcBef>
-                <a:spcPts val="0"/>
-              </a:spcBef>
-              <a:spcAft>
-                <a:spcPts val="0"/>
-              </a:spcAft>
-              <a:buClr>
-                <a:schemeClr val="dk1"/>
-              </a:buClr>
-              <a:buSzPts val="2400"/>
-              <a:buFont typeface="Montserrat"/>
-              <a:buNone/>
-              <a:defRPr sz="1900" b="1" i="0" u="none" strike="noStrike" cap="none">
-                <a:solidFill>
-                  <a:schemeClr val="dk1"/>
-                </a:solidFill>
-                <a:latin typeface="Montserrat"/>
-                <a:ea typeface="Montserrat"/>
-                <a:cs typeface="Montserrat"/>
-                <a:sym typeface="Montserrat"/>
-              </a:defRPr>
-            </a:lvl1pPr>
-            <a:lvl2pPr marR="0" lvl="1" algn="ctr" rtl="0">
-              <a:lnSpc>
-                <a:spcPct val="100000"/>
-              </a:lnSpc>
-              <a:spcBef>
-                <a:spcPts val="0"/>
-              </a:spcBef>
-              <a:spcAft>
-                <a:spcPts val="0"/>
-              </a:spcAft>
-              <a:buClr>
-                <a:schemeClr val="dk1"/>
-              </a:buClr>
-              <a:buSzPts val="2400"/>
-              <a:buFont typeface="Montserrat"/>
-              <a:buNone/>
-              <a:defRPr sz="2400" b="1" i="0" u="none" strike="noStrike" cap="none">
-                <a:solidFill>
-                  <a:schemeClr val="dk1"/>
-                </a:solidFill>
-                <a:latin typeface="Montserrat"/>
-                <a:ea typeface="Montserrat"/>
-                <a:cs typeface="Montserrat"/>
-                <a:sym typeface="Montserrat"/>
-              </a:defRPr>
-            </a:lvl2pPr>
-            <a:lvl3pPr marR="0" lvl="2" algn="ctr" rtl="0">
-              <a:lnSpc>
-                <a:spcPct val="100000"/>
-              </a:lnSpc>
-              <a:spcBef>
-                <a:spcPts val="0"/>
-              </a:spcBef>
-              <a:spcAft>
-                <a:spcPts val="0"/>
-              </a:spcAft>
-              <a:buClr>
-                <a:schemeClr val="dk1"/>
-              </a:buClr>
-              <a:buSzPts val="2400"/>
-              <a:buFont typeface="Montserrat"/>
-              <a:buNone/>
-              <a:defRPr sz="2400" b="1" i="0" u="none" strike="noStrike" cap="none">
-                <a:solidFill>
-                  <a:schemeClr val="dk1"/>
-                </a:solidFill>
-                <a:latin typeface="Montserrat"/>
-                <a:ea typeface="Montserrat"/>
-                <a:cs typeface="Montserrat"/>
-                <a:sym typeface="Montserrat"/>
-              </a:defRPr>
-            </a:lvl3pPr>
-            <a:lvl4pPr marR="0" lvl="3" algn="ctr" rtl="0">
-              <a:lnSpc>
-                <a:spcPct val="100000"/>
-              </a:lnSpc>
-              <a:spcBef>
-                <a:spcPts val="0"/>
-              </a:spcBef>
-              <a:spcAft>
-                <a:spcPts val="0"/>
-              </a:spcAft>
-              <a:buClr>
-                <a:schemeClr val="dk1"/>
-              </a:buClr>
-              <a:buSzPts val="2400"/>
-              <a:buFont typeface="Montserrat"/>
-              <a:buNone/>
-              <a:defRPr sz="2400" b="1" i="0" u="none" strike="noStrike" cap="none">
-                <a:solidFill>
-                  <a:schemeClr val="dk1"/>
-                </a:solidFill>
-                <a:latin typeface="Montserrat"/>
-                <a:ea typeface="Montserrat"/>
-                <a:cs typeface="Montserrat"/>
-                <a:sym typeface="Montserrat"/>
-              </a:defRPr>
-            </a:lvl4pPr>
-            <a:lvl5pPr marR="0" lvl="4" algn="ctr" rtl="0">
-              <a:lnSpc>
-                <a:spcPct val="100000"/>
-              </a:lnSpc>
-              <a:spcBef>
-                <a:spcPts val="0"/>
-              </a:spcBef>
-              <a:spcAft>
-                <a:spcPts val="0"/>
-              </a:spcAft>
-              <a:buClr>
-                <a:schemeClr val="dk1"/>
-              </a:buClr>
-              <a:buSzPts val="2400"/>
-              <a:buFont typeface="Montserrat"/>
-              <a:buNone/>
-              <a:defRPr sz="2400" b="1" i="0" u="none" strike="noStrike" cap="none">
-                <a:solidFill>
-                  <a:schemeClr val="dk1"/>
-                </a:solidFill>
-                <a:latin typeface="Montserrat"/>
-                <a:ea typeface="Montserrat"/>
-                <a:cs typeface="Montserrat"/>
-                <a:sym typeface="Montserrat"/>
-              </a:defRPr>
-            </a:lvl5pPr>
-            <a:lvl6pPr marR="0" lvl="5" algn="ctr" rtl="0">
-              <a:lnSpc>
-                <a:spcPct val="100000"/>
-              </a:lnSpc>
-              <a:spcBef>
-                <a:spcPts val="0"/>
-              </a:spcBef>
-              <a:spcAft>
-                <a:spcPts val="0"/>
-              </a:spcAft>
-              <a:buClr>
-                <a:schemeClr val="dk1"/>
-              </a:buClr>
-              <a:buSzPts val="2400"/>
-              <a:buFont typeface="Montserrat"/>
-              <a:buNone/>
-              <a:defRPr sz="2400" b="1" i="0" u="none" strike="noStrike" cap="none">
-                <a:solidFill>
-                  <a:schemeClr val="dk1"/>
-                </a:solidFill>
-                <a:latin typeface="Montserrat"/>
-                <a:ea typeface="Montserrat"/>
-                <a:cs typeface="Montserrat"/>
-                <a:sym typeface="Montserrat"/>
-              </a:defRPr>
-            </a:lvl6pPr>
-            <a:lvl7pPr marR="0" lvl="6" algn="ctr" rtl="0">
-              <a:lnSpc>
-                <a:spcPct val="100000"/>
-              </a:lnSpc>
-              <a:spcBef>
-                <a:spcPts val="0"/>
-              </a:spcBef>
-              <a:spcAft>
-                <a:spcPts val="0"/>
-              </a:spcAft>
-              <a:buClr>
-                <a:schemeClr val="dk1"/>
-              </a:buClr>
-              <a:buSzPts val="2400"/>
-              <a:buFont typeface="Montserrat"/>
-              <a:buNone/>
-              <a:defRPr sz="2400" b="1" i="0" u="none" strike="noStrike" cap="none">
-                <a:solidFill>
-                  <a:schemeClr val="dk1"/>
-                </a:solidFill>
-                <a:latin typeface="Montserrat"/>
-                <a:ea typeface="Montserrat"/>
-                <a:cs typeface="Montserrat"/>
-                <a:sym typeface="Montserrat"/>
-              </a:defRPr>
-            </a:lvl7pPr>
-            <a:lvl8pPr marR="0" lvl="7" algn="ctr" rtl="0">
-              <a:lnSpc>
-                <a:spcPct val="100000"/>
-              </a:lnSpc>
-              <a:spcBef>
-                <a:spcPts val="0"/>
-              </a:spcBef>
-              <a:spcAft>
-                <a:spcPts val="0"/>
-              </a:spcAft>
-              <a:buClr>
-                <a:schemeClr val="dk1"/>
-              </a:buClr>
-              <a:buSzPts val="2400"/>
-              <a:buFont typeface="Montserrat"/>
-              <a:buNone/>
-              <a:defRPr sz="2400" b="1" i="0" u="none" strike="noStrike" cap="none">
-                <a:solidFill>
-                  <a:schemeClr val="dk1"/>
-                </a:solidFill>
-                <a:latin typeface="Montserrat"/>
-                <a:ea typeface="Montserrat"/>
-                <a:cs typeface="Montserrat"/>
-                <a:sym typeface="Montserrat"/>
-              </a:defRPr>
-            </a:lvl8pPr>
-            <a:lvl9pPr marR="0" lvl="8" algn="ctr" rtl="0">
-              <a:lnSpc>
-                <a:spcPct val="100000"/>
-              </a:lnSpc>
-              <a:spcBef>
-                <a:spcPts val="0"/>
-              </a:spcBef>
-              <a:spcAft>
-                <a:spcPts val="0"/>
-              </a:spcAft>
-              <a:buClr>
-                <a:schemeClr val="dk1"/>
-              </a:buClr>
-              <a:buSzPts val="2400"/>
-              <a:buFont typeface="Montserrat"/>
-              <a:buNone/>
-              <a:defRPr sz="2400" b="1" i="0" u="none" strike="noStrike" cap="none">
-                <a:solidFill>
-                  <a:schemeClr val="dk1"/>
-                </a:solidFill>
-                <a:latin typeface="Montserrat"/>
-                <a:ea typeface="Montserrat"/>
-                <a:cs typeface="Montserrat"/>
-                <a:sym typeface="Montserrat"/>
-              </a:defRPr>
-            </a:lvl9pPr>
-          </a:lstStyle>
-          <a:p>
-            <a:r>
-              <a:rPr lang="en-US" dirty="0">
-                <a:latin typeface="+mj-lt"/>
-              </a:rPr>
-              <a:t>Dekompozīcijas diagramma</a:t>
-            </a:r>
-            <a:endParaRPr lang="lv-LV" dirty="0">
-              <a:latin typeface="+mj-lt"/>
-            </a:endParaRPr>
-          </a:p>
-        </p:txBody>
-      </p:sp>
-      <p:sp>
-        <p:nvSpPr>
-          <p:cNvPr id="34" name="Google Shape;282;p28">
-            <a:extLst>
-              <a:ext uri="{FF2B5EF4-FFF2-40B4-BE49-F238E27FC236}">
-                <a16:creationId xmlns:a16="http://schemas.microsoft.com/office/drawing/2014/main" id="{B1BD300F-B35A-45D0-AAE0-F7E0BC36C048}"/>
-              </a:ext>
-            </a:extLst>
-          </p:cNvPr>
-          <p:cNvSpPr txBox="1">
-            <a:spLocks/>
-          </p:cNvSpPr>
-          <p:nvPr/>
-        </p:nvSpPr>
-        <p:spPr>
-          <a:xfrm>
-            <a:off x="1855762" y="2419550"/>
-            <a:ext cx="830100" cy="447600"/>
-          </a:xfrm>
-          <a:prstGeom prst="rect">
-            <a:avLst/>
-          </a:prstGeom>
-          <a:noFill/>
-          <a:ln>
-            <a:noFill/>
-          </a:ln>
-        </p:spPr>
-        <p:txBody>
-          <a:bodyPr spcFirstLastPara="1" wrap="square" lIns="91425" tIns="91425" rIns="91425" bIns="91425" anchor="ctr" anchorCtr="0">
-            <a:noAutofit/>
-          </a:bodyPr>
-          <a:lstStyle>
-            <a:defPPr marR="0" lvl="0" algn="l" rtl="0">
-              <a:lnSpc>
-                <a:spcPct val="100000"/>
-              </a:lnSpc>
-              <a:spcBef>
-                <a:spcPts val="0"/>
-              </a:spcBef>
-              <a:spcAft>
-                <a:spcPts val="0"/>
-              </a:spcAft>
-            </a:defPPr>
-            <a:lvl1pPr marR="0" lvl="0" algn="r" rtl="0">
-              <a:lnSpc>
-                <a:spcPct val="100000"/>
-              </a:lnSpc>
-              <a:spcBef>
-                <a:spcPts val="0"/>
-              </a:spcBef>
-              <a:spcAft>
-                <a:spcPts val="0"/>
-              </a:spcAft>
-              <a:buClr>
-                <a:schemeClr val="dk1"/>
-              </a:buClr>
-              <a:buSzPts val="3000"/>
-              <a:buFont typeface="Montserrat"/>
-              <a:buNone/>
-              <a:defRPr sz="2700" b="1" i="0" u="none" strike="noStrike" cap="none">
-                <a:solidFill>
-                  <a:schemeClr val="dk1"/>
-                </a:solidFill>
-                <a:latin typeface="Montserrat"/>
-                <a:ea typeface="Montserrat"/>
-                <a:cs typeface="Montserrat"/>
-                <a:sym typeface="Montserrat"/>
-              </a:defRPr>
-            </a:lvl1pPr>
-            <a:lvl2pPr marR="0" lvl="1" algn="l" rtl="0">
-              <a:lnSpc>
-                <a:spcPct val="100000"/>
-              </a:lnSpc>
-              <a:spcBef>
-                <a:spcPts val="0"/>
-              </a:spcBef>
-              <a:spcAft>
-                <a:spcPts val="0"/>
-              </a:spcAft>
-              <a:buClr>
-                <a:schemeClr val="dk1"/>
-              </a:buClr>
-              <a:buSzPts val="3000"/>
-              <a:buFont typeface="Montserrat"/>
-              <a:buNone/>
-              <a:defRPr sz="3000" b="1" i="0" u="none" strike="noStrike" cap="none">
-                <a:solidFill>
-                  <a:schemeClr val="dk1"/>
-                </a:solidFill>
-                <a:latin typeface="Montserrat"/>
-                <a:ea typeface="Montserrat"/>
-                <a:cs typeface="Montserrat"/>
-                <a:sym typeface="Montserrat"/>
-              </a:defRPr>
-            </a:lvl2pPr>
-            <a:lvl3pPr marR="0" lvl="2" algn="l" rtl="0">
-              <a:lnSpc>
-                <a:spcPct val="100000"/>
-              </a:lnSpc>
-              <a:spcBef>
-                <a:spcPts val="0"/>
-              </a:spcBef>
-              <a:spcAft>
-                <a:spcPts val="0"/>
-              </a:spcAft>
-              <a:buClr>
-                <a:schemeClr val="dk1"/>
-              </a:buClr>
-              <a:buSzPts val="3000"/>
-              <a:buFont typeface="Montserrat"/>
-              <a:buNone/>
-              <a:defRPr sz="3000" b="1" i="0" u="none" strike="noStrike" cap="none">
-                <a:solidFill>
-                  <a:schemeClr val="dk1"/>
-                </a:solidFill>
-                <a:latin typeface="Montserrat"/>
-                <a:ea typeface="Montserrat"/>
-                <a:cs typeface="Montserrat"/>
-                <a:sym typeface="Montserrat"/>
-              </a:defRPr>
-            </a:lvl3pPr>
-            <a:lvl4pPr marR="0" lvl="3" algn="l" rtl="0">
-              <a:lnSpc>
-                <a:spcPct val="100000"/>
-              </a:lnSpc>
-              <a:spcBef>
-                <a:spcPts val="0"/>
-              </a:spcBef>
-              <a:spcAft>
-                <a:spcPts val="0"/>
-              </a:spcAft>
-              <a:buClr>
-                <a:schemeClr val="dk1"/>
-              </a:buClr>
-              <a:buSzPts val="3000"/>
-              <a:buFont typeface="Montserrat"/>
-              <a:buNone/>
-              <a:defRPr sz="3000" b="1" i="0" u="none" strike="noStrike" cap="none">
-                <a:solidFill>
-                  <a:schemeClr val="dk1"/>
-                </a:solidFill>
-                <a:latin typeface="Montserrat"/>
-                <a:ea typeface="Montserrat"/>
-                <a:cs typeface="Montserrat"/>
-                <a:sym typeface="Montserrat"/>
-              </a:defRPr>
-            </a:lvl4pPr>
-            <a:lvl5pPr marR="0" lvl="4" algn="l" rtl="0">
-              <a:lnSpc>
-                <a:spcPct val="100000"/>
-              </a:lnSpc>
-              <a:spcBef>
-                <a:spcPts val="0"/>
-              </a:spcBef>
-              <a:spcAft>
-                <a:spcPts val="0"/>
-              </a:spcAft>
-              <a:buClr>
-                <a:schemeClr val="dk1"/>
-              </a:buClr>
-              <a:buSzPts val="3000"/>
-              <a:buFont typeface="Montserrat"/>
-              <a:buNone/>
-              <a:defRPr sz="3000" b="1" i="0" u="none" strike="noStrike" cap="none">
-                <a:solidFill>
-                  <a:schemeClr val="dk1"/>
-                </a:solidFill>
-                <a:latin typeface="Montserrat"/>
-                <a:ea typeface="Montserrat"/>
-                <a:cs typeface="Montserrat"/>
-                <a:sym typeface="Montserrat"/>
-              </a:defRPr>
-            </a:lvl5pPr>
-            <a:lvl6pPr marR="0" lvl="5" algn="l" rtl="0">
-              <a:lnSpc>
-                <a:spcPct val="100000"/>
-              </a:lnSpc>
-              <a:spcBef>
-                <a:spcPts val="0"/>
-              </a:spcBef>
-              <a:spcAft>
-                <a:spcPts val="0"/>
-              </a:spcAft>
-              <a:buClr>
-                <a:schemeClr val="dk1"/>
-              </a:buClr>
-              <a:buSzPts val="3000"/>
-              <a:buFont typeface="Montserrat"/>
-              <a:buNone/>
-              <a:defRPr sz="3000" b="1" i="0" u="none" strike="noStrike" cap="none">
-                <a:solidFill>
-                  <a:schemeClr val="dk1"/>
-                </a:solidFill>
-                <a:latin typeface="Montserrat"/>
-                <a:ea typeface="Montserrat"/>
-                <a:cs typeface="Montserrat"/>
-                <a:sym typeface="Montserrat"/>
-              </a:defRPr>
-            </a:lvl6pPr>
-            <a:lvl7pPr marR="0" lvl="6" algn="l" rtl="0">
-              <a:lnSpc>
-                <a:spcPct val="100000"/>
-              </a:lnSpc>
-              <a:spcBef>
-                <a:spcPts val="0"/>
-              </a:spcBef>
-              <a:spcAft>
-                <a:spcPts val="0"/>
-              </a:spcAft>
-              <a:buClr>
-                <a:schemeClr val="dk1"/>
-              </a:buClr>
-              <a:buSzPts val="3000"/>
-              <a:buFont typeface="Montserrat"/>
-              <a:buNone/>
-              <a:defRPr sz="3000" b="1" i="0" u="none" strike="noStrike" cap="none">
-                <a:solidFill>
-                  <a:schemeClr val="dk1"/>
-                </a:solidFill>
-                <a:latin typeface="Montserrat"/>
-                <a:ea typeface="Montserrat"/>
-                <a:cs typeface="Montserrat"/>
-                <a:sym typeface="Montserrat"/>
-              </a:defRPr>
-            </a:lvl7pPr>
-            <a:lvl8pPr marR="0" lvl="7" algn="l" rtl="0">
-              <a:lnSpc>
-                <a:spcPct val="100000"/>
-              </a:lnSpc>
-              <a:spcBef>
-                <a:spcPts val="0"/>
-              </a:spcBef>
-              <a:spcAft>
-                <a:spcPts val="0"/>
-              </a:spcAft>
-              <a:buClr>
-                <a:schemeClr val="dk1"/>
-              </a:buClr>
-              <a:buSzPts val="3000"/>
-              <a:buFont typeface="Montserrat"/>
-              <a:buNone/>
-              <a:defRPr sz="3000" b="1" i="0" u="none" strike="noStrike" cap="none">
-                <a:solidFill>
-                  <a:schemeClr val="dk1"/>
-                </a:solidFill>
-                <a:latin typeface="Montserrat"/>
-                <a:ea typeface="Montserrat"/>
-                <a:cs typeface="Montserrat"/>
-                <a:sym typeface="Montserrat"/>
-              </a:defRPr>
-            </a:lvl8pPr>
-            <a:lvl9pPr marR="0" lvl="8" algn="l" rtl="0">
-              <a:lnSpc>
-                <a:spcPct val="100000"/>
-              </a:lnSpc>
-              <a:spcBef>
-                <a:spcPts val="0"/>
-              </a:spcBef>
-              <a:spcAft>
-                <a:spcPts val="0"/>
-              </a:spcAft>
-              <a:buClr>
-                <a:schemeClr val="dk1"/>
-              </a:buClr>
-              <a:buSzPts val="3000"/>
-              <a:buFont typeface="Montserrat"/>
-              <a:buNone/>
-              <a:defRPr sz="3000" b="1" i="0" u="none" strike="noStrike" cap="none">
-                <a:solidFill>
-                  <a:schemeClr val="dk1"/>
-                </a:solidFill>
-                <a:latin typeface="Montserrat"/>
-                <a:ea typeface="Montserrat"/>
-                <a:cs typeface="Montserrat"/>
-                <a:sym typeface="Montserrat"/>
-              </a:defRPr>
-            </a:lvl9pPr>
-          </a:lstStyle>
-          <a:p>
-            <a:r>
-              <a:rPr lang="en" dirty="0">
-                <a:latin typeface="+mj-lt"/>
-              </a:rPr>
-              <a:t>3</a:t>
-            </a:r>
-          </a:p>
-        </p:txBody>
-      </p:sp>
-      <p:sp>
-        <p:nvSpPr>
-          <p:cNvPr id="35" name="Google Shape;280;p28">
-            <a:extLst>
-              <a:ext uri="{FF2B5EF4-FFF2-40B4-BE49-F238E27FC236}">
-                <a16:creationId xmlns:a16="http://schemas.microsoft.com/office/drawing/2014/main" id="{69697880-17D7-4FC9-B484-D7A12D511365}"/>
-              </a:ext>
-            </a:extLst>
-          </p:cNvPr>
-          <p:cNvSpPr txBox="1">
-            <a:spLocks/>
-          </p:cNvSpPr>
-          <p:nvPr/>
-        </p:nvSpPr>
-        <p:spPr>
-          <a:xfrm>
-            <a:off x="2885745" y="2866262"/>
-            <a:ext cx="3844237" cy="527700"/>
-          </a:xfrm>
-          <a:prstGeom prst="rect">
-            <a:avLst/>
-          </a:prstGeom>
-          <a:noFill/>
-          <a:ln>
-            <a:noFill/>
-          </a:ln>
-        </p:spPr>
-        <p:txBody>
-          <a:bodyPr spcFirstLastPara="1" wrap="square" lIns="91425" tIns="91425" rIns="91425" bIns="91425" anchor="b" anchorCtr="0">
-            <a:noAutofit/>
-          </a:bodyPr>
-          <a:lstStyle>
-            <a:defPPr marR="0" lvl="0" algn="l" rtl="0">
-              <a:lnSpc>
-                <a:spcPct val="100000"/>
-              </a:lnSpc>
-              <a:spcBef>
-                <a:spcPts val="0"/>
-              </a:spcBef>
-              <a:spcAft>
-                <a:spcPts val="0"/>
-              </a:spcAft>
-            </a:defPPr>
-            <a:lvl1pPr marR="0" lvl="0" algn="l" rtl="0">
-              <a:lnSpc>
-                <a:spcPct val="100000"/>
-              </a:lnSpc>
-              <a:spcBef>
-                <a:spcPts val="0"/>
-              </a:spcBef>
-              <a:spcAft>
-                <a:spcPts val="0"/>
-              </a:spcAft>
-              <a:buClr>
-                <a:schemeClr val="dk1"/>
-              </a:buClr>
-              <a:buSzPts val="2400"/>
-              <a:buFont typeface="Montserrat"/>
-              <a:buNone/>
-              <a:defRPr sz="1900" b="1" i="0" u="none" strike="noStrike" cap="none">
-                <a:solidFill>
-                  <a:schemeClr val="dk1"/>
-                </a:solidFill>
-                <a:latin typeface="Montserrat"/>
-                <a:ea typeface="Montserrat"/>
-                <a:cs typeface="Montserrat"/>
-                <a:sym typeface="Montserrat"/>
-              </a:defRPr>
-            </a:lvl1pPr>
-            <a:lvl2pPr marR="0" lvl="1" algn="ctr" rtl="0">
-              <a:lnSpc>
-                <a:spcPct val="100000"/>
-              </a:lnSpc>
-              <a:spcBef>
-                <a:spcPts val="0"/>
-              </a:spcBef>
-              <a:spcAft>
-                <a:spcPts val="0"/>
-              </a:spcAft>
-              <a:buClr>
-                <a:schemeClr val="dk1"/>
-              </a:buClr>
-              <a:buSzPts val="2400"/>
-              <a:buFont typeface="Montserrat"/>
-              <a:buNone/>
-              <a:defRPr sz="2400" b="1" i="0" u="none" strike="noStrike" cap="none">
-                <a:solidFill>
-                  <a:schemeClr val="dk1"/>
-                </a:solidFill>
-                <a:latin typeface="Montserrat"/>
-                <a:ea typeface="Montserrat"/>
-                <a:cs typeface="Montserrat"/>
-                <a:sym typeface="Montserrat"/>
-              </a:defRPr>
-            </a:lvl2pPr>
-            <a:lvl3pPr marR="0" lvl="2" algn="ctr" rtl="0">
-              <a:lnSpc>
-                <a:spcPct val="100000"/>
-              </a:lnSpc>
-              <a:spcBef>
-                <a:spcPts val="0"/>
-              </a:spcBef>
-              <a:spcAft>
-                <a:spcPts val="0"/>
-              </a:spcAft>
-              <a:buClr>
-                <a:schemeClr val="dk1"/>
-              </a:buClr>
-              <a:buSzPts val="2400"/>
-              <a:buFont typeface="Montserrat"/>
-              <a:buNone/>
-              <a:defRPr sz="2400" b="1" i="0" u="none" strike="noStrike" cap="none">
-                <a:solidFill>
-                  <a:schemeClr val="dk1"/>
-                </a:solidFill>
-                <a:latin typeface="Montserrat"/>
-                <a:ea typeface="Montserrat"/>
-                <a:cs typeface="Montserrat"/>
-                <a:sym typeface="Montserrat"/>
-              </a:defRPr>
-            </a:lvl3pPr>
-            <a:lvl4pPr marR="0" lvl="3" algn="ctr" rtl="0">
-              <a:lnSpc>
-                <a:spcPct val="100000"/>
-              </a:lnSpc>
-              <a:spcBef>
-                <a:spcPts val="0"/>
-              </a:spcBef>
-              <a:spcAft>
-                <a:spcPts val="0"/>
-              </a:spcAft>
-              <a:buClr>
-                <a:schemeClr val="dk1"/>
-              </a:buClr>
-              <a:buSzPts val="2400"/>
-              <a:buFont typeface="Montserrat"/>
-              <a:buNone/>
-              <a:defRPr sz="2400" b="1" i="0" u="none" strike="noStrike" cap="none">
-                <a:solidFill>
-                  <a:schemeClr val="dk1"/>
-                </a:solidFill>
-                <a:latin typeface="Montserrat"/>
-                <a:ea typeface="Montserrat"/>
-                <a:cs typeface="Montserrat"/>
-                <a:sym typeface="Montserrat"/>
-              </a:defRPr>
-            </a:lvl4pPr>
-            <a:lvl5pPr marR="0" lvl="4" algn="ctr" rtl="0">
-              <a:lnSpc>
-                <a:spcPct val="100000"/>
-              </a:lnSpc>
-              <a:spcBef>
-                <a:spcPts val="0"/>
-              </a:spcBef>
-              <a:spcAft>
-                <a:spcPts val="0"/>
-              </a:spcAft>
-              <a:buClr>
-                <a:schemeClr val="dk1"/>
-              </a:buClr>
-              <a:buSzPts val="2400"/>
-              <a:buFont typeface="Montserrat"/>
-              <a:buNone/>
-              <a:defRPr sz="2400" b="1" i="0" u="none" strike="noStrike" cap="none">
-                <a:solidFill>
-                  <a:schemeClr val="dk1"/>
-                </a:solidFill>
-                <a:latin typeface="Montserrat"/>
-                <a:ea typeface="Montserrat"/>
-                <a:cs typeface="Montserrat"/>
-                <a:sym typeface="Montserrat"/>
-              </a:defRPr>
-            </a:lvl5pPr>
-            <a:lvl6pPr marR="0" lvl="5" algn="ctr" rtl="0">
-              <a:lnSpc>
-                <a:spcPct val="100000"/>
-              </a:lnSpc>
-              <a:spcBef>
-                <a:spcPts val="0"/>
-              </a:spcBef>
-              <a:spcAft>
-                <a:spcPts val="0"/>
-              </a:spcAft>
-              <a:buClr>
-                <a:schemeClr val="dk1"/>
-              </a:buClr>
-              <a:buSzPts val="2400"/>
-              <a:buFont typeface="Montserrat"/>
-              <a:buNone/>
-              <a:defRPr sz="2400" b="1" i="0" u="none" strike="noStrike" cap="none">
-                <a:solidFill>
-                  <a:schemeClr val="dk1"/>
-                </a:solidFill>
-                <a:latin typeface="Montserrat"/>
-                <a:ea typeface="Montserrat"/>
-                <a:cs typeface="Montserrat"/>
-                <a:sym typeface="Montserrat"/>
-              </a:defRPr>
-            </a:lvl6pPr>
-            <a:lvl7pPr marR="0" lvl="6" algn="ctr" rtl="0">
-              <a:lnSpc>
-                <a:spcPct val="100000"/>
-              </a:lnSpc>
-              <a:spcBef>
-                <a:spcPts val="0"/>
-              </a:spcBef>
-              <a:spcAft>
-                <a:spcPts val="0"/>
-              </a:spcAft>
-              <a:buClr>
-                <a:schemeClr val="dk1"/>
-              </a:buClr>
-              <a:buSzPts val="2400"/>
-              <a:buFont typeface="Montserrat"/>
-              <a:buNone/>
-              <a:defRPr sz="2400" b="1" i="0" u="none" strike="noStrike" cap="none">
-                <a:solidFill>
-                  <a:schemeClr val="dk1"/>
-                </a:solidFill>
-                <a:latin typeface="Montserrat"/>
-                <a:ea typeface="Montserrat"/>
-                <a:cs typeface="Montserrat"/>
-                <a:sym typeface="Montserrat"/>
-              </a:defRPr>
-            </a:lvl7pPr>
-            <a:lvl8pPr marR="0" lvl="7" algn="ctr" rtl="0">
-              <a:lnSpc>
-                <a:spcPct val="100000"/>
-              </a:lnSpc>
-              <a:spcBef>
-                <a:spcPts val="0"/>
-              </a:spcBef>
-              <a:spcAft>
-                <a:spcPts val="0"/>
-              </a:spcAft>
-              <a:buClr>
-                <a:schemeClr val="dk1"/>
-              </a:buClr>
-              <a:buSzPts val="2400"/>
-              <a:buFont typeface="Montserrat"/>
-              <a:buNone/>
-              <a:defRPr sz="2400" b="1" i="0" u="none" strike="noStrike" cap="none">
-                <a:solidFill>
-                  <a:schemeClr val="dk1"/>
-                </a:solidFill>
-                <a:latin typeface="Montserrat"/>
-                <a:ea typeface="Montserrat"/>
-                <a:cs typeface="Montserrat"/>
-                <a:sym typeface="Montserrat"/>
-              </a:defRPr>
-            </a:lvl8pPr>
-            <a:lvl9pPr marR="0" lvl="8" algn="ctr" rtl="0">
-              <a:lnSpc>
-                <a:spcPct val="100000"/>
-              </a:lnSpc>
-              <a:spcBef>
-                <a:spcPts val="0"/>
-              </a:spcBef>
-              <a:spcAft>
-                <a:spcPts val="0"/>
-              </a:spcAft>
-              <a:buClr>
-                <a:schemeClr val="dk1"/>
-              </a:buClr>
-              <a:buSzPts val="2400"/>
-              <a:buFont typeface="Montserrat"/>
-              <a:buNone/>
-              <a:defRPr sz="2400" b="1" i="0" u="none" strike="noStrike" cap="none">
-                <a:solidFill>
-                  <a:schemeClr val="dk1"/>
-                </a:solidFill>
-                <a:latin typeface="Montserrat"/>
-                <a:ea typeface="Montserrat"/>
-                <a:cs typeface="Montserrat"/>
-                <a:sym typeface="Montserrat"/>
-              </a:defRPr>
-            </a:lvl9pPr>
-          </a:lstStyle>
-          <a:p>
-            <a:r>
-              <a:rPr lang="en-US" dirty="0">
-                <a:latin typeface="+mj-lt"/>
-              </a:rPr>
-              <a:t>ER diagramma</a:t>
-            </a:r>
-            <a:endParaRPr lang="lv-LV" dirty="0">
-              <a:latin typeface="+mj-lt"/>
-            </a:endParaRPr>
-          </a:p>
-        </p:txBody>
-      </p:sp>
-      <p:sp>
-        <p:nvSpPr>
-          <p:cNvPr id="36" name="Google Shape;282;p28">
-            <a:extLst>
-              <a:ext uri="{FF2B5EF4-FFF2-40B4-BE49-F238E27FC236}">
-                <a16:creationId xmlns:a16="http://schemas.microsoft.com/office/drawing/2014/main" id="{16A87A30-74EA-4DBE-949B-F33A8DBB837D}"/>
-              </a:ext>
-            </a:extLst>
-          </p:cNvPr>
-          <p:cNvSpPr txBox="1">
-            <a:spLocks/>
-          </p:cNvSpPr>
-          <p:nvPr/>
-        </p:nvSpPr>
-        <p:spPr>
-          <a:xfrm>
-            <a:off x="1855762" y="2906312"/>
-            <a:ext cx="830100" cy="447600"/>
-          </a:xfrm>
-          <a:prstGeom prst="rect">
-            <a:avLst/>
-          </a:prstGeom>
-          <a:noFill/>
-          <a:ln>
-            <a:noFill/>
-          </a:ln>
-        </p:spPr>
-        <p:txBody>
-          <a:bodyPr spcFirstLastPara="1" wrap="square" lIns="91425" tIns="91425" rIns="91425" bIns="91425" anchor="ctr" anchorCtr="0">
-            <a:noAutofit/>
-          </a:bodyPr>
-          <a:lstStyle>
-            <a:defPPr marR="0" lvl="0" algn="l" rtl="0">
-              <a:lnSpc>
-                <a:spcPct val="100000"/>
-              </a:lnSpc>
-              <a:spcBef>
-                <a:spcPts val="0"/>
-              </a:spcBef>
-              <a:spcAft>
-                <a:spcPts val="0"/>
-              </a:spcAft>
-            </a:defPPr>
-            <a:lvl1pPr marR="0" lvl="0" algn="r" rtl="0">
-              <a:lnSpc>
-                <a:spcPct val="100000"/>
-              </a:lnSpc>
-              <a:spcBef>
-                <a:spcPts val="0"/>
-              </a:spcBef>
-              <a:spcAft>
-                <a:spcPts val="0"/>
-              </a:spcAft>
-              <a:buClr>
-                <a:schemeClr val="dk1"/>
-              </a:buClr>
-              <a:buSzPts val="3000"/>
-              <a:buFont typeface="Montserrat"/>
-              <a:buNone/>
-              <a:defRPr sz="2700" b="1" i="0" u="none" strike="noStrike" cap="none">
-                <a:solidFill>
-                  <a:schemeClr val="dk1"/>
-                </a:solidFill>
-                <a:latin typeface="Montserrat"/>
-                <a:ea typeface="Montserrat"/>
-                <a:cs typeface="Montserrat"/>
-                <a:sym typeface="Montserrat"/>
-              </a:defRPr>
-            </a:lvl1pPr>
-            <a:lvl2pPr marR="0" lvl="1" algn="l" rtl="0">
-              <a:lnSpc>
-                <a:spcPct val="100000"/>
-              </a:lnSpc>
-              <a:spcBef>
-                <a:spcPts val="0"/>
-              </a:spcBef>
-              <a:spcAft>
-                <a:spcPts val="0"/>
-              </a:spcAft>
-              <a:buClr>
-                <a:schemeClr val="dk1"/>
-              </a:buClr>
-              <a:buSzPts val="3000"/>
-              <a:buFont typeface="Montserrat"/>
-              <a:buNone/>
-              <a:defRPr sz="3000" b="1" i="0" u="none" strike="noStrike" cap="none">
-                <a:solidFill>
-                  <a:schemeClr val="dk1"/>
-                </a:solidFill>
-                <a:latin typeface="Montserrat"/>
-                <a:ea typeface="Montserrat"/>
-                <a:cs typeface="Montserrat"/>
-                <a:sym typeface="Montserrat"/>
-              </a:defRPr>
-            </a:lvl2pPr>
-            <a:lvl3pPr marR="0" lvl="2" algn="l" rtl="0">
-              <a:lnSpc>
-                <a:spcPct val="100000"/>
-              </a:lnSpc>
-              <a:spcBef>
-                <a:spcPts val="0"/>
-              </a:spcBef>
-              <a:spcAft>
-                <a:spcPts val="0"/>
-              </a:spcAft>
-              <a:buClr>
-                <a:schemeClr val="dk1"/>
-              </a:buClr>
-              <a:buSzPts val="3000"/>
-              <a:buFont typeface="Montserrat"/>
-              <a:buNone/>
-              <a:defRPr sz="3000" b="1" i="0" u="none" strike="noStrike" cap="none">
-                <a:solidFill>
-                  <a:schemeClr val="dk1"/>
-                </a:solidFill>
-                <a:latin typeface="Montserrat"/>
-                <a:ea typeface="Montserrat"/>
-                <a:cs typeface="Montserrat"/>
-                <a:sym typeface="Montserrat"/>
-              </a:defRPr>
-            </a:lvl3pPr>
-            <a:lvl4pPr marR="0" lvl="3" algn="l" rtl="0">
-              <a:lnSpc>
-                <a:spcPct val="100000"/>
-              </a:lnSpc>
-              <a:spcBef>
-                <a:spcPts val="0"/>
-              </a:spcBef>
-              <a:spcAft>
-                <a:spcPts val="0"/>
-              </a:spcAft>
-              <a:buClr>
-                <a:schemeClr val="dk1"/>
-              </a:buClr>
-              <a:buSzPts val="3000"/>
-              <a:buFont typeface="Montserrat"/>
-              <a:buNone/>
-              <a:defRPr sz="3000" b="1" i="0" u="none" strike="noStrike" cap="none">
-                <a:solidFill>
-                  <a:schemeClr val="dk1"/>
-                </a:solidFill>
-                <a:latin typeface="Montserrat"/>
-                <a:ea typeface="Montserrat"/>
-                <a:cs typeface="Montserrat"/>
-                <a:sym typeface="Montserrat"/>
-              </a:defRPr>
-            </a:lvl4pPr>
-            <a:lvl5pPr marR="0" lvl="4" algn="l" rtl="0">
-              <a:lnSpc>
-                <a:spcPct val="100000"/>
-              </a:lnSpc>
-              <a:spcBef>
-                <a:spcPts val="0"/>
-              </a:spcBef>
-              <a:spcAft>
-                <a:spcPts val="0"/>
-              </a:spcAft>
-              <a:buClr>
-                <a:schemeClr val="dk1"/>
-              </a:buClr>
-              <a:buSzPts val="3000"/>
-              <a:buFont typeface="Montserrat"/>
-              <a:buNone/>
-              <a:defRPr sz="3000" b="1" i="0" u="none" strike="noStrike" cap="none">
-                <a:solidFill>
-                  <a:schemeClr val="dk1"/>
-                </a:solidFill>
-                <a:latin typeface="Montserrat"/>
-                <a:ea typeface="Montserrat"/>
-                <a:cs typeface="Montserrat"/>
-                <a:sym typeface="Montserrat"/>
-              </a:defRPr>
-            </a:lvl5pPr>
-            <a:lvl6pPr marR="0" lvl="5" algn="l" rtl="0">
-              <a:lnSpc>
-                <a:spcPct val="100000"/>
-              </a:lnSpc>
-              <a:spcBef>
-                <a:spcPts val="0"/>
-              </a:spcBef>
-              <a:spcAft>
-                <a:spcPts val="0"/>
-              </a:spcAft>
-              <a:buClr>
-                <a:schemeClr val="dk1"/>
-              </a:buClr>
-              <a:buSzPts val="3000"/>
-              <a:buFont typeface="Montserrat"/>
-              <a:buNone/>
-              <a:defRPr sz="3000" b="1" i="0" u="none" strike="noStrike" cap="none">
-                <a:solidFill>
-                  <a:schemeClr val="dk1"/>
-                </a:solidFill>
-                <a:latin typeface="Montserrat"/>
-                <a:ea typeface="Montserrat"/>
-                <a:cs typeface="Montserrat"/>
-                <a:sym typeface="Montserrat"/>
-              </a:defRPr>
-            </a:lvl6pPr>
-            <a:lvl7pPr marR="0" lvl="6" algn="l" rtl="0">
-              <a:lnSpc>
-                <a:spcPct val="100000"/>
-              </a:lnSpc>
-              <a:spcBef>
-                <a:spcPts val="0"/>
-              </a:spcBef>
-              <a:spcAft>
-                <a:spcPts val="0"/>
-              </a:spcAft>
-              <a:buClr>
-                <a:schemeClr val="dk1"/>
-              </a:buClr>
-              <a:buSzPts val="3000"/>
-              <a:buFont typeface="Montserrat"/>
-              <a:buNone/>
-              <a:defRPr sz="3000" b="1" i="0" u="none" strike="noStrike" cap="none">
-                <a:solidFill>
-                  <a:schemeClr val="dk1"/>
-                </a:solidFill>
-                <a:latin typeface="Montserrat"/>
-                <a:ea typeface="Montserrat"/>
-                <a:cs typeface="Montserrat"/>
-                <a:sym typeface="Montserrat"/>
-              </a:defRPr>
-            </a:lvl7pPr>
-            <a:lvl8pPr marR="0" lvl="7" algn="l" rtl="0">
-              <a:lnSpc>
-                <a:spcPct val="100000"/>
-              </a:lnSpc>
-              <a:spcBef>
-                <a:spcPts val="0"/>
-              </a:spcBef>
-              <a:spcAft>
-                <a:spcPts val="0"/>
-              </a:spcAft>
-              <a:buClr>
-                <a:schemeClr val="dk1"/>
-              </a:buClr>
-              <a:buSzPts val="3000"/>
-              <a:buFont typeface="Montserrat"/>
-              <a:buNone/>
-              <a:defRPr sz="3000" b="1" i="0" u="none" strike="noStrike" cap="none">
-                <a:solidFill>
-                  <a:schemeClr val="dk1"/>
-                </a:solidFill>
-                <a:latin typeface="Montserrat"/>
-                <a:ea typeface="Montserrat"/>
-                <a:cs typeface="Montserrat"/>
-                <a:sym typeface="Montserrat"/>
-              </a:defRPr>
-            </a:lvl8pPr>
-            <a:lvl9pPr marR="0" lvl="8" algn="l" rtl="0">
-              <a:lnSpc>
-                <a:spcPct val="100000"/>
-              </a:lnSpc>
-              <a:spcBef>
-                <a:spcPts val="0"/>
-              </a:spcBef>
-              <a:spcAft>
-                <a:spcPts val="0"/>
-              </a:spcAft>
-              <a:buClr>
-                <a:schemeClr val="dk1"/>
-              </a:buClr>
-              <a:buSzPts val="3000"/>
-              <a:buFont typeface="Montserrat"/>
-              <a:buNone/>
-              <a:defRPr sz="3000" b="1" i="0" u="none" strike="noStrike" cap="none">
-                <a:solidFill>
-                  <a:schemeClr val="dk1"/>
-                </a:solidFill>
-                <a:latin typeface="Montserrat"/>
-                <a:ea typeface="Montserrat"/>
-                <a:cs typeface="Montserrat"/>
-                <a:sym typeface="Montserrat"/>
-              </a:defRPr>
-            </a:lvl9pPr>
-          </a:lstStyle>
-          <a:p>
-            <a:r>
-              <a:rPr lang="en" dirty="0">
-                <a:latin typeface="+mj-lt"/>
-              </a:rPr>
-              <a:t>4</a:t>
-            </a:r>
-          </a:p>
-        </p:txBody>
-      </p:sp>
-      <p:sp>
-        <p:nvSpPr>
-          <p:cNvPr id="37" name="Google Shape;280;p28">
-            <a:extLst>
-              <a:ext uri="{FF2B5EF4-FFF2-40B4-BE49-F238E27FC236}">
-                <a16:creationId xmlns:a16="http://schemas.microsoft.com/office/drawing/2014/main" id="{33A03F9A-1850-4515-AE09-BFD376F92F6C}"/>
-              </a:ext>
-            </a:extLst>
-          </p:cNvPr>
-          <p:cNvSpPr txBox="1">
-            <a:spLocks/>
-          </p:cNvSpPr>
-          <p:nvPr/>
-        </p:nvSpPr>
-        <p:spPr>
-          <a:xfrm>
-            <a:off x="2885745" y="3354208"/>
-            <a:ext cx="3844237" cy="527700"/>
-          </a:xfrm>
-          <a:prstGeom prst="rect">
-            <a:avLst/>
-          </a:prstGeom>
-          <a:noFill/>
-          <a:ln>
-            <a:noFill/>
-          </a:ln>
-        </p:spPr>
-        <p:txBody>
-          <a:bodyPr spcFirstLastPara="1" wrap="square" lIns="91425" tIns="91425" rIns="91425" bIns="91425" anchor="b" anchorCtr="0">
-            <a:noAutofit/>
-          </a:bodyPr>
-          <a:lstStyle>
-            <a:defPPr marR="0" lvl="0" algn="l" rtl="0">
-              <a:lnSpc>
-                <a:spcPct val="100000"/>
-              </a:lnSpc>
-              <a:spcBef>
-                <a:spcPts val="0"/>
-              </a:spcBef>
-              <a:spcAft>
-                <a:spcPts val="0"/>
-              </a:spcAft>
-            </a:defPPr>
-            <a:lvl1pPr marR="0" lvl="0" algn="l" rtl="0">
-              <a:lnSpc>
-                <a:spcPct val="100000"/>
-              </a:lnSpc>
-              <a:spcBef>
-                <a:spcPts val="0"/>
-              </a:spcBef>
-              <a:spcAft>
-                <a:spcPts val="0"/>
-              </a:spcAft>
-              <a:buClr>
-                <a:schemeClr val="dk1"/>
-              </a:buClr>
-              <a:buSzPts val="2400"/>
-              <a:buFont typeface="Montserrat"/>
-              <a:buNone/>
-              <a:defRPr sz="1900" b="1" i="0" u="none" strike="noStrike" cap="none">
-                <a:solidFill>
-                  <a:schemeClr val="dk1"/>
-                </a:solidFill>
-                <a:latin typeface="Montserrat"/>
-                <a:ea typeface="Montserrat"/>
-                <a:cs typeface="Montserrat"/>
-                <a:sym typeface="Montserrat"/>
-              </a:defRPr>
-            </a:lvl1pPr>
-            <a:lvl2pPr marR="0" lvl="1" algn="ctr" rtl="0">
-              <a:lnSpc>
-                <a:spcPct val="100000"/>
-              </a:lnSpc>
-              <a:spcBef>
-                <a:spcPts val="0"/>
-              </a:spcBef>
-              <a:spcAft>
-                <a:spcPts val="0"/>
-              </a:spcAft>
-              <a:buClr>
-                <a:schemeClr val="dk1"/>
-              </a:buClr>
-              <a:buSzPts val="2400"/>
-              <a:buFont typeface="Montserrat"/>
-              <a:buNone/>
-              <a:defRPr sz="2400" b="1" i="0" u="none" strike="noStrike" cap="none">
-                <a:solidFill>
-                  <a:schemeClr val="dk1"/>
-                </a:solidFill>
-                <a:latin typeface="Montserrat"/>
-                <a:ea typeface="Montserrat"/>
-                <a:cs typeface="Montserrat"/>
-                <a:sym typeface="Montserrat"/>
-              </a:defRPr>
-            </a:lvl2pPr>
-            <a:lvl3pPr marR="0" lvl="2" algn="ctr" rtl="0">
-              <a:lnSpc>
-                <a:spcPct val="100000"/>
-              </a:lnSpc>
-              <a:spcBef>
-                <a:spcPts val="0"/>
-              </a:spcBef>
-              <a:spcAft>
-                <a:spcPts val="0"/>
-              </a:spcAft>
-              <a:buClr>
-                <a:schemeClr val="dk1"/>
-              </a:buClr>
-              <a:buSzPts val="2400"/>
-              <a:buFont typeface="Montserrat"/>
-              <a:buNone/>
-              <a:defRPr sz="2400" b="1" i="0" u="none" strike="noStrike" cap="none">
-                <a:solidFill>
-                  <a:schemeClr val="dk1"/>
-                </a:solidFill>
-                <a:latin typeface="Montserrat"/>
-                <a:ea typeface="Montserrat"/>
-                <a:cs typeface="Montserrat"/>
-                <a:sym typeface="Montserrat"/>
-              </a:defRPr>
-            </a:lvl3pPr>
-            <a:lvl4pPr marR="0" lvl="3" algn="ctr" rtl="0">
-              <a:lnSpc>
-                <a:spcPct val="100000"/>
-              </a:lnSpc>
-              <a:spcBef>
-                <a:spcPts val="0"/>
-              </a:spcBef>
-              <a:spcAft>
-                <a:spcPts val="0"/>
-              </a:spcAft>
-              <a:buClr>
-                <a:schemeClr val="dk1"/>
-              </a:buClr>
-              <a:buSzPts val="2400"/>
-              <a:buFont typeface="Montserrat"/>
-              <a:buNone/>
-              <a:defRPr sz="2400" b="1" i="0" u="none" strike="noStrike" cap="none">
-                <a:solidFill>
-                  <a:schemeClr val="dk1"/>
-                </a:solidFill>
-                <a:latin typeface="Montserrat"/>
-                <a:ea typeface="Montserrat"/>
-                <a:cs typeface="Montserrat"/>
-                <a:sym typeface="Montserrat"/>
-              </a:defRPr>
-            </a:lvl4pPr>
-            <a:lvl5pPr marR="0" lvl="4" algn="ctr" rtl="0">
-              <a:lnSpc>
-                <a:spcPct val="100000"/>
-              </a:lnSpc>
-              <a:spcBef>
-                <a:spcPts val="0"/>
-              </a:spcBef>
-              <a:spcAft>
-                <a:spcPts val="0"/>
-              </a:spcAft>
-              <a:buClr>
-                <a:schemeClr val="dk1"/>
-              </a:buClr>
-              <a:buSzPts val="2400"/>
-              <a:buFont typeface="Montserrat"/>
-              <a:buNone/>
-              <a:defRPr sz="2400" b="1" i="0" u="none" strike="noStrike" cap="none">
-                <a:solidFill>
-                  <a:schemeClr val="dk1"/>
-                </a:solidFill>
-                <a:latin typeface="Montserrat"/>
-                <a:ea typeface="Montserrat"/>
-                <a:cs typeface="Montserrat"/>
-                <a:sym typeface="Montserrat"/>
-              </a:defRPr>
-            </a:lvl5pPr>
-            <a:lvl6pPr marR="0" lvl="5" algn="ctr" rtl="0">
-              <a:lnSpc>
-                <a:spcPct val="100000"/>
-              </a:lnSpc>
-              <a:spcBef>
-                <a:spcPts val="0"/>
-              </a:spcBef>
-              <a:spcAft>
-                <a:spcPts val="0"/>
-              </a:spcAft>
-              <a:buClr>
-                <a:schemeClr val="dk1"/>
-              </a:buClr>
-              <a:buSzPts val="2400"/>
-              <a:buFont typeface="Montserrat"/>
-              <a:buNone/>
-              <a:defRPr sz="2400" b="1" i="0" u="none" strike="noStrike" cap="none">
-                <a:solidFill>
-                  <a:schemeClr val="dk1"/>
-                </a:solidFill>
-                <a:latin typeface="Montserrat"/>
-                <a:ea typeface="Montserrat"/>
-                <a:cs typeface="Montserrat"/>
-                <a:sym typeface="Montserrat"/>
-              </a:defRPr>
-            </a:lvl6pPr>
-            <a:lvl7pPr marR="0" lvl="6" algn="ctr" rtl="0">
-              <a:lnSpc>
-                <a:spcPct val="100000"/>
-              </a:lnSpc>
-              <a:spcBef>
-                <a:spcPts val="0"/>
-              </a:spcBef>
-              <a:spcAft>
-                <a:spcPts val="0"/>
-              </a:spcAft>
-              <a:buClr>
-                <a:schemeClr val="dk1"/>
-              </a:buClr>
-              <a:buSzPts val="2400"/>
-              <a:buFont typeface="Montserrat"/>
-              <a:buNone/>
-              <a:defRPr sz="2400" b="1" i="0" u="none" strike="noStrike" cap="none">
-                <a:solidFill>
-                  <a:schemeClr val="dk1"/>
-                </a:solidFill>
-                <a:latin typeface="Montserrat"/>
-                <a:ea typeface="Montserrat"/>
-                <a:cs typeface="Montserrat"/>
-                <a:sym typeface="Montserrat"/>
-              </a:defRPr>
-            </a:lvl7pPr>
-            <a:lvl8pPr marR="0" lvl="7" algn="ctr" rtl="0">
-              <a:lnSpc>
-                <a:spcPct val="100000"/>
-              </a:lnSpc>
-              <a:spcBef>
-                <a:spcPts val="0"/>
-              </a:spcBef>
-              <a:spcAft>
-                <a:spcPts val="0"/>
-              </a:spcAft>
-              <a:buClr>
-                <a:schemeClr val="dk1"/>
-              </a:buClr>
-              <a:buSzPts val="2400"/>
-              <a:buFont typeface="Montserrat"/>
-              <a:buNone/>
-              <a:defRPr sz="2400" b="1" i="0" u="none" strike="noStrike" cap="none">
-                <a:solidFill>
-                  <a:schemeClr val="dk1"/>
-                </a:solidFill>
-                <a:latin typeface="Montserrat"/>
-                <a:ea typeface="Montserrat"/>
-                <a:cs typeface="Montserrat"/>
-                <a:sym typeface="Montserrat"/>
-              </a:defRPr>
-            </a:lvl8pPr>
-            <a:lvl9pPr marR="0" lvl="8" algn="ctr" rtl="0">
-              <a:lnSpc>
-                <a:spcPct val="100000"/>
-              </a:lnSpc>
-              <a:spcBef>
-                <a:spcPts val="0"/>
-              </a:spcBef>
-              <a:spcAft>
-                <a:spcPts val="0"/>
-              </a:spcAft>
-              <a:buClr>
-                <a:schemeClr val="dk1"/>
-              </a:buClr>
-              <a:buSzPts val="2400"/>
-              <a:buFont typeface="Montserrat"/>
-              <a:buNone/>
-              <a:defRPr sz="2400" b="1" i="0" u="none" strike="noStrike" cap="none">
-                <a:solidFill>
-                  <a:schemeClr val="dk1"/>
-                </a:solidFill>
-                <a:latin typeface="Montserrat"/>
-                <a:ea typeface="Montserrat"/>
-                <a:cs typeface="Montserrat"/>
-                <a:sym typeface="Montserrat"/>
-              </a:defRPr>
-            </a:lvl9pPr>
-          </a:lstStyle>
-          <a:p>
-            <a:r>
-              <a:rPr lang="en-US" dirty="0" err="1">
-                <a:latin typeface="+mj-lt"/>
-              </a:rPr>
-              <a:t>Datu</a:t>
-            </a:r>
-            <a:r>
-              <a:rPr lang="en-US" dirty="0">
-                <a:latin typeface="+mj-lt"/>
-              </a:rPr>
-              <a:t> </a:t>
-            </a:r>
-            <a:r>
-              <a:rPr lang="en-US" dirty="0" err="1">
-                <a:latin typeface="+mj-lt"/>
-              </a:rPr>
-              <a:t>plūsmas</a:t>
-            </a:r>
-            <a:r>
-              <a:rPr lang="en-US" dirty="0">
-                <a:latin typeface="+mj-lt"/>
-              </a:rPr>
-              <a:t> diagramma</a:t>
-            </a:r>
-            <a:endParaRPr lang="lv-LV" dirty="0">
-              <a:latin typeface="+mj-lt"/>
-            </a:endParaRPr>
-          </a:p>
-        </p:txBody>
-      </p:sp>
-      <p:sp>
-        <p:nvSpPr>
-          <p:cNvPr id="38" name="Google Shape;282;p28">
-            <a:extLst>
-              <a:ext uri="{FF2B5EF4-FFF2-40B4-BE49-F238E27FC236}">
-                <a16:creationId xmlns:a16="http://schemas.microsoft.com/office/drawing/2014/main" id="{A429594D-DBB3-48B0-870F-CA235C25FE7F}"/>
-              </a:ext>
-            </a:extLst>
-          </p:cNvPr>
-          <p:cNvSpPr txBox="1">
-            <a:spLocks/>
-          </p:cNvSpPr>
-          <p:nvPr/>
-        </p:nvSpPr>
-        <p:spPr>
-          <a:xfrm>
-            <a:off x="1855762" y="3394258"/>
-            <a:ext cx="830100" cy="447600"/>
-          </a:xfrm>
-          <a:prstGeom prst="rect">
-            <a:avLst/>
-          </a:prstGeom>
-          <a:noFill/>
-          <a:ln>
-            <a:noFill/>
-          </a:ln>
-        </p:spPr>
-        <p:txBody>
-          <a:bodyPr spcFirstLastPara="1" wrap="square" lIns="91425" tIns="91425" rIns="91425" bIns="91425" anchor="ctr" anchorCtr="0">
-            <a:noAutofit/>
-          </a:bodyPr>
-          <a:lstStyle>
-            <a:defPPr marR="0" lvl="0" algn="l" rtl="0">
-              <a:lnSpc>
-                <a:spcPct val="100000"/>
-              </a:lnSpc>
-              <a:spcBef>
-                <a:spcPts val="0"/>
-              </a:spcBef>
-              <a:spcAft>
-                <a:spcPts val="0"/>
-              </a:spcAft>
-            </a:defPPr>
-            <a:lvl1pPr marR="0" lvl="0" algn="r" rtl="0">
-              <a:lnSpc>
-                <a:spcPct val="100000"/>
-              </a:lnSpc>
-              <a:spcBef>
-                <a:spcPts val="0"/>
-              </a:spcBef>
-              <a:spcAft>
-                <a:spcPts val="0"/>
-              </a:spcAft>
-              <a:buClr>
-                <a:schemeClr val="dk1"/>
-              </a:buClr>
-              <a:buSzPts val="3000"/>
-              <a:buFont typeface="Montserrat"/>
-              <a:buNone/>
-              <a:defRPr sz="2700" b="1" i="0" u="none" strike="noStrike" cap="none">
-                <a:solidFill>
-                  <a:schemeClr val="dk1"/>
-                </a:solidFill>
-                <a:latin typeface="Montserrat"/>
-                <a:ea typeface="Montserrat"/>
-                <a:cs typeface="Montserrat"/>
-                <a:sym typeface="Montserrat"/>
-              </a:defRPr>
-            </a:lvl1pPr>
-            <a:lvl2pPr marR="0" lvl="1" algn="l" rtl="0">
-              <a:lnSpc>
-                <a:spcPct val="100000"/>
-              </a:lnSpc>
-              <a:spcBef>
-                <a:spcPts val="0"/>
-              </a:spcBef>
-              <a:spcAft>
-                <a:spcPts val="0"/>
-              </a:spcAft>
-              <a:buClr>
-                <a:schemeClr val="dk1"/>
-              </a:buClr>
-              <a:buSzPts val="3000"/>
-              <a:buFont typeface="Montserrat"/>
-              <a:buNone/>
-              <a:defRPr sz="3000" b="1" i="0" u="none" strike="noStrike" cap="none">
-                <a:solidFill>
-                  <a:schemeClr val="dk1"/>
-                </a:solidFill>
-                <a:latin typeface="Montserrat"/>
-                <a:ea typeface="Montserrat"/>
-                <a:cs typeface="Montserrat"/>
-                <a:sym typeface="Montserrat"/>
-              </a:defRPr>
-            </a:lvl2pPr>
-            <a:lvl3pPr marR="0" lvl="2" algn="l" rtl="0">
-              <a:lnSpc>
-                <a:spcPct val="100000"/>
-              </a:lnSpc>
-              <a:spcBef>
-                <a:spcPts val="0"/>
-              </a:spcBef>
-              <a:spcAft>
-                <a:spcPts val="0"/>
-              </a:spcAft>
-              <a:buClr>
-                <a:schemeClr val="dk1"/>
-              </a:buClr>
-              <a:buSzPts val="3000"/>
-              <a:buFont typeface="Montserrat"/>
-              <a:buNone/>
-              <a:defRPr sz="3000" b="1" i="0" u="none" strike="noStrike" cap="none">
-                <a:solidFill>
-                  <a:schemeClr val="dk1"/>
-                </a:solidFill>
-                <a:latin typeface="Montserrat"/>
-                <a:ea typeface="Montserrat"/>
-                <a:cs typeface="Montserrat"/>
-                <a:sym typeface="Montserrat"/>
-              </a:defRPr>
-            </a:lvl3pPr>
-            <a:lvl4pPr marR="0" lvl="3" algn="l" rtl="0">
-              <a:lnSpc>
-                <a:spcPct val="100000"/>
-              </a:lnSpc>
-              <a:spcBef>
-                <a:spcPts val="0"/>
-              </a:spcBef>
-              <a:spcAft>
-                <a:spcPts val="0"/>
-              </a:spcAft>
-              <a:buClr>
-                <a:schemeClr val="dk1"/>
-              </a:buClr>
-              <a:buSzPts val="3000"/>
-              <a:buFont typeface="Montserrat"/>
-              <a:buNone/>
-              <a:defRPr sz="3000" b="1" i="0" u="none" strike="noStrike" cap="none">
-                <a:solidFill>
-                  <a:schemeClr val="dk1"/>
-                </a:solidFill>
-                <a:latin typeface="Montserrat"/>
-                <a:ea typeface="Montserrat"/>
-                <a:cs typeface="Montserrat"/>
-                <a:sym typeface="Montserrat"/>
-              </a:defRPr>
-            </a:lvl4pPr>
-            <a:lvl5pPr marR="0" lvl="4" algn="l" rtl="0">
-              <a:lnSpc>
-                <a:spcPct val="100000"/>
-              </a:lnSpc>
-              <a:spcBef>
-                <a:spcPts val="0"/>
-              </a:spcBef>
-              <a:spcAft>
-                <a:spcPts val="0"/>
-              </a:spcAft>
-              <a:buClr>
-                <a:schemeClr val="dk1"/>
-              </a:buClr>
-              <a:buSzPts val="3000"/>
-              <a:buFont typeface="Montserrat"/>
-              <a:buNone/>
-              <a:defRPr sz="3000" b="1" i="0" u="none" strike="noStrike" cap="none">
-                <a:solidFill>
-                  <a:schemeClr val="dk1"/>
-                </a:solidFill>
-                <a:latin typeface="Montserrat"/>
-                <a:ea typeface="Montserrat"/>
-                <a:cs typeface="Montserrat"/>
-                <a:sym typeface="Montserrat"/>
-              </a:defRPr>
-            </a:lvl5pPr>
-            <a:lvl6pPr marR="0" lvl="5" algn="l" rtl="0">
-              <a:lnSpc>
-                <a:spcPct val="100000"/>
-              </a:lnSpc>
-              <a:spcBef>
-                <a:spcPts val="0"/>
-              </a:spcBef>
-              <a:spcAft>
-                <a:spcPts val="0"/>
-              </a:spcAft>
-              <a:buClr>
-                <a:schemeClr val="dk1"/>
-              </a:buClr>
-              <a:buSzPts val="3000"/>
-              <a:buFont typeface="Montserrat"/>
-              <a:buNone/>
-              <a:defRPr sz="3000" b="1" i="0" u="none" strike="noStrike" cap="none">
-                <a:solidFill>
-                  <a:schemeClr val="dk1"/>
-                </a:solidFill>
-                <a:latin typeface="Montserrat"/>
-                <a:ea typeface="Montserrat"/>
-                <a:cs typeface="Montserrat"/>
-                <a:sym typeface="Montserrat"/>
-              </a:defRPr>
-            </a:lvl6pPr>
-            <a:lvl7pPr marR="0" lvl="6" algn="l" rtl="0">
-              <a:lnSpc>
-                <a:spcPct val="100000"/>
-              </a:lnSpc>
-              <a:spcBef>
-                <a:spcPts val="0"/>
-              </a:spcBef>
-              <a:spcAft>
-                <a:spcPts val="0"/>
-              </a:spcAft>
-              <a:buClr>
-                <a:schemeClr val="dk1"/>
-              </a:buClr>
-              <a:buSzPts val="3000"/>
-              <a:buFont typeface="Montserrat"/>
-              <a:buNone/>
-              <a:defRPr sz="3000" b="1" i="0" u="none" strike="noStrike" cap="none">
-                <a:solidFill>
-                  <a:schemeClr val="dk1"/>
-                </a:solidFill>
-                <a:latin typeface="Montserrat"/>
-                <a:ea typeface="Montserrat"/>
-                <a:cs typeface="Montserrat"/>
-                <a:sym typeface="Montserrat"/>
-              </a:defRPr>
-            </a:lvl7pPr>
-            <a:lvl8pPr marR="0" lvl="7" algn="l" rtl="0">
-              <a:lnSpc>
-                <a:spcPct val="100000"/>
-              </a:lnSpc>
-              <a:spcBef>
-                <a:spcPts val="0"/>
-              </a:spcBef>
-              <a:spcAft>
-                <a:spcPts val="0"/>
-              </a:spcAft>
-              <a:buClr>
-                <a:schemeClr val="dk1"/>
-              </a:buClr>
-              <a:buSzPts val="3000"/>
-              <a:buFont typeface="Montserrat"/>
-              <a:buNone/>
-              <a:defRPr sz="3000" b="1" i="0" u="none" strike="noStrike" cap="none">
-                <a:solidFill>
-                  <a:schemeClr val="dk1"/>
-                </a:solidFill>
-                <a:latin typeface="Montserrat"/>
-                <a:ea typeface="Montserrat"/>
-                <a:cs typeface="Montserrat"/>
-                <a:sym typeface="Montserrat"/>
-              </a:defRPr>
-            </a:lvl8pPr>
-            <a:lvl9pPr marR="0" lvl="8" algn="l" rtl="0">
-              <a:lnSpc>
-                <a:spcPct val="100000"/>
-              </a:lnSpc>
-              <a:spcBef>
-                <a:spcPts val="0"/>
-              </a:spcBef>
-              <a:spcAft>
-                <a:spcPts val="0"/>
-              </a:spcAft>
-              <a:buClr>
-                <a:schemeClr val="dk1"/>
-              </a:buClr>
-              <a:buSzPts val="3000"/>
-              <a:buFont typeface="Montserrat"/>
-              <a:buNone/>
-              <a:defRPr sz="3000" b="1" i="0" u="none" strike="noStrike" cap="none">
-                <a:solidFill>
-                  <a:schemeClr val="dk1"/>
-                </a:solidFill>
-                <a:latin typeface="Montserrat"/>
-                <a:ea typeface="Montserrat"/>
-                <a:cs typeface="Montserrat"/>
-                <a:sym typeface="Montserrat"/>
-              </a:defRPr>
-            </a:lvl9pPr>
-          </a:lstStyle>
-          <a:p>
-            <a:r>
-              <a:rPr lang="en" dirty="0">
-                <a:latin typeface="+mj-lt"/>
-              </a:rPr>
-              <a:t>5</a:t>
-            </a:r>
-          </a:p>
-        </p:txBody>
-      </p:sp>
-      <p:sp>
-        <p:nvSpPr>
-          <p:cNvPr id="39" name="Google Shape;280;p28">
-            <a:extLst>
-              <a:ext uri="{FF2B5EF4-FFF2-40B4-BE49-F238E27FC236}">
-                <a16:creationId xmlns:a16="http://schemas.microsoft.com/office/drawing/2014/main" id="{67655824-E983-4F88-A2C0-E027BAE75BE7}"/>
-              </a:ext>
-            </a:extLst>
-          </p:cNvPr>
-          <p:cNvSpPr txBox="1">
-            <a:spLocks/>
-          </p:cNvSpPr>
-          <p:nvPr/>
-        </p:nvSpPr>
-        <p:spPr>
-          <a:xfrm>
-            <a:off x="2885745" y="3841266"/>
-            <a:ext cx="4880559" cy="527700"/>
-          </a:xfrm>
-          <a:prstGeom prst="rect">
-            <a:avLst/>
-          </a:prstGeom>
-          <a:noFill/>
-          <a:ln>
-            <a:noFill/>
-          </a:ln>
-        </p:spPr>
-        <p:txBody>
-          <a:bodyPr spcFirstLastPara="1" wrap="square" lIns="91425" tIns="91425" rIns="91425" bIns="91425" anchor="b" anchorCtr="0">
-            <a:noAutofit/>
-          </a:bodyPr>
-          <a:lstStyle>
-            <a:defPPr marR="0" lvl="0" algn="l" rtl="0">
-              <a:lnSpc>
-                <a:spcPct val="100000"/>
-              </a:lnSpc>
-              <a:spcBef>
-                <a:spcPts val="0"/>
-              </a:spcBef>
-              <a:spcAft>
-                <a:spcPts val="0"/>
-              </a:spcAft>
-            </a:defPPr>
-            <a:lvl1pPr marR="0" lvl="0" algn="l" rtl="0">
-              <a:lnSpc>
-                <a:spcPct val="100000"/>
-              </a:lnSpc>
-              <a:spcBef>
-                <a:spcPts val="0"/>
-              </a:spcBef>
-              <a:spcAft>
-                <a:spcPts val="0"/>
-              </a:spcAft>
-              <a:buClr>
-                <a:schemeClr val="dk1"/>
-              </a:buClr>
-              <a:buSzPts val="2400"/>
-              <a:buFont typeface="Montserrat"/>
-              <a:buNone/>
-              <a:defRPr sz="1900" b="1" i="0" u="none" strike="noStrike" cap="none">
-                <a:solidFill>
-                  <a:schemeClr val="dk1"/>
-                </a:solidFill>
-                <a:latin typeface="Montserrat"/>
-                <a:ea typeface="Montserrat"/>
-                <a:cs typeface="Montserrat"/>
-                <a:sym typeface="Montserrat"/>
-              </a:defRPr>
-            </a:lvl1pPr>
-            <a:lvl2pPr marR="0" lvl="1" algn="ctr" rtl="0">
-              <a:lnSpc>
-                <a:spcPct val="100000"/>
-              </a:lnSpc>
-              <a:spcBef>
-                <a:spcPts val="0"/>
-              </a:spcBef>
-              <a:spcAft>
-                <a:spcPts val="0"/>
-              </a:spcAft>
-              <a:buClr>
-                <a:schemeClr val="dk1"/>
-              </a:buClr>
-              <a:buSzPts val="2400"/>
-              <a:buFont typeface="Montserrat"/>
-              <a:buNone/>
-              <a:defRPr sz="2400" b="1" i="0" u="none" strike="noStrike" cap="none">
-                <a:solidFill>
-                  <a:schemeClr val="dk1"/>
-                </a:solidFill>
-                <a:latin typeface="Montserrat"/>
-                <a:ea typeface="Montserrat"/>
-                <a:cs typeface="Montserrat"/>
-                <a:sym typeface="Montserrat"/>
-              </a:defRPr>
-            </a:lvl2pPr>
-            <a:lvl3pPr marR="0" lvl="2" algn="ctr" rtl="0">
-              <a:lnSpc>
-                <a:spcPct val="100000"/>
-              </a:lnSpc>
-              <a:spcBef>
-                <a:spcPts val="0"/>
-              </a:spcBef>
-              <a:spcAft>
-                <a:spcPts val="0"/>
-              </a:spcAft>
-              <a:buClr>
-                <a:schemeClr val="dk1"/>
-              </a:buClr>
-              <a:buSzPts val="2400"/>
-              <a:buFont typeface="Montserrat"/>
-              <a:buNone/>
-              <a:defRPr sz="2400" b="1" i="0" u="none" strike="noStrike" cap="none">
-                <a:solidFill>
-                  <a:schemeClr val="dk1"/>
-                </a:solidFill>
-                <a:latin typeface="Montserrat"/>
-                <a:ea typeface="Montserrat"/>
-                <a:cs typeface="Montserrat"/>
-                <a:sym typeface="Montserrat"/>
-              </a:defRPr>
-            </a:lvl3pPr>
-            <a:lvl4pPr marR="0" lvl="3" algn="ctr" rtl="0">
-              <a:lnSpc>
-                <a:spcPct val="100000"/>
-              </a:lnSpc>
-              <a:spcBef>
-                <a:spcPts val="0"/>
-              </a:spcBef>
-              <a:spcAft>
-                <a:spcPts val="0"/>
-              </a:spcAft>
-              <a:buClr>
-                <a:schemeClr val="dk1"/>
-              </a:buClr>
-              <a:buSzPts val="2400"/>
-              <a:buFont typeface="Montserrat"/>
-              <a:buNone/>
-              <a:defRPr sz="2400" b="1" i="0" u="none" strike="noStrike" cap="none">
-                <a:solidFill>
-                  <a:schemeClr val="dk1"/>
-                </a:solidFill>
-                <a:latin typeface="Montserrat"/>
-                <a:ea typeface="Montserrat"/>
-                <a:cs typeface="Montserrat"/>
-                <a:sym typeface="Montserrat"/>
-              </a:defRPr>
-            </a:lvl4pPr>
-            <a:lvl5pPr marR="0" lvl="4" algn="ctr" rtl="0">
-              <a:lnSpc>
-                <a:spcPct val="100000"/>
-              </a:lnSpc>
-              <a:spcBef>
-                <a:spcPts val="0"/>
-              </a:spcBef>
-              <a:spcAft>
-                <a:spcPts val="0"/>
-              </a:spcAft>
-              <a:buClr>
-                <a:schemeClr val="dk1"/>
-              </a:buClr>
-              <a:buSzPts val="2400"/>
-              <a:buFont typeface="Montserrat"/>
-              <a:buNone/>
-              <a:defRPr sz="2400" b="1" i="0" u="none" strike="noStrike" cap="none">
-                <a:solidFill>
-                  <a:schemeClr val="dk1"/>
-                </a:solidFill>
-                <a:latin typeface="Montserrat"/>
-                <a:ea typeface="Montserrat"/>
-                <a:cs typeface="Montserrat"/>
-                <a:sym typeface="Montserrat"/>
-              </a:defRPr>
-            </a:lvl5pPr>
-            <a:lvl6pPr marR="0" lvl="5" algn="ctr" rtl="0">
-              <a:lnSpc>
-                <a:spcPct val="100000"/>
-              </a:lnSpc>
-              <a:spcBef>
-                <a:spcPts val="0"/>
-              </a:spcBef>
-              <a:spcAft>
-                <a:spcPts val="0"/>
-              </a:spcAft>
-              <a:buClr>
-                <a:schemeClr val="dk1"/>
-              </a:buClr>
-              <a:buSzPts val="2400"/>
-              <a:buFont typeface="Montserrat"/>
-              <a:buNone/>
-              <a:defRPr sz="2400" b="1" i="0" u="none" strike="noStrike" cap="none">
-                <a:solidFill>
-                  <a:schemeClr val="dk1"/>
-                </a:solidFill>
-                <a:latin typeface="Montserrat"/>
-                <a:ea typeface="Montserrat"/>
-                <a:cs typeface="Montserrat"/>
-                <a:sym typeface="Montserrat"/>
-              </a:defRPr>
-            </a:lvl6pPr>
-            <a:lvl7pPr marR="0" lvl="6" algn="ctr" rtl="0">
-              <a:lnSpc>
-                <a:spcPct val="100000"/>
-              </a:lnSpc>
-              <a:spcBef>
-                <a:spcPts val="0"/>
-              </a:spcBef>
-              <a:spcAft>
-                <a:spcPts val="0"/>
-              </a:spcAft>
-              <a:buClr>
-                <a:schemeClr val="dk1"/>
-              </a:buClr>
-              <a:buSzPts val="2400"/>
-              <a:buFont typeface="Montserrat"/>
-              <a:buNone/>
-              <a:defRPr sz="2400" b="1" i="0" u="none" strike="noStrike" cap="none">
-                <a:solidFill>
-                  <a:schemeClr val="dk1"/>
-                </a:solidFill>
-                <a:latin typeface="Montserrat"/>
-                <a:ea typeface="Montserrat"/>
-                <a:cs typeface="Montserrat"/>
-                <a:sym typeface="Montserrat"/>
-              </a:defRPr>
-            </a:lvl7pPr>
-            <a:lvl8pPr marR="0" lvl="7" algn="ctr" rtl="0">
-              <a:lnSpc>
-                <a:spcPct val="100000"/>
-              </a:lnSpc>
-              <a:spcBef>
-                <a:spcPts val="0"/>
-              </a:spcBef>
-              <a:spcAft>
-                <a:spcPts val="0"/>
-              </a:spcAft>
-              <a:buClr>
-                <a:schemeClr val="dk1"/>
-              </a:buClr>
-              <a:buSzPts val="2400"/>
-              <a:buFont typeface="Montserrat"/>
-              <a:buNone/>
-              <a:defRPr sz="2400" b="1" i="0" u="none" strike="noStrike" cap="none">
-                <a:solidFill>
-                  <a:schemeClr val="dk1"/>
-                </a:solidFill>
-                <a:latin typeface="Montserrat"/>
-                <a:ea typeface="Montserrat"/>
-                <a:cs typeface="Montserrat"/>
-                <a:sym typeface="Montserrat"/>
-              </a:defRPr>
-            </a:lvl8pPr>
-            <a:lvl9pPr marR="0" lvl="8" algn="ctr" rtl="0">
-              <a:lnSpc>
-                <a:spcPct val="100000"/>
-              </a:lnSpc>
-              <a:spcBef>
-                <a:spcPts val="0"/>
-              </a:spcBef>
-              <a:spcAft>
-                <a:spcPts val="0"/>
-              </a:spcAft>
-              <a:buClr>
-                <a:schemeClr val="dk1"/>
-              </a:buClr>
-              <a:buSzPts val="2400"/>
-              <a:buFont typeface="Montserrat"/>
-              <a:buNone/>
-              <a:defRPr sz="2400" b="1" i="0" u="none" strike="noStrike" cap="none">
-                <a:solidFill>
-                  <a:schemeClr val="dk1"/>
-                </a:solidFill>
-                <a:latin typeface="Montserrat"/>
-                <a:ea typeface="Montserrat"/>
-                <a:cs typeface="Montserrat"/>
-                <a:sym typeface="Montserrat"/>
-              </a:defRPr>
-            </a:lvl9pPr>
-          </a:lstStyle>
-          <a:p>
-            <a:r>
-              <a:rPr lang="en-US" dirty="0" err="1">
-                <a:latin typeface="+mj-lt"/>
-              </a:rPr>
-              <a:t>Datubāzes</a:t>
-            </a:r>
-            <a:r>
-              <a:rPr lang="en-US" dirty="0">
-                <a:latin typeface="+mj-lt"/>
-              </a:rPr>
-              <a:t> </a:t>
-            </a:r>
-            <a:r>
-              <a:rPr lang="en-US" dirty="0" err="1">
-                <a:latin typeface="+mj-lt"/>
-              </a:rPr>
-              <a:t>fiziskās</a:t>
-            </a:r>
-            <a:r>
-              <a:rPr lang="en-US" dirty="0">
-                <a:latin typeface="+mj-lt"/>
-              </a:rPr>
-              <a:t> </a:t>
-            </a:r>
-            <a:r>
-              <a:rPr lang="en-US" dirty="0" err="1">
-                <a:latin typeface="+mj-lt"/>
-              </a:rPr>
-              <a:t>struktūras</a:t>
-            </a:r>
-            <a:r>
-              <a:rPr lang="en-US" dirty="0">
-                <a:latin typeface="+mj-lt"/>
-              </a:rPr>
-              <a:t> </a:t>
-            </a:r>
-            <a:r>
-              <a:rPr lang="en-US" dirty="0" err="1">
-                <a:latin typeface="+mj-lt"/>
-              </a:rPr>
-              <a:t>shēma</a:t>
-            </a:r>
-            <a:endParaRPr lang="lv-LV" dirty="0">
-              <a:latin typeface="+mj-lt"/>
-            </a:endParaRPr>
-          </a:p>
-        </p:txBody>
-      </p:sp>
-      <p:sp>
-        <p:nvSpPr>
-          <p:cNvPr id="40" name="Google Shape;282;p28">
-            <a:extLst>
-              <a:ext uri="{FF2B5EF4-FFF2-40B4-BE49-F238E27FC236}">
-                <a16:creationId xmlns:a16="http://schemas.microsoft.com/office/drawing/2014/main" id="{250D6D44-9FB1-418D-8C1C-1FBD5D90946A}"/>
-              </a:ext>
-            </a:extLst>
-          </p:cNvPr>
-          <p:cNvSpPr txBox="1">
-            <a:spLocks/>
-          </p:cNvSpPr>
-          <p:nvPr/>
-        </p:nvSpPr>
-        <p:spPr>
-          <a:xfrm>
-            <a:off x="1855762" y="3881316"/>
-            <a:ext cx="830100" cy="447600"/>
-          </a:xfrm>
-          <a:prstGeom prst="rect">
-            <a:avLst/>
-          </a:prstGeom>
-          <a:noFill/>
-          <a:ln>
-            <a:noFill/>
-          </a:ln>
-        </p:spPr>
-        <p:txBody>
-          <a:bodyPr spcFirstLastPara="1" wrap="square" lIns="91425" tIns="91425" rIns="91425" bIns="91425" anchor="ctr" anchorCtr="0">
-            <a:noAutofit/>
-          </a:bodyPr>
-          <a:lstStyle>
-            <a:defPPr marR="0" lvl="0" algn="l" rtl="0">
-              <a:lnSpc>
-                <a:spcPct val="100000"/>
-              </a:lnSpc>
-              <a:spcBef>
-                <a:spcPts val="0"/>
-              </a:spcBef>
-              <a:spcAft>
-                <a:spcPts val="0"/>
-              </a:spcAft>
-            </a:defPPr>
-            <a:lvl1pPr marR="0" lvl="0" algn="r" rtl="0">
-              <a:lnSpc>
-                <a:spcPct val="100000"/>
-              </a:lnSpc>
-              <a:spcBef>
-                <a:spcPts val="0"/>
-              </a:spcBef>
-              <a:spcAft>
-                <a:spcPts val="0"/>
-              </a:spcAft>
-              <a:buClr>
-                <a:schemeClr val="dk1"/>
-              </a:buClr>
-              <a:buSzPts val="3000"/>
-              <a:buFont typeface="Montserrat"/>
-              <a:buNone/>
-              <a:defRPr sz="2700" b="1" i="0" u="none" strike="noStrike" cap="none">
-                <a:solidFill>
-                  <a:schemeClr val="dk1"/>
-                </a:solidFill>
-                <a:latin typeface="Montserrat"/>
-                <a:ea typeface="Montserrat"/>
-                <a:cs typeface="Montserrat"/>
-                <a:sym typeface="Montserrat"/>
-              </a:defRPr>
-            </a:lvl1pPr>
-            <a:lvl2pPr marR="0" lvl="1" algn="l" rtl="0">
-              <a:lnSpc>
-                <a:spcPct val="100000"/>
-              </a:lnSpc>
-              <a:spcBef>
-                <a:spcPts val="0"/>
-              </a:spcBef>
-              <a:spcAft>
-                <a:spcPts val="0"/>
-              </a:spcAft>
-              <a:buClr>
-                <a:schemeClr val="dk1"/>
-              </a:buClr>
-              <a:buSzPts val="3000"/>
-              <a:buFont typeface="Montserrat"/>
-              <a:buNone/>
-              <a:defRPr sz="3000" b="1" i="0" u="none" strike="noStrike" cap="none">
-                <a:solidFill>
-                  <a:schemeClr val="dk1"/>
-                </a:solidFill>
-                <a:latin typeface="Montserrat"/>
-                <a:ea typeface="Montserrat"/>
-                <a:cs typeface="Montserrat"/>
-                <a:sym typeface="Montserrat"/>
-              </a:defRPr>
-            </a:lvl2pPr>
-            <a:lvl3pPr marR="0" lvl="2" algn="l" rtl="0">
-              <a:lnSpc>
-                <a:spcPct val="100000"/>
-              </a:lnSpc>
-              <a:spcBef>
-                <a:spcPts val="0"/>
-              </a:spcBef>
-              <a:spcAft>
-                <a:spcPts val="0"/>
-              </a:spcAft>
-              <a:buClr>
-                <a:schemeClr val="dk1"/>
-              </a:buClr>
-              <a:buSzPts val="3000"/>
-              <a:buFont typeface="Montserrat"/>
-              <a:buNone/>
-              <a:defRPr sz="3000" b="1" i="0" u="none" strike="noStrike" cap="none">
-                <a:solidFill>
-                  <a:schemeClr val="dk1"/>
-                </a:solidFill>
-                <a:latin typeface="Montserrat"/>
-                <a:ea typeface="Montserrat"/>
-                <a:cs typeface="Montserrat"/>
-                <a:sym typeface="Montserrat"/>
-              </a:defRPr>
-            </a:lvl3pPr>
-            <a:lvl4pPr marR="0" lvl="3" algn="l" rtl="0">
-              <a:lnSpc>
-                <a:spcPct val="100000"/>
-              </a:lnSpc>
-              <a:spcBef>
-                <a:spcPts val="0"/>
-              </a:spcBef>
-              <a:spcAft>
-                <a:spcPts val="0"/>
-              </a:spcAft>
-              <a:buClr>
-                <a:schemeClr val="dk1"/>
-              </a:buClr>
-              <a:buSzPts val="3000"/>
-              <a:buFont typeface="Montserrat"/>
-              <a:buNone/>
-              <a:defRPr sz="3000" b="1" i="0" u="none" strike="noStrike" cap="none">
-                <a:solidFill>
-                  <a:schemeClr val="dk1"/>
-                </a:solidFill>
-                <a:latin typeface="Montserrat"/>
-                <a:ea typeface="Montserrat"/>
-                <a:cs typeface="Montserrat"/>
-                <a:sym typeface="Montserrat"/>
-              </a:defRPr>
-            </a:lvl4pPr>
-            <a:lvl5pPr marR="0" lvl="4" algn="l" rtl="0">
-              <a:lnSpc>
-                <a:spcPct val="100000"/>
-              </a:lnSpc>
-              <a:spcBef>
-                <a:spcPts val="0"/>
-              </a:spcBef>
-              <a:spcAft>
-                <a:spcPts val="0"/>
-              </a:spcAft>
-              <a:buClr>
-                <a:schemeClr val="dk1"/>
-              </a:buClr>
-              <a:buSzPts val="3000"/>
-              <a:buFont typeface="Montserrat"/>
-              <a:buNone/>
-              <a:defRPr sz="3000" b="1" i="0" u="none" strike="noStrike" cap="none">
-                <a:solidFill>
-                  <a:schemeClr val="dk1"/>
-                </a:solidFill>
-                <a:latin typeface="Montserrat"/>
-                <a:ea typeface="Montserrat"/>
-                <a:cs typeface="Montserrat"/>
-                <a:sym typeface="Montserrat"/>
-              </a:defRPr>
-            </a:lvl5pPr>
-            <a:lvl6pPr marR="0" lvl="5" algn="l" rtl="0">
-              <a:lnSpc>
-                <a:spcPct val="100000"/>
-              </a:lnSpc>
-              <a:spcBef>
-                <a:spcPts val="0"/>
-              </a:spcBef>
-              <a:spcAft>
-                <a:spcPts val="0"/>
-              </a:spcAft>
-              <a:buClr>
-                <a:schemeClr val="dk1"/>
-              </a:buClr>
-              <a:buSzPts val="3000"/>
-              <a:buFont typeface="Montserrat"/>
-              <a:buNone/>
-              <a:defRPr sz="3000" b="1" i="0" u="none" strike="noStrike" cap="none">
-                <a:solidFill>
-                  <a:schemeClr val="dk1"/>
-                </a:solidFill>
-                <a:latin typeface="Montserrat"/>
-                <a:ea typeface="Montserrat"/>
-                <a:cs typeface="Montserrat"/>
-                <a:sym typeface="Montserrat"/>
-              </a:defRPr>
-            </a:lvl6pPr>
-            <a:lvl7pPr marR="0" lvl="6" algn="l" rtl="0">
-              <a:lnSpc>
-                <a:spcPct val="100000"/>
-              </a:lnSpc>
-              <a:spcBef>
-                <a:spcPts val="0"/>
-              </a:spcBef>
-              <a:spcAft>
-                <a:spcPts val="0"/>
-              </a:spcAft>
-              <a:buClr>
-                <a:schemeClr val="dk1"/>
-              </a:buClr>
-              <a:buSzPts val="3000"/>
-              <a:buFont typeface="Montserrat"/>
-              <a:buNone/>
-              <a:defRPr sz="3000" b="1" i="0" u="none" strike="noStrike" cap="none">
-                <a:solidFill>
-                  <a:schemeClr val="dk1"/>
-                </a:solidFill>
-                <a:latin typeface="Montserrat"/>
-                <a:ea typeface="Montserrat"/>
-                <a:cs typeface="Montserrat"/>
-                <a:sym typeface="Montserrat"/>
-              </a:defRPr>
-            </a:lvl7pPr>
-            <a:lvl8pPr marR="0" lvl="7" algn="l" rtl="0">
-              <a:lnSpc>
-                <a:spcPct val="100000"/>
-              </a:lnSpc>
-              <a:spcBef>
-                <a:spcPts val="0"/>
-              </a:spcBef>
-              <a:spcAft>
-                <a:spcPts val="0"/>
-              </a:spcAft>
-              <a:buClr>
-                <a:schemeClr val="dk1"/>
-              </a:buClr>
-              <a:buSzPts val="3000"/>
-              <a:buFont typeface="Montserrat"/>
-              <a:buNone/>
-              <a:defRPr sz="3000" b="1" i="0" u="none" strike="noStrike" cap="none">
-                <a:solidFill>
-                  <a:schemeClr val="dk1"/>
-                </a:solidFill>
-                <a:latin typeface="Montserrat"/>
-                <a:ea typeface="Montserrat"/>
-                <a:cs typeface="Montserrat"/>
-                <a:sym typeface="Montserrat"/>
-              </a:defRPr>
-            </a:lvl8pPr>
-            <a:lvl9pPr marR="0" lvl="8" algn="l" rtl="0">
-              <a:lnSpc>
-                <a:spcPct val="100000"/>
-              </a:lnSpc>
-              <a:spcBef>
-                <a:spcPts val="0"/>
-              </a:spcBef>
-              <a:spcAft>
-                <a:spcPts val="0"/>
-              </a:spcAft>
-              <a:buClr>
-                <a:schemeClr val="dk1"/>
-              </a:buClr>
-              <a:buSzPts val="3000"/>
-              <a:buFont typeface="Montserrat"/>
-              <a:buNone/>
-              <a:defRPr sz="3000" b="1" i="0" u="none" strike="noStrike" cap="none">
-                <a:solidFill>
-                  <a:schemeClr val="dk1"/>
-                </a:solidFill>
-                <a:latin typeface="Montserrat"/>
-                <a:ea typeface="Montserrat"/>
-                <a:cs typeface="Montserrat"/>
-                <a:sym typeface="Montserrat"/>
-              </a:defRPr>
-            </a:lvl9pPr>
-          </a:lstStyle>
-          <a:p>
-            <a:r>
-              <a:rPr lang="en" dirty="0">
-                <a:latin typeface="+mj-lt"/>
-              </a:rPr>
-              <a:t>6</a:t>
-            </a:r>
-          </a:p>
-        </p:txBody>
-      </p:sp>
-    </p:spTree>
-  </p:cSld>
-  <p:clrMapOvr>
-    <a:masterClrMapping/>
-  </p:clrMapOvr>
-</p:sld>
-</file>
-
-<file path=ppt/slides/slide3.xml><?xml version="1.0" encoding="utf-8"?>
 <p:sld xmlns:a="http://schemas.openxmlformats.org/drawingml/2006/main" xmlns:r="http://schemas.openxmlformats.org/officeDocument/2006/relationships" xmlns:p="http://schemas.openxmlformats.org/presentationml/2006/main">
   <p:cSld>
     <p:spTree>
@@ -13366,7 +7811,7 @@
 </p:sld>
 </file>
 
-<file path=ppt/slides/slide4.xml><?xml version="1.0" encoding="utf-8"?>
+<file path=ppt/slides/slide3.xml><?xml version="1.0" encoding="utf-8"?>
 <p:sld xmlns:a="http://schemas.openxmlformats.org/drawingml/2006/main" xmlns:r="http://schemas.openxmlformats.org/officeDocument/2006/relationships" xmlns:p="http://schemas.openxmlformats.org/presentationml/2006/main">
   <p:cSld>
     <p:spTree>
@@ -14141,7 +8586,7 @@
 </p:sld>
 </file>
 
-<file path=ppt/slides/slide5.xml><?xml version="1.0" encoding="utf-8"?>
+<file path=ppt/slides/slide4.xml><?xml version="1.0" encoding="utf-8"?>
 <p:sld xmlns:a="http://schemas.openxmlformats.org/drawingml/2006/main" xmlns:r="http://schemas.openxmlformats.org/officeDocument/2006/relationships" xmlns:p="http://schemas.openxmlformats.org/presentationml/2006/main">
   <p:cSld>
     <p:spTree>
@@ -14256,7 +8701,7 @@
 </p:sld>
 </file>
 
-<file path=ppt/slides/slide6.xml><?xml version="1.0" encoding="utf-8"?>
+<file path=ppt/slides/slide5.xml><?xml version="1.0" encoding="utf-8"?>
 <p:sld xmlns:a="http://schemas.openxmlformats.org/drawingml/2006/main" xmlns:r="http://schemas.openxmlformats.org/officeDocument/2006/relationships" xmlns:p="http://schemas.openxmlformats.org/presentationml/2006/main">
   <p:cSld>
     <p:spTree>
@@ -14371,7 +8816,7 @@
 </p:sld>
 </file>
 
-<file path=ppt/slides/slide7.xml><?xml version="1.0" encoding="utf-8"?>
+<file path=ppt/slides/slide6.xml><?xml version="1.0" encoding="utf-8"?>
 <p:sld xmlns:a="http://schemas.openxmlformats.org/drawingml/2006/main" xmlns:r="http://schemas.openxmlformats.org/officeDocument/2006/relationships" xmlns:p="http://schemas.openxmlformats.org/presentationml/2006/main">
   <p:cSld>
     <p:spTree>
@@ -14545,7 +8990,7 @@
 </p:sld>
 </file>
 
-<file path=ppt/slides/slide8.xml><?xml version="1.0" encoding="utf-8"?>
+<file path=ppt/slides/slide7.xml><?xml version="1.0" encoding="utf-8"?>
 <p:sld xmlns:a="http://schemas.openxmlformats.org/drawingml/2006/main" xmlns:r="http://schemas.openxmlformats.org/officeDocument/2006/relationships" xmlns:p="http://schemas.openxmlformats.org/presentationml/2006/main">
   <p:cSld>
     <p:spTree>
@@ -14719,7 +9164,7 @@
 </p:sld>
 </file>
 
-<file path=ppt/slides/slide9.xml><?xml version="1.0" encoding="utf-8"?>
+<file path=ppt/slides/slide8.xml><?xml version="1.0" encoding="utf-8"?>
 <p:sld xmlns:a="http://schemas.openxmlformats.org/drawingml/2006/main" xmlns:r="http://schemas.openxmlformats.org/officeDocument/2006/relationships" xmlns:p="http://schemas.openxmlformats.org/presentationml/2006/main">
   <p:cSld>
     <p:spTree>
@@ -14844,6 +9289,66 @@
     <p:extLst>
       <p:ext uri="{BB962C8B-B14F-4D97-AF65-F5344CB8AC3E}">
         <p14:creationId xmlns:p14="http://schemas.microsoft.com/office/powerpoint/2010/main" val="483266181"/>
+      </p:ext>
+    </p:extLst>
+  </p:cSld>
+  <p:clrMapOvr>
+    <a:masterClrMapping/>
+  </p:clrMapOvr>
+</p:sld>
+</file>
+
+<file path=ppt/slides/slide9.xml><?xml version="1.0" encoding="utf-8"?>
+<p:sld xmlns:a="http://schemas.openxmlformats.org/drawingml/2006/main" xmlns:r="http://schemas.openxmlformats.org/officeDocument/2006/relationships" xmlns:p="http://schemas.openxmlformats.org/presentationml/2006/main">
+  <p:cSld>
+    <p:spTree>
+      <p:nvGrpSpPr>
+        <p:cNvPr id="1" name="Shape 464"/>
+        <p:cNvGrpSpPr/>
+        <p:nvPr/>
+      </p:nvGrpSpPr>
+      <p:grpSpPr>
+        <a:xfrm>
+          <a:off x="0" y="0"/>
+          <a:ext cx="0" cy="0"/>
+          <a:chOff x="0" y="0"/>
+          <a:chExt cx="0" cy="0"/>
+        </a:xfrm>
+      </p:grpSpPr>
+      <p:pic>
+        <p:nvPicPr>
+          <p:cNvPr id="3" name="Picture 2">
+            <a:extLst>
+              <a:ext uri="{FF2B5EF4-FFF2-40B4-BE49-F238E27FC236}">
+                <a16:creationId xmlns:a16="http://schemas.microsoft.com/office/drawing/2014/main" id="{43F22A53-63A1-4476-ABE0-9E0D417ADCE8}"/>
+              </a:ext>
+            </a:extLst>
+          </p:cNvPr>
+          <p:cNvPicPr>
+            <a:picLocks noChangeAspect="1"/>
+          </p:cNvPicPr>
+          <p:nvPr/>
+        </p:nvPicPr>
+        <p:blipFill>
+          <a:blip r:embed="rId3"/>
+          <a:stretch>
+            <a:fillRect/>
+          </a:stretch>
+        </p:blipFill>
+        <p:spPr>
+          <a:xfrm>
+            <a:off x="0" y="1042"/>
+            <a:ext cx="9144000" cy="5141415"/>
+          </a:xfrm>
+          <a:prstGeom prst="rect">
+            <a:avLst/>
+          </a:prstGeom>
+        </p:spPr>
+      </p:pic>
+    </p:spTree>
+    <p:extLst>
+      <p:ext uri="{BB962C8B-B14F-4D97-AF65-F5344CB8AC3E}">
+        <p14:creationId xmlns:p14="http://schemas.microsoft.com/office/powerpoint/2010/main" val="2758911896"/>
       </p:ext>
     </p:extLst>
   </p:cSld>
